--- a/presentation/TechCon365-MCP-Presentation.pptx
+++ b/presentation/TechCon365-MCP-Presentation.pptx
@@ -20,9 +20,10 @@
     <p:sldId id="268" r:id="rId14"/>
     <p:sldId id="269" r:id="rId15"/>
     <p:sldId id="270" r:id="rId16"/>
+    <p:sldId id="271" r:id="rId17"/>
   </p:sldIdLst>
   <p:notesMasterIdLst>
-    <p:notesMasterId r:id="rId17"/>
+    <p:notesMasterId r:id="rId18"/>
   </p:notesMasterIdLst>
   <p:sldSz cx="9144000" cy="5143500"/>
   <p:notesSz cx="5143500" cy="9144000"/>
@@ -1564,6 +1565,94 @@
             <a:fld id="{F7021451-1387-4CA6-816F-3879F97B5CBC}" type="slidenum">
               <a:rPr lang="en-US"/>
               <a:t>15</a:t>
+            </a:fld>
+            <a:endParaRPr lang="en-US"/>
+          </a:p>
+        </p:txBody>
+      </p:sp>
+    </p:spTree>
+    <p:extLst>
+      <p:ext uri="{BB962C8B-B14F-4D97-AF65-F5344CB8AC3E}">
+        <p14:creationId xmlns:p14="http://schemas.microsoft.com/office/powerpoint/2010/main" val="1024086991"/>
+      </p:ext>
+    </p:extLst>
+  </p:cSld>
+  <p:clrMapOvr>
+    <a:masterClrMapping/>
+  </p:clrMapOvr>
+</p:notes>
+</file>
+
+<file path=ppt/notesSlides/notesSlide16.xml><?xml version="1.0" encoding="utf-8"?>
+<p:notes xmlns:a="http://schemas.openxmlformats.org/drawingml/2006/main" xmlns:r="http://schemas.openxmlformats.org/officeDocument/2006/relationships" xmlns:p="http://schemas.openxmlformats.org/presentationml/2006/main">
+  <p:cSld>
+    <p:spTree>
+      <p:nvGrpSpPr>
+        <p:cNvPr id="1" name=""/>
+        <p:cNvGrpSpPr/>
+        <p:nvPr/>
+      </p:nvGrpSpPr>
+      <p:grpSpPr>
+        <a:xfrm>
+          <a:off x="0" y="0"/>
+          <a:ext cx="0" cy="0"/>
+          <a:chOff x="0" y="0"/>
+          <a:chExt cx="0" cy="0"/>
+        </a:xfrm>
+      </p:grpSpPr>
+      <p:sp>
+        <p:nvSpPr>
+          <p:cNvPr id="2" name="Slide Image Placeholder 1"/>
+          <p:cNvSpPr>
+            <a:spLocks noGrp="1" noRot="1" noChangeAspect="1"/>
+          </p:cNvSpPr>
+          <p:nvPr>
+            <p:ph type="sldImg"/>
+          </p:nvPr>
+        </p:nvSpPr>
+        <p:spPr/>
+      </p:sp>
+      <p:sp>
+        <p:nvSpPr>
+          <p:cNvPr id="3" name="Notes Placeholder 2"/>
+          <p:cNvSpPr>
+            <a:spLocks noGrp="1"/>
+          </p:cNvSpPr>
+          <p:nvPr>
+            <p:ph type="body" idx="1"/>
+          </p:nvPr>
+        </p:nvSpPr>
+        <p:spPr/>
+        <p:txBody>
+          <a:bodyPr/>
+          <a:lstStyle/>
+          <a:p>
+            <a:r>
+              <a:rPr lang="en-US" dirty="0"/>
+              <a:t/>
+            </a:r>
+            <a:endParaRPr lang="en-US" dirty="0"/>
+          </a:p>
+        </p:txBody>
+      </p:sp>
+      <p:sp>
+        <p:nvSpPr>
+          <p:cNvPr id="4" name="Slide Number Placeholder 3"/>
+          <p:cNvSpPr>
+            <a:spLocks noGrp="1"/>
+          </p:cNvSpPr>
+          <p:nvPr>
+            <p:ph type="sldNum" sz="quarter" idx="10"/>
+          </p:nvPr>
+        </p:nvSpPr>
+        <p:spPr/>
+        <p:txBody>
+          <a:bodyPr/>
+          <a:lstStyle/>
+          <a:p>
+            <a:fld id="{F7021451-1387-4CA6-816F-3879F97B5CBC}" type="slidenum">
+              <a:rPr lang="en-US"/>
+              <a:t>16</a:t>
             </a:fld>
             <a:endParaRPr lang="en-US"/>
           </a:p>
@@ -2823,7 +2912,7 @@
         <p:spPr>
           <a:xfrm>
             <a:off x="0" y="0"/>
-            <a:ext cx="9144000" cy="1158776"/>
+            <a:ext cx="9144000" cy="1234976"/>
           </a:xfrm>
           <a:prstGeom prst="rect">
             <a:avLst/>
@@ -2853,7 +2942,7 @@
         <p:spPr>
           <a:xfrm>
             <a:off x="507950" y="317450"/>
-            <a:ext cx="8290661" cy="523875"/>
+            <a:ext cx="8290661" cy="600075"/>
           </a:xfrm>
           <a:prstGeom prst="rect">
             <a:avLst/>
@@ -2877,7 +2966,7 @@
                 <a:ea typeface="Arial" pitchFamily="34" charset="-122"/>
                 <a:cs typeface="Arial" pitchFamily="34" charset="-120"/>
               </a:rPr>
-              <a:t>Privacy &amp; Compliance Benefits</a:t>
+              <a:t>MCP Composition: The Magic ✨</a:t>
             </a:r>
             <a:endParaRPr lang="en-US" sz="3600" dirty="0"/>
           </a:p>
@@ -2891,8 +2980,8 @@
         </p:nvSpPr>
         <p:spPr>
           <a:xfrm>
-            <a:off x="507950" y="1412677"/>
-            <a:ext cx="3886352" cy="333375"/>
+            <a:off x="507950" y="1488877"/>
+            <a:ext cx="8290661" cy="323850"/>
           </a:xfrm>
           <a:prstGeom prst="rect">
             <a:avLst/>
@@ -2906,12 +2995,12 @@
           <a:p>
             <a:pPr algn="l" indent="0" marL="0">
               <a:spcAft>
-                <a:spcPts val="1500"/>
-              </a:spcAft>
-              <a:buNone/>
-            </a:pPr>
-            <a:r>
-              <a:rPr lang="en-US" sz="2000" b="1" dirty="0">
+                <a:spcPts val="1200"/>
+              </a:spcAft>
+              <a:buNone/>
+            </a:pPr>
+            <a:r>
+              <a:rPr lang="en-US" sz="2200" b="1" dirty="0">
                 <a:solidFill>
                   <a:srgbClr val="181B24"/>
                 </a:solidFill>
@@ -2919,9 +3008,9 @@
                 <a:ea typeface="Arial" pitchFamily="34" charset="-122"/>
                 <a:cs typeface="Arial" pitchFamily="34" charset="-120"/>
               </a:rPr>
-              <a:t>🔒 Privacy Wins</a:t>
-            </a:r>
-            <a:endParaRPr lang="en-US" sz="2000" dirty="0"/>
+              <a:t>Two MCP Servers Working Together:</a:t>
+            </a:r>
+            <a:endParaRPr lang="en-US" sz="2200" dirty="0"/>
           </a:p>
         </p:txBody>
       </p:sp>
@@ -2933,419 +3022,356 @@
         </p:nvSpPr>
         <p:spPr>
           <a:xfrm>
-            <a:off x="507950" y="1936552"/>
-            <a:ext cx="3810149" cy="1726109"/>
-          </a:xfrm>
-          <a:prstGeom prst="rect">
-            <a:avLst/>
-          </a:prstGeom>
-          <a:noFill/>
-          <a:ln/>
-        </p:spPr>
-        <p:txBody>
-          <a:bodyPr wrap="square" lIns="127000" tIns="0" rIns="0" bIns="0" rtlCol="0" anchor="t"/>
-          <a:lstStyle/>
-          <a:p>
-            <a:pPr algn="l" marL="127000" indent="-127000">
-              <a:lnSpc>
-                <a:spcPts val="2080"/>
-              </a:lnSpc>
-              <a:spcAft>
-                <a:spcPts val="800"/>
-              </a:spcAft>
-              <a:buSzPct val="100000"/>
-              <a:buChar char="•"/>
+            <a:off x="507950" y="1965127"/>
+            <a:ext cx="8128099" cy="1638300"/>
+          </a:xfrm>
+          <a:prstGeom prst="roundRect">
+            <a:avLst>
+              <a:gd name="adj" fmla="val 6202"/>
+            </a:avLst>
+          </a:prstGeom>
+          <a:solidFill>
+            <a:srgbClr val="F4F6F6"/>
+          </a:solidFill>
+          <a:ln/>
+        </p:spPr>
+        <p:txBody>
+          <a:bodyPr wrap="square" rtlCol="0" anchor="ctr"/>
+          <a:lstStyle/>
+          <a:p>
+            <a:pPr indent="0" marL="0">
+              <a:buNone/>
+            </a:pPr>
+            <a:endParaRPr lang="en-US" dirty="0"/>
+          </a:p>
+        </p:txBody>
+      </p:sp>
+      <p:sp>
+        <p:nvSpPr>
+          <p:cNvPr id="6" name="Text 4"/>
+          <p:cNvSpPr/>
+          <p:nvPr/>
+        </p:nvSpPr>
+        <p:spPr>
+          <a:xfrm>
+            <a:off x="698450" y="2231827"/>
+            <a:ext cx="7902041" cy="219075"/>
+          </a:xfrm>
+          <a:prstGeom prst="rect">
+            <a:avLst/>
+          </a:prstGeom>
+          <a:noFill/>
+          <a:ln/>
+        </p:spPr>
+        <p:txBody>
+          <a:bodyPr wrap="square" lIns="0" tIns="0" rIns="0" bIns="0" rtlCol="0" anchor="t"/>
+          <a:lstStyle/>
+          <a:p>
+            <a:pPr algn="l" indent="0" marL="0">
+              <a:spcBef>
+                <a:spcPts val="600"/>
+              </a:spcBef>
+              <a:spcAft>
+                <a:spcPts val="600"/>
+              </a:spcAft>
+              <a:buNone/>
+            </a:pPr>
+            <a:r>
+              <a:rPr lang="en-US" sz="1500" b="1" dirty="0">
+                <a:solidFill>
+                  <a:srgbClr val="40695B"/>
+                </a:solidFill>
+                <a:latin typeface="Courier New" pitchFamily="34" charset="0"/>
+                <a:ea typeface="Courier New" pitchFamily="34" charset="-122"/>
+                <a:cs typeface="Courier New" pitchFamily="34" charset="-120"/>
+              </a:rPr>
+              <a:t>Step 1:</a:t>
+            </a:r>
+            <a:pPr algn="l" indent="0" marL="0">
+              <a:spcBef>
+                <a:spcPts val="600"/>
+              </a:spcBef>
+              <a:spcAft>
+                <a:spcPts val="600"/>
+              </a:spcAft>
+              <a:buNone/>
+            </a:pPr>
+            <a:r>
+              <a:rPr lang="en-US" sz="1500" dirty="0">
+                <a:solidFill>
+                  <a:srgbClr val="2E4053"/>
+                </a:solidFill>
+                <a:latin typeface="Courier New" pitchFamily="34" charset="0"/>
+                <a:ea typeface="Courier New" pitchFamily="34" charset="-122"/>
+                <a:cs typeface="Courier New" pitchFamily="34" charset="-120"/>
+              </a:rPr>
+              <a:t> Search sessions → Conference MCP</a:t>
+            </a:r>
+            <a:endParaRPr lang="en-US" sz="1500" dirty="0"/>
+          </a:p>
+        </p:txBody>
+      </p:sp>
+      <p:sp>
+        <p:nvSpPr>
+          <p:cNvPr id="7" name="Text 5"/>
+          <p:cNvSpPr/>
+          <p:nvPr/>
+        </p:nvSpPr>
+        <p:spPr>
+          <a:xfrm>
+            <a:off x="698450" y="2527102"/>
+            <a:ext cx="7902041" cy="219075"/>
+          </a:xfrm>
+          <a:prstGeom prst="rect">
+            <a:avLst/>
+          </a:prstGeom>
+          <a:noFill/>
+          <a:ln/>
+        </p:spPr>
+        <p:txBody>
+          <a:bodyPr wrap="square" lIns="0" tIns="0" rIns="0" bIns="0" rtlCol="0" anchor="t"/>
+          <a:lstStyle/>
+          <a:p>
+            <a:pPr algn="l" indent="0" marL="0">
+              <a:spcBef>
+                <a:spcPts val="600"/>
+              </a:spcBef>
+              <a:spcAft>
+                <a:spcPts val="600"/>
+              </a:spcAft>
+              <a:buNone/>
+            </a:pPr>
+            <a:r>
+              <a:rPr lang="en-US" sz="1500" b="1" dirty="0">
+                <a:solidFill>
+                  <a:srgbClr val="40695B"/>
+                </a:solidFill>
+                <a:latin typeface="Courier New" pitchFamily="34" charset="0"/>
+                <a:ea typeface="Courier New" pitchFamily="34" charset="-122"/>
+                <a:cs typeface="Courier New" pitchFamily="34" charset="-120"/>
+              </a:rPr>
+              <a:t>Step 2:</a:t>
+            </a:r>
+            <a:pPr algn="l" indent="0" marL="0">
+              <a:spcBef>
+                <a:spcPts val="600"/>
+              </a:spcBef>
+              <a:spcAft>
+                <a:spcPts val="600"/>
+              </a:spcAft>
+              <a:buNone/>
+            </a:pPr>
+            <a:r>
+              <a:rPr lang="en-US" sz="1500" dirty="0">
+                <a:solidFill>
+                  <a:srgbClr val="2E4053"/>
+                </a:solidFill>
+                <a:latin typeface="Courier New" pitchFamily="34" charset="0"/>
+                <a:ea typeface="Courier New" pitchFamily="34" charset="-122"/>
+                <a:cs typeface="Courier New" pitchFamily="34" charset="-120"/>
+              </a:rPr>
+              <a:t> Found Session 87 (Copilot Studio)</a:t>
+            </a:r>
+            <a:endParaRPr lang="en-US" sz="1500" dirty="0"/>
+          </a:p>
+        </p:txBody>
+      </p:sp>
+      <p:sp>
+        <p:nvSpPr>
+          <p:cNvPr id="8" name="Text 6"/>
+          <p:cNvSpPr/>
+          <p:nvPr/>
+        </p:nvSpPr>
+        <p:spPr>
+          <a:xfrm>
+            <a:off x="698450" y="2822377"/>
+            <a:ext cx="7902041" cy="219075"/>
+          </a:xfrm>
+          <a:prstGeom prst="rect">
+            <a:avLst/>
+          </a:prstGeom>
+          <a:noFill/>
+          <a:ln/>
+        </p:spPr>
+        <p:txBody>
+          <a:bodyPr wrap="square" lIns="0" tIns="0" rIns="0" bIns="0" rtlCol="0" anchor="t"/>
+          <a:lstStyle/>
+          <a:p>
+            <a:pPr algn="l" indent="0" marL="0">
+              <a:spcBef>
+                <a:spcPts val="600"/>
+              </a:spcBef>
+              <a:spcAft>
+                <a:spcPts val="600"/>
+              </a:spcAft>
+              <a:buNone/>
+            </a:pPr>
+            <a:r>
+              <a:rPr lang="en-US" sz="1500" b="1" dirty="0">
+                <a:solidFill>
+                  <a:srgbClr val="40695B"/>
+                </a:solidFill>
+                <a:latin typeface="Courier New" pitchFamily="34" charset="0"/>
+                <a:ea typeface="Courier New" pitchFamily="34" charset="-122"/>
+                <a:cs typeface="Courier New" pitchFamily="34" charset="-120"/>
+              </a:rPr>
+              <a:t>Step 3:</a:t>
+            </a:r>
+            <a:pPr algn="l" indent="0" marL="0">
+              <a:spcBef>
+                <a:spcPts val="600"/>
+              </a:spcBef>
+              <a:spcAft>
+                <a:spcPts val="600"/>
+              </a:spcAft>
+              <a:buNone/>
+            </a:pPr>
+            <a:r>
+              <a:rPr lang="en-US" sz="1500" dirty="0">
+                <a:solidFill>
+                  <a:srgbClr val="2E4053"/>
+                </a:solidFill>
+                <a:latin typeface="Courier New" pitchFamily="34" charset="0"/>
+                <a:ea typeface="Courier New" pitchFamily="34" charset="-122"/>
+                <a:cs typeface="Courier New" pitchFamily="34" charset="-120"/>
+              </a:rPr>
+              <a:t> Add to calendar → Graph MCP</a:t>
+            </a:r>
+            <a:endParaRPr lang="en-US" sz="1500" dirty="0"/>
+          </a:p>
+        </p:txBody>
+      </p:sp>
+      <p:sp>
+        <p:nvSpPr>
+          <p:cNvPr id="9" name="Text 7"/>
+          <p:cNvSpPr/>
+          <p:nvPr/>
+        </p:nvSpPr>
+        <p:spPr>
+          <a:xfrm>
+            <a:off x="698450" y="3117652"/>
+            <a:ext cx="7902041" cy="219075"/>
+          </a:xfrm>
+          <a:prstGeom prst="rect">
+            <a:avLst/>
+          </a:prstGeom>
+          <a:noFill/>
+          <a:ln/>
+        </p:spPr>
+        <p:txBody>
+          <a:bodyPr wrap="square" lIns="0" tIns="0" rIns="0" bIns="0" rtlCol="0" anchor="t"/>
+          <a:lstStyle/>
+          <a:p>
+            <a:pPr algn="l" indent="0" marL="0">
+              <a:spcBef>
+                <a:spcPts val="600"/>
+              </a:spcBef>
+              <a:spcAft>
+                <a:spcPts val="600"/>
+              </a:spcAft>
+              <a:buNone/>
+            </a:pPr>
+            <a:r>
+              <a:rPr lang="en-US" sz="1500" b="1" dirty="0">
+                <a:solidFill>
+                  <a:srgbClr val="40695B"/>
+                </a:solidFill>
+                <a:latin typeface="Courier New" pitchFamily="34" charset="0"/>
+                <a:ea typeface="Courier New" pitchFamily="34" charset="-122"/>
+                <a:cs typeface="Courier New" pitchFamily="34" charset="-120"/>
+              </a:rPr>
+              <a:t>Step 4:</a:t>
+            </a:r>
+            <a:pPr algn="l" indent="0" marL="0">
+              <a:spcBef>
+                <a:spcPts val="600"/>
+              </a:spcBef>
+              <a:spcAft>
+                <a:spcPts val="600"/>
+              </a:spcAft>
+              <a:buNone/>
+            </a:pPr>
+            <a:r>
+              <a:rPr lang="en-US" sz="1500" dirty="0">
+                <a:solidFill>
+                  <a:srgbClr val="2E4053"/>
+                </a:solidFill>
+                <a:latin typeface="Courier New" pitchFamily="34" charset="0"/>
+                <a:ea typeface="Courier New" pitchFamily="34" charset="-122"/>
+                <a:cs typeface="Courier New" pitchFamily="34" charset="-120"/>
+              </a:rPr>
+              <a:t> Calendar event created!</a:t>
+            </a:r>
+            <a:endParaRPr lang="en-US" sz="1500" dirty="0"/>
+          </a:p>
+        </p:txBody>
+      </p:sp>
+      <p:sp>
+        <p:nvSpPr>
+          <p:cNvPr id="10" name="Text 8"/>
+          <p:cNvSpPr/>
+          <p:nvPr/>
+        </p:nvSpPr>
+        <p:spPr>
+          <a:xfrm>
+            <a:off x="507950" y="3730377"/>
+            <a:ext cx="8128099" cy="730151"/>
+          </a:xfrm>
+          <a:prstGeom prst="roundRect">
+            <a:avLst>
+              <a:gd name="adj" fmla="val 13915"/>
+            </a:avLst>
+          </a:prstGeom>
+          <a:solidFill>
+            <a:srgbClr val="B165FB"/>
+          </a:solidFill>
+          <a:ln/>
+        </p:spPr>
+        <p:txBody>
+          <a:bodyPr wrap="square" rtlCol="0" anchor="ctr"/>
+          <a:lstStyle/>
+          <a:p>
+            <a:pPr indent="0" marL="0">
+              <a:buNone/>
+            </a:pPr>
+            <a:endParaRPr lang="en-US" dirty="0"/>
+          </a:p>
+        </p:txBody>
+      </p:sp>
+      <p:sp>
+        <p:nvSpPr>
+          <p:cNvPr id="11" name="Text 9"/>
+          <p:cNvSpPr/>
+          <p:nvPr/>
+        </p:nvSpPr>
+        <p:spPr>
+          <a:xfrm>
+            <a:off x="556159" y="3857327"/>
+            <a:ext cx="8031682" cy="476250"/>
+          </a:xfrm>
+          <a:prstGeom prst="rect">
+            <a:avLst/>
+          </a:prstGeom>
+          <a:noFill/>
+          <a:ln/>
+        </p:spPr>
+        <p:txBody>
+          <a:bodyPr wrap="square" lIns="0" tIns="0" rIns="0" bIns="0" rtlCol="0" anchor="t"/>
+          <a:lstStyle/>
+          <a:p>
+            <a:pPr algn="ctr" indent="0" marL="0">
+              <a:buNone/>
             </a:pPr>
             <a:r>
               <a:rPr lang="en-US" sz="1600" b="1" dirty="0">
                 <a:solidFill>
-                  <a:srgbClr val="40695B"/>
-                </a:solidFill>
-                <a:latin typeface="Arial" pitchFamily="34" charset="0"/>
-                <a:ea typeface="Arial" pitchFamily="34" charset="-122"/>
-                <a:cs typeface="Arial" pitchFamily="34" charset="-120"/>
-              </a:rPr>
-              <a:t>Prompts stay on-premise</a:t>
-            </a:r>
-            <a:endParaRPr lang="en-US" sz="1600" dirty="0"/>
-          </a:p>
-          <a:p>
-            <a:pPr algn="l" marL="127000" indent="-127000">
-              <a:lnSpc>
-                <a:spcPts val="2080"/>
-              </a:lnSpc>
-              <a:spcAft>
-                <a:spcPts val="800"/>
-              </a:spcAft>
-              <a:buSzPct val="100000"/>
-              <a:buChar char="•"/>
-            </a:pPr>
-            <a:r>
-              <a:rPr lang="en-US" sz="1600" dirty="0">
-                <a:solidFill>
-                  <a:srgbClr val="2E4053"/>
-                </a:solidFill>
-                <a:latin typeface="Arial" pitchFamily="34" charset="0"/>
-                <a:ea typeface="Arial" pitchFamily="34" charset="-122"/>
-                <a:cs typeface="Arial" pitchFamily="34" charset="-120"/>
-              </a:rPr>
-              <a:t>No AI training on your data</a:t>
-            </a:r>
-            <a:endParaRPr lang="en-US" sz="1600" dirty="0"/>
-          </a:p>
-          <a:p>
-            <a:pPr algn="l" marL="127000" indent="-127000">
-              <a:lnSpc>
-                <a:spcPts val="2080"/>
-              </a:lnSpc>
-              <a:spcAft>
-                <a:spcPts val="800"/>
-              </a:spcAft>
-              <a:buSzPct val="100000"/>
-              <a:buChar char="•"/>
-            </a:pPr>
-            <a:r>
-              <a:rPr lang="en-US" sz="1600" dirty="0">
-                <a:solidFill>
-                  <a:srgbClr val="2E4053"/>
-                </a:solidFill>
-                <a:latin typeface="Arial" pitchFamily="34" charset="0"/>
-                <a:ea typeface="Arial" pitchFamily="34" charset="-122"/>
-                <a:cs typeface="Arial" pitchFamily="34" charset="-120"/>
-              </a:rPr>
-              <a:t>Meet data residency requirements</a:t>
-            </a:r>
-            <a:endParaRPr lang="en-US" sz="1600" dirty="0"/>
-          </a:p>
-          <a:p>
-            <a:pPr algn="l" marL="127000" indent="-127000">
-              <a:lnSpc>
-                <a:spcPts val="2080"/>
-              </a:lnSpc>
-              <a:spcAft>
-                <a:spcPts val="800"/>
-              </a:spcAft>
-              <a:buSzPct val="100000"/>
-              <a:buChar char="•"/>
-            </a:pPr>
-            <a:r>
-              <a:rPr lang="en-US" sz="1600" dirty="0">
-                <a:solidFill>
-                  <a:srgbClr val="2E4053"/>
-                </a:solidFill>
-                <a:latin typeface="Arial" pitchFamily="34" charset="0"/>
-                <a:ea typeface="Arial" pitchFamily="34" charset="-122"/>
-                <a:cs typeface="Arial" pitchFamily="34" charset="-120"/>
-              </a:rPr>
-              <a:t>Audit trail of API access only</a:t>
-            </a:r>
-            <a:endParaRPr lang="en-US" sz="1600" dirty="0"/>
-          </a:p>
-          <a:p>
-            <a:pPr algn="l" marL="127000" indent="-127000">
-              <a:lnSpc>
-                <a:spcPts val="2080"/>
-              </a:lnSpc>
-              <a:spcAft>
-                <a:spcPts val="800"/>
-              </a:spcAft>
-              <a:buSzPct val="100000"/>
-              <a:buChar char="•"/>
-            </a:pPr>
-            <a:r>
-              <a:rPr lang="en-US" sz="1600" dirty="0">
-                <a:solidFill>
-                  <a:srgbClr val="2E4053"/>
-                </a:solidFill>
-                <a:latin typeface="Arial" pitchFamily="34" charset="0"/>
-                <a:ea typeface="Arial" pitchFamily="34" charset="-122"/>
-                <a:cs typeface="Arial" pitchFamily="34" charset="-120"/>
-              </a:rPr>
-              <a:t>Air-gapped deployments possible</a:t>
-            </a:r>
-            <a:endParaRPr lang="en-US" sz="1600" dirty="0"/>
-          </a:p>
-        </p:txBody>
-      </p:sp>
-      <p:sp>
-        <p:nvSpPr>
-          <p:cNvPr id="6" name="Text 4"/>
-          <p:cNvSpPr/>
-          <p:nvPr/>
-        </p:nvSpPr>
-        <p:spPr>
-          <a:xfrm>
-            <a:off x="4572000" y="1412677"/>
-            <a:ext cx="3886352" cy="333375"/>
-          </a:xfrm>
-          <a:prstGeom prst="rect">
-            <a:avLst/>
-          </a:prstGeom>
-          <a:noFill/>
-          <a:ln/>
-        </p:spPr>
-        <p:txBody>
-          <a:bodyPr wrap="square" lIns="0" tIns="0" rIns="0" bIns="0" rtlCol="0" anchor="t"/>
-          <a:lstStyle/>
-          <a:p>
-            <a:pPr algn="l" indent="0" marL="0">
-              <a:spcAft>
-                <a:spcPts val="1500"/>
-              </a:spcAft>
-              <a:buNone/>
-            </a:pPr>
-            <a:r>
-              <a:rPr lang="en-US" sz="2000" b="1" dirty="0">
-                <a:solidFill>
-                  <a:srgbClr val="181B24"/>
-                </a:solidFill>
-                <a:latin typeface="Arial" pitchFamily="34" charset="0"/>
-                <a:ea typeface="Arial" pitchFamily="34" charset="-122"/>
-                <a:cs typeface="Arial" pitchFamily="34" charset="-120"/>
-              </a:rPr>
-              <a:t>🏢 Compliance Ready</a:t>
-            </a:r>
-            <a:endParaRPr lang="en-US" sz="2000" dirty="0"/>
-          </a:p>
-        </p:txBody>
-      </p:sp>
-      <p:sp>
-        <p:nvSpPr>
-          <p:cNvPr id="7" name="Text 5"/>
-          <p:cNvSpPr/>
-          <p:nvPr/>
-        </p:nvSpPr>
-        <p:spPr>
-          <a:xfrm>
-            <a:off x="4572000" y="1936552"/>
-            <a:ext cx="3810149" cy="1990130"/>
-          </a:xfrm>
-          <a:prstGeom prst="rect">
-            <a:avLst/>
-          </a:prstGeom>
-          <a:noFill/>
-          <a:ln/>
-        </p:spPr>
-        <p:txBody>
-          <a:bodyPr wrap="square" lIns="127000" tIns="0" rIns="0" bIns="0" rtlCol="0" anchor="t"/>
-          <a:lstStyle/>
-          <a:p>
-            <a:pPr algn="l" marL="127000" indent="-127000">
-              <a:lnSpc>
-                <a:spcPts val="2080"/>
-              </a:lnSpc>
-              <a:spcAft>
-                <a:spcPts val="800"/>
-              </a:spcAft>
-              <a:buSzPct val="100000"/>
-              <a:buChar char="•"/>
-            </a:pPr>
-            <a:r>
-              <a:rPr lang="en-US" sz="1600" b="1" dirty="0">
-                <a:solidFill>
-                  <a:srgbClr val="40695B"/>
-                </a:solidFill>
-                <a:latin typeface="Arial" pitchFamily="34" charset="0"/>
-                <a:ea typeface="Arial" pitchFamily="34" charset="-122"/>
-                <a:cs typeface="Arial" pitchFamily="34" charset="-120"/>
-              </a:rPr>
-              <a:t>HIPAA compliant</a:t>
-            </a:r>
-            <a:pPr algn="l" indent="0" marL="0">
-              <a:lnSpc>
-                <a:spcPts val="2080"/>
-              </a:lnSpc>
-              <a:spcAft>
-                <a:spcPts val="800"/>
-              </a:spcAft>
-              <a:buNone/>
-            </a:pPr>
-            <a:r>
-              <a:rPr lang="en-US" sz="1600" dirty="0">
-                <a:solidFill>
-                  <a:srgbClr val="2E4053"/>
-                </a:solidFill>
-                <a:latin typeface="Arial" pitchFamily="34" charset="0"/>
-                <a:ea typeface="Arial" pitchFamily="34" charset="-122"/>
-                <a:cs typeface="Arial" pitchFamily="34" charset="-120"/>
-              </a:rPr>
-              <a:t> - PHI stays local</a:t>
-            </a:r>
-            <a:endParaRPr lang="en-US" sz="1600" dirty="0"/>
-          </a:p>
-          <a:p>
-            <a:pPr algn="l" marL="127000" indent="-127000">
-              <a:lnSpc>
-                <a:spcPts val="2080"/>
-              </a:lnSpc>
-              <a:spcAft>
-                <a:spcPts val="800"/>
-              </a:spcAft>
-              <a:buSzPct val="100000"/>
-              <a:buChar char="•"/>
-            </a:pPr>
-            <a:r>
-              <a:rPr lang="en-US" sz="1600" b="1" dirty="0">
-                <a:solidFill>
-                  <a:srgbClr val="40695B"/>
-                </a:solidFill>
-                <a:latin typeface="Arial" pitchFamily="34" charset="0"/>
-                <a:ea typeface="Arial" pitchFamily="34" charset="-122"/>
-                <a:cs typeface="Arial" pitchFamily="34" charset="-120"/>
-              </a:rPr>
-              <a:t>GDPR compliant</a:t>
-            </a:r>
-            <a:pPr algn="l" indent="0" marL="0">
-              <a:lnSpc>
-                <a:spcPts val="2080"/>
-              </a:lnSpc>
-              <a:spcAft>
-                <a:spcPts val="800"/>
-              </a:spcAft>
-              <a:buNone/>
-            </a:pPr>
-            <a:r>
-              <a:rPr lang="en-US" sz="1600" dirty="0">
-                <a:solidFill>
-                  <a:srgbClr val="2E4053"/>
-                </a:solidFill>
-                <a:latin typeface="Arial" pitchFamily="34" charset="0"/>
-                <a:ea typeface="Arial" pitchFamily="34" charset="-122"/>
-                <a:cs typeface="Arial" pitchFamily="34" charset="-120"/>
-              </a:rPr>
-              <a:t> - EU data residency</a:t>
-            </a:r>
-            <a:endParaRPr lang="en-US" sz="1600" dirty="0"/>
-          </a:p>
-          <a:p>
-            <a:pPr algn="l" marL="127000" indent="-127000">
-              <a:lnSpc>
-                <a:spcPts val="2080"/>
-              </a:lnSpc>
-              <a:spcAft>
-                <a:spcPts val="800"/>
-              </a:spcAft>
-              <a:buSzPct val="100000"/>
-              <a:buChar char="•"/>
-            </a:pPr>
-            <a:r>
-              <a:rPr lang="en-US" sz="1600" b="1" dirty="0">
-                <a:solidFill>
-                  <a:srgbClr val="40695B"/>
-                </a:solidFill>
-                <a:latin typeface="Arial" pitchFamily="34" charset="0"/>
-                <a:ea typeface="Arial" pitchFamily="34" charset="-122"/>
-                <a:cs typeface="Arial" pitchFamily="34" charset="-120"/>
-              </a:rPr>
-              <a:t>SOX/PCI-DSS</a:t>
-            </a:r>
-            <a:pPr algn="l" indent="0" marL="0">
-              <a:lnSpc>
-                <a:spcPts val="2080"/>
-              </a:lnSpc>
-              <a:spcAft>
-                <a:spcPts val="800"/>
-              </a:spcAft>
-              <a:buNone/>
-            </a:pPr>
-            <a:r>
-              <a:rPr lang="en-US" sz="1600" dirty="0">
-                <a:solidFill>
-                  <a:srgbClr val="2E4053"/>
-                </a:solidFill>
-                <a:latin typeface="Arial" pitchFamily="34" charset="0"/>
-                <a:ea typeface="Arial" pitchFamily="34" charset="-122"/>
-                <a:cs typeface="Arial" pitchFamily="34" charset="-120"/>
-              </a:rPr>
-              <a:t> - No financial data exposure</a:t>
-            </a:r>
-            <a:endParaRPr lang="en-US" sz="1600" dirty="0"/>
-          </a:p>
-          <a:p>
-            <a:pPr algn="l" marL="127000" indent="-127000">
-              <a:lnSpc>
-                <a:spcPts val="2080"/>
-              </a:lnSpc>
-              <a:spcAft>
-                <a:spcPts val="800"/>
-              </a:spcAft>
-              <a:buSzPct val="100000"/>
-              <a:buChar char="•"/>
-            </a:pPr>
-            <a:r>
-              <a:rPr lang="en-US" sz="1600" b="1" dirty="0">
-                <a:solidFill>
-                  <a:srgbClr val="40695B"/>
-                </a:solidFill>
-                <a:latin typeface="Arial" pitchFamily="34" charset="0"/>
-                <a:ea typeface="Arial" pitchFamily="34" charset="-122"/>
-                <a:cs typeface="Arial" pitchFamily="34" charset="-120"/>
-              </a:rPr>
-              <a:t>FedRAMP/IL4/IL5</a:t>
-            </a:r>
-            <a:pPr algn="l" indent="0" marL="0">
-              <a:lnSpc>
-                <a:spcPts val="2080"/>
-              </a:lnSpc>
-              <a:spcAft>
-                <a:spcPts val="800"/>
-              </a:spcAft>
-              <a:buNone/>
-            </a:pPr>
-            <a:r>
-              <a:rPr lang="en-US" sz="1600" dirty="0">
-                <a:solidFill>
-                  <a:srgbClr val="2E4053"/>
-                </a:solidFill>
-                <a:latin typeface="Arial" pitchFamily="34" charset="0"/>
-                <a:ea typeface="Arial" pitchFamily="34" charset="-122"/>
-                <a:cs typeface="Arial" pitchFamily="34" charset="-120"/>
-              </a:rPr>
-              <a:t> - Government-ready</a:t>
-            </a:r>
-            <a:endParaRPr lang="en-US" sz="1600" dirty="0"/>
-          </a:p>
-          <a:p>
-            <a:pPr algn="l" marL="127000" indent="-127000">
-              <a:lnSpc>
-                <a:spcPts val="2080"/>
-              </a:lnSpc>
-              <a:spcAft>
-                <a:spcPts val="800"/>
-              </a:spcAft>
-              <a:buSzPct val="100000"/>
-              <a:buChar char="•"/>
-            </a:pPr>
-            <a:r>
-              <a:rPr lang="en-US" sz="1600" b="1" dirty="0">
-                <a:solidFill>
-                  <a:srgbClr val="40695B"/>
-                </a:solidFill>
-                <a:latin typeface="Arial" pitchFamily="34" charset="0"/>
-                <a:ea typeface="Arial" pitchFamily="34" charset="-122"/>
-                <a:cs typeface="Arial" pitchFamily="34" charset="-120"/>
-              </a:rPr>
-              <a:t>Attorney-client privilege</a:t>
-            </a:r>
-            <a:pPr algn="l" indent="0" marL="0">
-              <a:lnSpc>
-                <a:spcPts val="2080"/>
-              </a:lnSpc>
-              <a:spcAft>
-                <a:spcPts val="800"/>
-              </a:spcAft>
-              <a:buNone/>
-            </a:pPr>
-            <a:r>
-              <a:rPr lang="en-US" sz="1600" dirty="0">
-                <a:solidFill>
-                  <a:srgbClr val="2E4053"/>
-                </a:solidFill>
-                <a:latin typeface="Arial" pitchFamily="34" charset="0"/>
-                <a:ea typeface="Arial" pitchFamily="34" charset="-122"/>
-                <a:cs typeface="Arial" pitchFamily="34" charset="-120"/>
-              </a:rPr>
-              <a:t> - Legal work</a:t>
+                  <a:srgbClr val="FFFFFF"/>
+                </a:solidFill>
+                <a:latin typeface="Arial" pitchFamily="34" charset="0"/>
+                <a:ea typeface="Arial" pitchFamily="34" charset="-122"/>
+                <a:cs typeface="Arial" pitchFamily="34" charset="-120"/>
+              </a:rPr>
+              <a:t>Two independent servers. One AI. Seamless coordination through standard protocol.</a:t>
             </a:r>
             <a:endParaRPr lang="en-US" sz="1600" dirty="0"/>
           </a:p>
@@ -3446,7 +3472,7 @@
                 <a:ea typeface="Arial" pitchFamily="34" charset="-122"/>
                 <a:cs typeface="Arial" pitchFamily="34" charset="-120"/>
               </a:rPr>
-              <a:t>Cost &amp; ROI Benefits</a:t>
+              <a:t>Privacy &amp; Compliance Benefits</a:t>
             </a:r>
             <a:endParaRPr lang="en-US" sz="3600" dirty="0"/>
           </a:p>
@@ -3461,7 +3487,7 @@
         <p:spPr>
           <a:xfrm>
             <a:off x="507950" y="1412677"/>
-            <a:ext cx="3886352" cy="276225"/>
+            <a:ext cx="3886352" cy="333375"/>
           </a:xfrm>
           <a:prstGeom prst="rect">
             <a:avLst/>
@@ -3475,12 +3501,12 @@
           <a:p>
             <a:pPr algn="l" indent="0" marL="0">
               <a:spcAft>
-                <a:spcPts val="800"/>
-              </a:spcAft>
-              <a:buNone/>
-            </a:pPr>
-            <a:r>
-              <a:rPr lang="en-US" sz="1900" b="1" dirty="0">
+                <a:spcPts val="1500"/>
+              </a:spcAft>
+              <a:buNone/>
+            </a:pPr>
+            <a:r>
+              <a:rPr lang="en-US" sz="2000" b="1" dirty="0">
                 <a:solidFill>
                   <a:srgbClr val="181B24"/>
                 </a:solidFill>
@@ -3488,9 +3514,9 @@
                 <a:ea typeface="Arial" pitchFamily="34" charset="-122"/>
                 <a:cs typeface="Arial" pitchFamily="34" charset="-120"/>
               </a:rPr>
-              <a:t>Cloud AI Per-Token Cost</a:t>
-            </a:r>
-            <a:endParaRPr lang="en-US" sz="1900" dirty="0"/>
+              <a:t>🔒 Privacy Wins</a:t>
+            </a:r>
+            <a:endParaRPr lang="en-US" sz="2000" dirty="0"/>
           </a:p>
         </p:txBody>
       </p:sp>
@@ -3502,8 +3528,8 @@
         </p:nvSpPr>
         <p:spPr>
           <a:xfrm>
-            <a:off x="507950" y="1790402"/>
-            <a:ext cx="3810149" cy="741759"/>
+            <a:off x="507950" y="1936552"/>
+            <a:ext cx="3810149" cy="1726109"/>
           </a:xfrm>
           <a:prstGeom prst="rect">
             <a:avLst/>
@@ -3517,40 +3543,40 @@
           <a:p>
             <a:pPr algn="l" marL="127000" indent="-127000">
               <a:lnSpc>
-                <a:spcPts val="1680"/>
+                <a:spcPts val="2080"/>
               </a:lnSpc>
               <a:spcAft>
-                <a:spcPts val="400"/>
+                <a:spcPts val="800"/>
               </a:spcAft>
               <a:buSzPct val="100000"/>
               <a:buChar char="•"/>
             </a:pPr>
             <a:r>
-              <a:rPr lang="en-US" sz="1400" dirty="0">
-                <a:solidFill>
-                  <a:srgbClr val="2E4053"/>
-                </a:solidFill>
-                <a:latin typeface="Arial" pitchFamily="34" charset="0"/>
-                <a:ea typeface="Arial" pitchFamily="34" charset="-122"/>
-                <a:cs typeface="Arial" pitchFamily="34" charset="-120"/>
-              </a:rPr>
-              <a:t>GPT-4: ~$0.03/1K tokens (input)</a:t>
-            </a:r>
-            <a:endParaRPr lang="en-US" sz="1400" dirty="0"/>
+              <a:rPr lang="en-US" sz="1600" b="1" dirty="0">
+                <a:solidFill>
+                  <a:srgbClr val="40695B"/>
+                </a:solidFill>
+                <a:latin typeface="Arial" pitchFamily="34" charset="0"/>
+                <a:ea typeface="Arial" pitchFamily="34" charset="-122"/>
+                <a:cs typeface="Arial" pitchFamily="34" charset="-120"/>
+              </a:rPr>
+              <a:t>Prompts stay on-premise</a:t>
+            </a:r>
+            <a:endParaRPr lang="en-US" sz="1600" dirty="0"/>
           </a:p>
           <a:p>
             <a:pPr algn="l" marL="127000" indent="-127000">
               <a:lnSpc>
-                <a:spcPts val="1680"/>
+                <a:spcPts val="2080"/>
               </a:lnSpc>
               <a:spcAft>
-                <a:spcPts val="400"/>
+                <a:spcPts val="800"/>
               </a:spcAft>
               <a:buSzPct val="100000"/>
               <a:buChar char="•"/>
             </a:pPr>
             <a:r>
-              <a:rPr lang="en-US" sz="1400" dirty="0">
+              <a:rPr lang="en-US" sz="1600" dirty="0">
                 <a:solidFill>
                   <a:srgbClr val="2E4053"/>
                 </a:solidFill>
@@ -3558,23 +3584,23 @@
                 <a:ea typeface="Arial" pitchFamily="34" charset="-122"/>
                 <a:cs typeface="Arial" pitchFamily="34" charset="-120"/>
               </a:rPr>
-              <a:t>Heavy usage = $1000s/month</a:t>
-            </a:r>
-            <a:endParaRPr lang="en-US" sz="1400" dirty="0"/>
+              <a:t>No AI training on your data</a:t>
+            </a:r>
+            <a:endParaRPr lang="en-US" sz="1600" dirty="0"/>
           </a:p>
           <a:p>
             <a:pPr algn="l" marL="127000" indent="-127000">
               <a:lnSpc>
-                <a:spcPts val="1680"/>
+                <a:spcPts val="2080"/>
               </a:lnSpc>
               <a:spcAft>
-                <a:spcPts val="400"/>
+                <a:spcPts val="800"/>
               </a:spcAft>
               <a:buSzPct val="100000"/>
               <a:buChar char="•"/>
             </a:pPr>
             <a:r>
-              <a:rPr lang="en-US" sz="1400" dirty="0">
+              <a:rPr lang="en-US" sz="1600" dirty="0">
                 <a:solidFill>
                   <a:srgbClr val="2E4053"/>
                 </a:solidFill>
@@ -3582,90 +3608,23 @@
                 <a:ea typeface="Arial" pitchFamily="34" charset="-122"/>
                 <a:cs typeface="Arial" pitchFamily="34" charset="-120"/>
               </a:rPr>
-              <a:t>Scales linearly with usage</a:t>
-            </a:r>
-            <a:endParaRPr lang="en-US" sz="1400" dirty="0"/>
-          </a:p>
-        </p:txBody>
-      </p:sp>
-      <p:sp>
-        <p:nvSpPr>
-          <p:cNvPr id="6" name="Text 4"/>
-          <p:cNvSpPr/>
-          <p:nvPr/>
-        </p:nvSpPr>
-        <p:spPr>
-          <a:xfrm>
-            <a:off x="507950" y="2786063"/>
-            <a:ext cx="3886352" cy="276225"/>
-          </a:xfrm>
-          <a:prstGeom prst="rect">
-            <a:avLst/>
-          </a:prstGeom>
-          <a:noFill/>
-          <a:ln/>
-        </p:spPr>
-        <p:txBody>
-          <a:bodyPr wrap="square" lIns="0" tIns="0" rIns="0" bIns="0" rtlCol="0" anchor="t"/>
-          <a:lstStyle/>
-          <a:p>
-            <a:pPr algn="l" indent="0" marL="0">
-              <a:spcBef>
-                <a:spcPts val="2000"/>
-              </a:spcBef>
-              <a:spcAft>
-                <a:spcPts val="800"/>
-              </a:spcAft>
-              <a:buNone/>
-            </a:pPr>
-            <a:r>
-              <a:rPr lang="en-US" sz="1900" b="1" dirty="0">
-                <a:solidFill>
-                  <a:srgbClr val="181B24"/>
-                </a:solidFill>
-                <a:latin typeface="Arial" pitchFamily="34" charset="0"/>
-                <a:ea typeface="Arial" pitchFamily="34" charset="-122"/>
-                <a:cs typeface="Arial" pitchFamily="34" charset="-120"/>
-              </a:rPr>
-              <a:t>Local AI One-Time Cost</a:t>
-            </a:r>
-            <a:endParaRPr lang="en-US" sz="1900" dirty="0"/>
-          </a:p>
-        </p:txBody>
-      </p:sp>
-      <p:sp>
-        <p:nvSpPr>
-          <p:cNvPr id="7" name="Text 5"/>
-          <p:cNvSpPr/>
-          <p:nvPr/>
-        </p:nvSpPr>
-        <p:spPr>
-          <a:xfrm>
-            <a:off x="507950" y="3163788"/>
-            <a:ext cx="3810149" cy="741759"/>
-          </a:xfrm>
-          <a:prstGeom prst="rect">
-            <a:avLst/>
-          </a:prstGeom>
-          <a:noFill/>
-          <a:ln/>
-        </p:spPr>
-        <p:txBody>
-          <a:bodyPr wrap="square" lIns="127000" tIns="0" rIns="0" bIns="0" rtlCol="0" anchor="t"/>
-          <a:lstStyle/>
+              <a:t>Meet data residency requirements</a:t>
+            </a:r>
+            <a:endParaRPr lang="en-US" sz="1600" dirty="0"/>
+          </a:p>
           <a:p>
             <a:pPr algn="l" marL="127000" indent="-127000">
               <a:lnSpc>
-                <a:spcPts val="1680"/>
+                <a:spcPts val="2080"/>
               </a:lnSpc>
               <a:spcAft>
-                <a:spcPts val="400"/>
+                <a:spcPts val="800"/>
               </a:spcAft>
               <a:buSzPct val="100000"/>
               <a:buChar char="•"/>
             </a:pPr>
             <a:r>
-              <a:rPr lang="en-US" sz="1400" dirty="0">
+              <a:rPr lang="en-US" sz="1600" dirty="0">
                 <a:solidFill>
                   <a:srgbClr val="2E4053"/>
                 </a:solidFill>
@@ -3673,23 +3632,23 @@
                 <a:ea typeface="Arial" pitchFamily="34" charset="-122"/>
                 <a:cs typeface="Arial" pitchFamily="34" charset="-120"/>
               </a:rPr>
-              <a:t>Hardware: $2K-$5K</a:t>
-            </a:r>
-            <a:endParaRPr lang="en-US" sz="1400" dirty="0"/>
+              <a:t>Audit trail of API access only</a:t>
+            </a:r>
+            <a:endParaRPr lang="en-US" sz="1600" dirty="0"/>
           </a:p>
           <a:p>
             <a:pPr algn="l" marL="127000" indent="-127000">
               <a:lnSpc>
-                <a:spcPts val="1680"/>
+                <a:spcPts val="2080"/>
               </a:lnSpc>
               <a:spcAft>
-                <a:spcPts val="400"/>
+                <a:spcPts val="800"/>
               </a:spcAft>
               <a:buSzPct val="100000"/>
               <a:buChar char="•"/>
             </a:pPr>
             <a:r>
-              <a:rPr lang="en-US" sz="1400" dirty="0">
+              <a:rPr lang="en-US" sz="1600" dirty="0">
                 <a:solidFill>
                   <a:srgbClr val="2E4053"/>
                 </a:solidFill>
@@ -3697,23 +3656,107 @@
                 <a:ea typeface="Arial" pitchFamily="34" charset="-122"/>
                 <a:cs typeface="Arial" pitchFamily="34" charset="-120"/>
               </a:rPr>
-              <a:t>Model: Free (Llama, Mistral)</a:t>
-            </a:r>
-            <a:endParaRPr lang="en-US" sz="1400" dirty="0"/>
-          </a:p>
+              <a:t>Air-gapped deployments possible</a:t>
+            </a:r>
+            <a:endParaRPr lang="en-US" sz="1600" dirty="0"/>
+          </a:p>
+        </p:txBody>
+      </p:sp>
+      <p:sp>
+        <p:nvSpPr>
+          <p:cNvPr id="6" name="Text 4"/>
+          <p:cNvSpPr/>
+          <p:nvPr/>
+        </p:nvSpPr>
+        <p:spPr>
+          <a:xfrm>
+            <a:off x="4572000" y="1412677"/>
+            <a:ext cx="3886352" cy="333375"/>
+          </a:xfrm>
+          <a:prstGeom prst="rect">
+            <a:avLst/>
+          </a:prstGeom>
+          <a:noFill/>
+          <a:ln/>
+        </p:spPr>
+        <p:txBody>
+          <a:bodyPr wrap="square" lIns="0" tIns="0" rIns="0" bIns="0" rtlCol="0" anchor="t"/>
+          <a:lstStyle/>
+          <a:p>
+            <a:pPr algn="l" indent="0" marL="0">
+              <a:spcAft>
+                <a:spcPts val="1500"/>
+              </a:spcAft>
+              <a:buNone/>
+            </a:pPr>
+            <a:r>
+              <a:rPr lang="en-US" sz="2000" b="1" dirty="0">
+                <a:solidFill>
+                  <a:srgbClr val="181B24"/>
+                </a:solidFill>
+                <a:latin typeface="Arial" pitchFamily="34" charset="0"/>
+                <a:ea typeface="Arial" pitchFamily="34" charset="-122"/>
+                <a:cs typeface="Arial" pitchFamily="34" charset="-120"/>
+              </a:rPr>
+              <a:t>🏢 Compliance Ready</a:t>
+            </a:r>
+            <a:endParaRPr lang="en-US" sz="2000" dirty="0"/>
+          </a:p>
+        </p:txBody>
+      </p:sp>
+      <p:sp>
+        <p:nvSpPr>
+          <p:cNvPr id="7" name="Text 5"/>
+          <p:cNvSpPr/>
+          <p:nvPr/>
+        </p:nvSpPr>
+        <p:spPr>
+          <a:xfrm>
+            <a:off x="4572000" y="1936552"/>
+            <a:ext cx="3810149" cy="1990130"/>
+          </a:xfrm>
+          <a:prstGeom prst="rect">
+            <a:avLst/>
+          </a:prstGeom>
+          <a:noFill/>
+          <a:ln/>
+        </p:spPr>
+        <p:txBody>
+          <a:bodyPr wrap="square" lIns="127000" tIns="0" rIns="0" bIns="0" rtlCol="0" anchor="t"/>
+          <a:lstStyle/>
           <a:p>
             <a:pPr algn="l" marL="127000" indent="-127000">
               <a:lnSpc>
-                <a:spcPts val="1680"/>
+                <a:spcPts val="2080"/>
               </a:lnSpc>
               <a:spcAft>
-                <a:spcPts val="400"/>
+                <a:spcPts val="800"/>
               </a:spcAft>
               <a:buSzPct val="100000"/>
               <a:buChar char="•"/>
             </a:pPr>
             <a:r>
-              <a:rPr lang="en-US" sz="1400" dirty="0">
+              <a:rPr lang="en-US" sz="1600" b="1" dirty="0">
+                <a:solidFill>
+                  <a:srgbClr val="40695B"/>
+                </a:solidFill>
+                <a:latin typeface="Arial" pitchFamily="34" charset="0"/>
+                <a:ea typeface="Arial" pitchFamily="34" charset="-122"/>
+                <a:cs typeface="Arial" pitchFamily="34" charset="-120"/>
+              </a:rPr>
+              <a:t>HIPAA compliant</a:t>
+            </a:r>
+            <a:pPr algn="l" indent="0" marL="0">
+              <a:lnSpc>
+                <a:spcPts val="2080"/>
+              </a:lnSpc>
+              <a:spcAft>
+                <a:spcPts val="800"/>
+              </a:spcAft>
+              <a:buNone/>
+            </a:pPr>
+            <a:r>
+              <a:rPr lang="en-US" sz="1600" dirty="0">
                 <a:solidFill>
                   <a:srgbClr val="2E4053"/>
                 </a:solidFill>
@@ -3721,99 +3764,188 @@
                 <a:ea typeface="Arial" pitchFamily="34" charset="-122"/>
                 <a:cs typeface="Arial" pitchFamily="34" charset="-120"/>
               </a:rPr>
-              <a:t>Electricity: Minimal ongoing</a:t>
-            </a:r>
-            <a:endParaRPr lang="en-US" sz="1400" dirty="0"/>
-          </a:p>
-        </p:txBody>
-      </p:sp>
-      <p:sp>
-        <p:nvSpPr>
-          <p:cNvPr id="8" name="Text 6"/>
-          <p:cNvSpPr/>
-          <p:nvPr/>
-        </p:nvSpPr>
-        <p:spPr>
-          <a:xfrm>
-            <a:off x="507950" y="4007048"/>
-            <a:ext cx="3810149" cy="422077"/>
-          </a:xfrm>
-          <a:prstGeom prst="roundRect">
-            <a:avLst>
-              <a:gd name="adj" fmla="val 24072"/>
-            </a:avLst>
-          </a:prstGeom>
-          <a:solidFill>
-            <a:srgbClr val="40695B"/>
-          </a:solidFill>
-          <a:ln/>
-        </p:spPr>
-        <p:txBody>
-          <a:bodyPr wrap="square" rtlCol="0" anchor="ctr"/>
-          <a:lstStyle/>
-          <a:p>
-            <a:pPr indent="0" marL="0">
-              <a:buNone/>
-            </a:pPr>
-            <a:endParaRPr lang="en-US" dirty="0"/>
-          </a:p>
-        </p:txBody>
-      </p:sp>
-      <p:sp>
-        <p:nvSpPr>
-          <p:cNvPr id="9" name="Text 7"/>
-          <p:cNvSpPr/>
-          <p:nvPr/>
-        </p:nvSpPr>
-        <p:spPr>
-          <a:xfrm>
-            <a:off x="573380" y="4108549"/>
-            <a:ext cx="3679290" cy="219075"/>
-          </a:xfrm>
-          <a:prstGeom prst="rect">
-            <a:avLst/>
-          </a:prstGeom>
-          <a:noFill/>
-          <a:ln/>
-        </p:spPr>
-        <p:txBody>
-          <a:bodyPr wrap="square" lIns="0" tIns="0" rIns="0" bIns="0" rtlCol="0" anchor="t"/>
-          <a:lstStyle/>
-          <a:p>
-            <a:pPr algn="ctr" indent="0" marL="0">
-              <a:buNone/>
-            </a:pPr>
-            <a:r>
-              <a:rPr lang="en-US" sz="1500" b="1" dirty="0">
-                <a:solidFill>
-                  <a:srgbClr val="FFFFFF"/>
-                </a:solidFill>
-                <a:latin typeface="Arial" pitchFamily="34" charset="0"/>
-                <a:ea typeface="Arial" pitchFamily="34" charset="-122"/>
-                <a:cs typeface="Arial" pitchFamily="34" charset="-120"/>
-              </a:rPr>
-              <a:t>ROI: 2-6 months with heavy usage</a:t>
-            </a:r>
-            <a:endParaRPr lang="en-US" sz="1500" dirty="0"/>
-          </a:p>
-        </p:txBody>
-      </p:sp>
-      <p:graphicFrame>
-        <p:nvGraphicFramePr>
-          <p:cNvPr id="10" name="Chart 0" descr=""/>
-          <p:cNvGraphicFramePr/>
-          <p:nvPr/>
-        </p:nvGraphicFramePr>
-        <p:xfrm>
-          <a:off x="4825901" y="1412677"/>
-          <a:ext cx="3810149" cy="2793950"/>
-        </p:xfrm>
-        <a:graphic xmlns:a="http://schemas.openxmlformats.org/drawingml/2006/main">
-          <a:graphicData uri="http://schemas.openxmlformats.org/drawingml/2006/chart">
-            <c:chart xmlns:c="http://schemas.openxmlformats.org/drawingml/2006/chart" r:id="rId1"/>
-          </a:graphicData>
-        </a:graphic>
-      </p:graphicFrame>
+              <a:t> - PHI stays local</a:t>
+            </a:r>
+            <a:endParaRPr lang="en-US" sz="1600" dirty="0"/>
+          </a:p>
+          <a:p>
+            <a:pPr algn="l" marL="127000" indent="-127000">
+              <a:lnSpc>
+                <a:spcPts val="2080"/>
+              </a:lnSpc>
+              <a:spcAft>
+                <a:spcPts val="800"/>
+              </a:spcAft>
+              <a:buSzPct val="100000"/>
+              <a:buChar char="•"/>
+            </a:pPr>
+            <a:r>
+              <a:rPr lang="en-US" sz="1600" b="1" dirty="0">
+                <a:solidFill>
+                  <a:srgbClr val="40695B"/>
+                </a:solidFill>
+                <a:latin typeface="Arial" pitchFamily="34" charset="0"/>
+                <a:ea typeface="Arial" pitchFamily="34" charset="-122"/>
+                <a:cs typeface="Arial" pitchFamily="34" charset="-120"/>
+              </a:rPr>
+              <a:t>GDPR compliant</a:t>
+            </a:r>
+            <a:pPr algn="l" indent="0" marL="0">
+              <a:lnSpc>
+                <a:spcPts val="2080"/>
+              </a:lnSpc>
+              <a:spcAft>
+                <a:spcPts val="800"/>
+              </a:spcAft>
+              <a:buNone/>
+            </a:pPr>
+            <a:r>
+              <a:rPr lang="en-US" sz="1600" dirty="0">
+                <a:solidFill>
+                  <a:srgbClr val="2E4053"/>
+                </a:solidFill>
+                <a:latin typeface="Arial" pitchFamily="34" charset="0"/>
+                <a:ea typeface="Arial" pitchFamily="34" charset="-122"/>
+                <a:cs typeface="Arial" pitchFamily="34" charset="-120"/>
+              </a:rPr>
+              <a:t> - EU data residency</a:t>
+            </a:r>
+            <a:endParaRPr lang="en-US" sz="1600" dirty="0"/>
+          </a:p>
+          <a:p>
+            <a:pPr algn="l" marL="127000" indent="-127000">
+              <a:lnSpc>
+                <a:spcPts val="2080"/>
+              </a:lnSpc>
+              <a:spcAft>
+                <a:spcPts val="800"/>
+              </a:spcAft>
+              <a:buSzPct val="100000"/>
+              <a:buChar char="•"/>
+            </a:pPr>
+            <a:r>
+              <a:rPr lang="en-US" sz="1600" b="1" dirty="0">
+                <a:solidFill>
+                  <a:srgbClr val="40695B"/>
+                </a:solidFill>
+                <a:latin typeface="Arial" pitchFamily="34" charset="0"/>
+                <a:ea typeface="Arial" pitchFamily="34" charset="-122"/>
+                <a:cs typeface="Arial" pitchFamily="34" charset="-120"/>
+              </a:rPr>
+              <a:t>SOX/PCI-DSS</a:t>
+            </a:r>
+            <a:pPr algn="l" indent="0" marL="0">
+              <a:lnSpc>
+                <a:spcPts val="2080"/>
+              </a:lnSpc>
+              <a:spcAft>
+                <a:spcPts val="800"/>
+              </a:spcAft>
+              <a:buNone/>
+            </a:pPr>
+            <a:r>
+              <a:rPr lang="en-US" sz="1600" dirty="0">
+                <a:solidFill>
+                  <a:srgbClr val="2E4053"/>
+                </a:solidFill>
+                <a:latin typeface="Arial" pitchFamily="34" charset="0"/>
+                <a:ea typeface="Arial" pitchFamily="34" charset="-122"/>
+                <a:cs typeface="Arial" pitchFamily="34" charset="-120"/>
+              </a:rPr>
+              <a:t> - No financial data exposure</a:t>
+            </a:r>
+            <a:endParaRPr lang="en-US" sz="1600" dirty="0"/>
+          </a:p>
+          <a:p>
+            <a:pPr algn="l" marL="127000" indent="-127000">
+              <a:lnSpc>
+                <a:spcPts val="2080"/>
+              </a:lnSpc>
+              <a:spcAft>
+                <a:spcPts val="800"/>
+              </a:spcAft>
+              <a:buSzPct val="100000"/>
+              <a:buChar char="•"/>
+            </a:pPr>
+            <a:r>
+              <a:rPr lang="en-US" sz="1600" b="1" dirty="0">
+                <a:solidFill>
+                  <a:srgbClr val="40695B"/>
+                </a:solidFill>
+                <a:latin typeface="Arial" pitchFamily="34" charset="0"/>
+                <a:ea typeface="Arial" pitchFamily="34" charset="-122"/>
+                <a:cs typeface="Arial" pitchFamily="34" charset="-120"/>
+              </a:rPr>
+              <a:t>FedRAMP/IL4/IL5</a:t>
+            </a:r>
+            <a:pPr algn="l" indent="0" marL="0">
+              <a:lnSpc>
+                <a:spcPts val="2080"/>
+              </a:lnSpc>
+              <a:spcAft>
+                <a:spcPts val="800"/>
+              </a:spcAft>
+              <a:buNone/>
+            </a:pPr>
+            <a:r>
+              <a:rPr lang="en-US" sz="1600" dirty="0">
+                <a:solidFill>
+                  <a:srgbClr val="2E4053"/>
+                </a:solidFill>
+                <a:latin typeface="Arial" pitchFamily="34" charset="0"/>
+                <a:ea typeface="Arial" pitchFamily="34" charset="-122"/>
+                <a:cs typeface="Arial" pitchFamily="34" charset="-120"/>
+              </a:rPr>
+              <a:t> - Government-ready</a:t>
+            </a:r>
+            <a:endParaRPr lang="en-US" sz="1600" dirty="0"/>
+          </a:p>
+          <a:p>
+            <a:pPr algn="l" marL="127000" indent="-127000">
+              <a:lnSpc>
+                <a:spcPts val="2080"/>
+              </a:lnSpc>
+              <a:spcAft>
+                <a:spcPts val="800"/>
+              </a:spcAft>
+              <a:buSzPct val="100000"/>
+              <a:buChar char="•"/>
+            </a:pPr>
+            <a:r>
+              <a:rPr lang="en-US" sz="1600" b="1" dirty="0">
+                <a:solidFill>
+                  <a:srgbClr val="40695B"/>
+                </a:solidFill>
+                <a:latin typeface="Arial" pitchFamily="34" charset="0"/>
+                <a:ea typeface="Arial" pitchFamily="34" charset="-122"/>
+                <a:cs typeface="Arial" pitchFamily="34" charset="-120"/>
+              </a:rPr>
+              <a:t>Attorney-client privilege</a:t>
+            </a:r>
+            <a:pPr algn="l" indent="0" marL="0">
+              <a:lnSpc>
+                <a:spcPts val="2080"/>
+              </a:lnSpc>
+              <a:spcAft>
+                <a:spcPts val="800"/>
+              </a:spcAft>
+              <a:buNone/>
+            </a:pPr>
+            <a:r>
+              <a:rPr lang="en-US" sz="1600" dirty="0">
+                <a:solidFill>
+                  <a:srgbClr val="2E4053"/>
+                </a:solidFill>
+                <a:latin typeface="Arial" pitchFamily="34" charset="0"/>
+                <a:ea typeface="Arial" pitchFamily="34" charset="-122"/>
+                <a:cs typeface="Arial" pitchFamily="34" charset="-120"/>
+              </a:rPr>
+              <a:t> - Legal work</a:t>
+            </a:r>
+            <a:endParaRPr lang="en-US" sz="1600" dirty="0"/>
+          </a:p>
+        </p:txBody>
+      </p:sp>
     </p:spTree>
   </p:cSld>
   <p:clrMapOvr>
@@ -3909,7 +4041,7 @@
                 <a:ea typeface="Arial" pitchFamily="34" charset="-122"/>
                 <a:cs typeface="Arial" pitchFamily="34" charset="-120"/>
               </a:rPr>
-              <a:t>MCP vs. A2A vs. ACP vs. Skills</a:t>
+              <a:t>Cost &amp; ROI Benefits</a:t>
             </a:r>
             <a:endParaRPr lang="en-US" sz="3600" dirty="0"/>
           </a:p>
@@ -3924,7 +4056,7 @@
         <p:spPr>
           <a:xfrm>
             <a:off x="507950" y="1412677"/>
-            <a:ext cx="8290661" cy="266700"/>
+            <a:ext cx="3886352" cy="276225"/>
           </a:xfrm>
           <a:prstGeom prst="rect">
             <a:avLst/>
@@ -3943,7 +4075,7 @@
               <a:buNone/>
             </a:pPr>
             <a:r>
-              <a:rPr lang="en-US" sz="1800" b="1" dirty="0">
+              <a:rPr lang="en-US" sz="1900" b="1" dirty="0">
                 <a:solidFill>
                   <a:srgbClr val="181B24"/>
                 </a:solidFill>
@@ -3951,9 +4083,9 @@
                 <a:ea typeface="Arial" pitchFamily="34" charset="-122"/>
                 <a:cs typeface="Arial" pitchFamily="34" charset="-120"/>
               </a:rPr>
-              <a:t>Understanding the Ecosystem:</a:t>
-            </a:r>
-            <a:endParaRPr lang="en-US" sz="1800" dirty="0"/>
+              <a:t>Cloud AI Per-Token Cost</a:t>
+            </a:r>
+            <a:endParaRPr lang="en-US" sz="1900" dirty="0"/>
           </a:p>
         </p:txBody>
       </p:sp>
@@ -3965,16 +4097,249 @@
         </p:nvSpPr>
         <p:spPr>
           <a:xfrm>
-            <a:off x="558701" y="1806327"/>
-            <a:ext cx="3962549" cy="1012627"/>
+            <a:off x="507950" y="1790402"/>
+            <a:ext cx="3810149" cy="741759"/>
+          </a:xfrm>
+          <a:prstGeom prst="rect">
+            <a:avLst/>
+          </a:prstGeom>
+          <a:noFill/>
+          <a:ln/>
+        </p:spPr>
+        <p:txBody>
+          <a:bodyPr wrap="square" lIns="127000" tIns="0" rIns="0" bIns="0" rtlCol="0" anchor="t"/>
+          <a:lstStyle/>
+          <a:p>
+            <a:pPr algn="l" marL="127000" indent="-127000">
+              <a:lnSpc>
+                <a:spcPts val="1680"/>
+              </a:lnSpc>
+              <a:spcAft>
+                <a:spcPts val="400"/>
+              </a:spcAft>
+              <a:buSzPct val="100000"/>
+              <a:buChar char="•"/>
+            </a:pPr>
+            <a:r>
+              <a:rPr lang="en-US" sz="1400" dirty="0">
+                <a:solidFill>
+                  <a:srgbClr val="2E4053"/>
+                </a:solidFill>
+                <a:latin typeface="Arial" pitchFamily="34" charset="0"/>
+                <a:ea typeface="Arial" pitchFamily="34" charset="-122"/>
+                <a:cs typeface="Arial" pitchFamily="34" charset="-120"/>
+              </a:rPr>
+              <a:t>GPT-4: ~$0.03/1K tokens (input)</a:t>
+            </a:r>
+            <a:endParaRPr lang="en-US" sz="1400" dirty="0"/>
+          </a:p>
+          <a:p>
+            <a:pPr algn="l" marL="127000" indent="-127000">
+              <a:lnSpc>
+                <a:spcPts val="1680"/>
+              </a:lnSpc>
+              <a:spcAft>
+                <a:spcPts val="400"/>
+              </a:spcAft>
+              <a:buSzPct val="100000"/>
+              <a:buChar char="•"/>
+            </a:pPr>
+            <a:r>
+              <a:rPr lang="en-US" sz="1400" dirty="0">
+                <a:solidFill>
+                  <a:srgbClr val="2E4053"/>
+                </a:solidFill>
+                <a:latin typeface="Arial" pitchFamily="34" charset="0"/>
+                <a:ea typeface="Arial" pitchFamily="34" charset="-122"/>
+                <a:cs typeface="Arial" pitchFamily="34" charset="-120"/>
+              </a:rPr>
+              <a:t>Heavy usage = $1000s/month</a:t>
+            </a:r>
+            <a:endParaRPr lang="en-US" sz="1400" dirty="0"/>
+          </a:p>
+          <a:p>
+            <a:pPr algn="l" marL="127000" indent="-127000">
+              <a:lnSpc>
+                <a:spcPts val="1680"/>
+              </a:lnSpc>
+              <a:spcAft>
+                <a:spcPts val="400"/>
+              </a:spcAft>
+              <a:buSzPct val="100000"/>
+              <a:buChar char="•"/>
+            </a:pPr>
+            <a:r>
+              <a:rPr lang="en-US" sz="1400" dirty="0">
+                <a:solidFill>
+                  <a:srgbClr val="2E4053"/>
+                </a:solidFill>
+                <a:latin typeface="Arial" pitchFamily="34" charset="0"/>
+                <a:ea typeface="Arial" pitchFamily="34" charset="-122"/>
+                <a:cs typeface="Arial" pitchFamily="34" charset="-120"/>
+              </a:rPr>
+              <a:t>Scales linearly with usage</a:t>
+            </a:r>
+            <a:endParaRPr lang="en-US" sz="1400" dirty="0"/>
+          </a:p>
+        </p:txBody>
+      </p:sp>
+      <p:sp>
+        <p:nvSpPr>
+          <p:cNvPr id="6" name="Text 4"/>
+          <p:cNvSpPr/>
+          <p:nvPr/>
+        </p:nvSpPr>
+        <p:spPr>
+          <a:xfrm>
+            <a:off x="507950" y="2786063"/>
+            <a:ext cx="3886352" cy="276225"/>
+          </a:xfrm>
+          <a:prstGeom prst="rect">
+            <a:avLst/>
+          </a:prstGeom>
+          <a:noFill/>
+          <a:ln/>
+        </p:spPr>
+        <p:txBody>
+          <a:bodyPr wrap="square" lIns="0" tIns="0" rIns="0" bIns="0" rtlCol="0" anchor="t"/>
+          <a:lstStyle/>
+          <a:p>
+            <a:pPr algn="l" indent="0" marL="0">
+              <a:spcBef>
+                <a:spcPts val="2000"/>
+              </a:spcBef>
+              <a:spcAft>
+                <a:spcPts val="800"/>
+              </a:spcAft>
+              <a:buNone/>
+            </a:pPr>
+            <a:r>
+              <a:rPr lang="en-US" sz="1900" b="1" dirty="0">
+                <a:solidFill>
+                  <a:srgbClr val="181B24"/>
+                </a:solidFill>
+                <a:latin typeface="Arial" pitchFamily="34" charset="0"/>
+                <a:ea typeface="Arial" pitchFamily="34" charset="-122"/>
+                <a:cs typeface="Arial" pitchFamily="34" charset="-120"/>
+              </a:rPr>
+              <a:t>Local AI One-Time Cost</a:t>
+            </a:r>
+            <a:endParaRPr lang="en-US" sz="1900" dirty="0"/>
+          </a:p>
+        </p:txBody>
+      </p:sp>
+      <p:sp>
+        <p:nvSpPr>
+          <p:cNvPr id="7" name="Text 5"/>
+          <p:cNvSpPr/>
+          <p:nvPr/>
+        </p:nvSpPr>
+        <p:spPr>
+          <a:xfrm>
+            <a:off x="507950" y="3163788"/>
+            <a:ext cx="3810149" cy="741759"/>
+          </a:xfrm>
+          <a:prstGeom prst="rect">
+            <a:avLst/>
+          </a:prstGeom>
+          <a:noFill/>
+          <a:ln/>
+        </p:spPr>
+        <p:txBody>
+          <a:bodyPr wrap="square" lIns="127000" tIns="0" rIns="0" bIns="0" rtlCol="0" anchor="t"/>
+          <a:lstStyle/>
+          <a:p>
+            <a:pPr algn="l" marL="127000" indent="-127000">
+              <a:lnSpc>
+                <a:spcPts val="1680"/>
+              </a:lnSpc>
+              <a:spcAft>
+                <a:spcPts val="400"/>
+              </a:spcAft>
+              <a:buSzPct val="100000"/>
+              <a:buChar char="•"/>
+            </a:pPr>
+            <a:r>
+              <a:rPr lang="en-US" sz="1400" dirty="0">
+                <a:solidFill>
+                  <a:srgbClr val="2E4053"/>
+                </a:solidFill>
+                <a:latin typeface="Arial" pitchFamily="34" charset="0"/>
+                <a:ea typeface="Arial" pitchFamily="34" charset="-122"/>
+                <a:cs typeface="Arial" pitchFamily="34" charset="-120"/>
+              </a:rPr>
+              <a:t>Hardware: $2K-$5K</a:t>
+            </a:r>
+            <a:endParaRPr lang="en-US" sz="1400" dirty="0"/>
+          </a:p>
+          <a:p>
+            <a:pPr algn="l" marL="127000" indent="-127000">
+              <a:lnSpc>
+                <a:spcPts val="1680"/>
+              </a:lnSpc>
+              <a:spcAft>
+                <a:spcPts val="400"/>
+              </a:spcAft>
+              <a:buSzPct val="100000"/>
+              <a:buChar char="•"/>
+            </a:pPr>
+            <a:r>
+              <a:rPr lang="en-US" sz="1400" dirty="0">
+                <a:solidFill>
+                  <a:srgbClr val="2E4053"/>
+                </a:solidFill>
+                <a:latin typeface="Arial" pitchFamily="34" charset="0"/>
+                <a:ea typeface="Arial" pitchFamily="34" charset="-122"/>
+                <a:cs typeface="Arial" pitchFamily="34" charset="-120"/>
+              </a:rPr>
+              <a:t>Model: Free (Llama, Mistral)</a:t>
+            </a:r>
+            <a:endParaRPr lang="en-US" sz="1400" dirty="0"/>
+          </a:p>
+          <a:p>
+            <a:pPr algn="l" marL="127000" indent="-127000">
+              <a:lnSpc>
+                <a:spcPts val="1680"/>
+              </a:lnSpc>
+              <a:spcAft>
+                <a:spcPts val="400"/>
+              </a:spcAft>
+              <a:buSzPct val="100000"/>
+              <a:buChar char="•"/>
+            </a:pPr>
+            <a:r>
+              <a:rPr lang="en-US" sz="1400" dirty="0">
+                <a:solidFill>
+                  <a:srgbClr val="2E4053"/>
+                </a:solidFill>
+                <a:latin typeface="Arial" pitchFamily="34" charset="0"/>
+                <a:ea typeface="Arial" pitchFamily="34" charset="-122"/>
+                <a:cs typeface="Arial" pitchFamily="34" charset="-120"/>
+              </a:rPr>
+              <a:t>Electricity: Minimal ongoing</a:t>
+            </a:r>
+            <a:endParaRPr lang="en-US" sz="1400" dirty="0"/>
+          </a:p>
+        </p:txBody>
+      </p:sp>
+      <p:sp>
+        <p:nvSpPr>
+          <p:cNvPr id="8" name="Text 6"/>
+          <p:cNvSpPr/>
+          <p:nvPr/>
+        </p:nvSpPr>
+        <p:spPr>
+          <a:xfrm>
+            <a:off x="507950" y="4007048"/>
+            <a:ext cx="3810149" cy="422077"/>
           </a:xfrm>
           <a:prstGeom prst="roundRect">
             <a:avLst>
-              <a:gd name="adj" fmla="val 10033"/>
+              <a:gd name="adj" fmla="val 24072"/>
             </a:avLst>
           </a:prstGeom>
           <a:solidFill>
-            <a:srgbClr val="F3E5FF"/>
+            <a:srgbClr val="40695B"/>
           </a:solidFill>
           <a:ln/>
         </p:spPr>
@@ -3991,37 +4356,14 @@
       </p:sp>
       <p:sp>
         <p:nvSpPr>
-          <p:cNvPr id="6" name="Shape 4"/>
-          <p:cNvSpPr/>
-          <p:nvPr/>
-        </p:nvSpPr>
-        <p:spPr>
-          <a:xfrm>
-            <a:off x="587276" y="1806327"/>
-            <a:ext cx="0" cy="1012627"/>
-          </a:xfrm>
-          <a:prstGeom prst="line">
-            <a:avLst/>
-          </a:prstGeom>
-          <a:noFill/>
-          <a:ln w="57150">
-            <a:solidFill>
-              <a:srgbClr val="B165FB"/>
-            </a:solidFill>
-            <a:prstDash val="solid"/>
-          </a:ln>
-        </p:spPr>
-      </p:sp>
-      <p:sp>
-        <p:nvSpPr>
-          <p:cNvPr id="7" name="Text 5"/>
-          <p:cNvSpPr/>
-          <p:nvPr/>
-        </p:nvSpPr>
-        <p:spPr>
-          <a:xfrm>
-            <a:off x="768251" y="1958727"/>
-            <a:ext cx="3672611" cy="219075"/>
+          <p:cNvPr id="9" name="Text 7"/>
+          <p:cNvSpPr/>
+          <p:nvPr/>
+        </p:nvSpPr>
+        <p:spPr>
+          <a:xfrm>
+            <a:off x="573380" y="4108549"/>
+            <a:ext cx="3679290" cy="219075"/>
           </a:xfrm>
           <a:prstGeom prst="rect">
             <a:avLst/>
@@ -4033,654 +4375,40 @@
           <a:bodyPr wrap="square" lIns="0" tIns="0" rIns="0" bIns="0" rtlCol="0" anchor="t"/>
           <a:lstStyle/>
           <a:p>
-            <a:pPr algn="l" indent="0" marL="0">
-              <a:spcAft>
-                <a:spcPts val="600"/>
-              </a:spcAft>
+            <a:pPr algn="ctr" indent="0" marL="0">
               <a:buNone/>
             </a:pPr>
             <a:r>
               <a:rPr lang="en-US" sz="1500" b="1" dirty="0">
                 <a:solidFill>
-                  <a:srgbClr val="181B24"/>
-                </a:solidFill>
-                <a:latin typeface="Arial" pitchFamily="34" charset="0"/>
-                <a:ea typeface="Arial" pitchFamily="34" charset="-122"/>
-                <a:cs typeface="Arial" pitchFamily="34" charset="-120"/>
-              </a:rPr>
-              <a:t>MCP</a:t>
+                  <a:srgbClr val="FFFFFF"/>
+                </a:solidFill>
+                <a:latin typeface="Arial" pitchFamily="34" charset="0"/>
+                <a:ea typeface="Arial" pitchFamily="34" charset="-122"/>
+                <a:cs typeface="Arial" pitchFamily="34" charset="-120"/>
+              </a:rPr>
+              <a:t>ROI: 2-6 months with heavy usage</a:t>
             </a:r>
             <a:endParaRPr lang="en-US" sz="1500" dirty="0"/>
           </a:p>
         </p:txBody>
       </p:sp>
-      <p:sp>
-        <p:nvSpPr>
-          <p:cNvPr id="8" name="Text 6"/>
-          <p:cNvSpPr/>
-          <p:nvPr/>
-        </p:nvSpPr>
-        <p:spPr>
-          <a:xfrm>
-            <a:off x="768251" y="2254002"/>
-            <a:ext cx="3672611" cy="206276"/>
-          </a:xfrm>
-          <a:prstGeom prst="rect">
-            <a:avLst/>
-          </a:prstGeom>
-          <a:noFill/>
-          <a:ln/>
-        </p:spPr>
-        <p:txBody>
-          <a:bodyPr wrap="square" lIns="0" tIns="0" rIns="0" bIns="0" rtlCol="0" anchor="t"/>
-          <a:lstStyle/>
-          <a:p>
-            <a:pPr algn="l" indent="0" marL="0">
-              <a:lnSpc>
-                <a:spcPts val="1625"/>
-              </a:lnSpc>
-              <a:buNone/>
-            </a:pPr>
-            <a:r>
-              <a:rPr lang="en-US" sz="1300" b="1" dirty="0">
-                <a:solidFill>
-                  <a:srgbClr val="2E4053"/>
-                </a:solidFill>
-                <a:latin typeface="Arial" pitchFamily="34" charset="0"/>
-                <a:ea typeface="Arial" pitchFamily="34" charset="-122"/>
-                <a:cs typeface="Arial" pitchFamily="34" charset="-120"/>
-              </a:rPr>
-              <a:t>AI → Your Data</a:t>
-            </a:r>
-            <a:endParaRPr lang="en-US" sz="1300" dirty="0"/>
-          </a:p>
-        </p:txBody>
-      </p:sp>
-      <p:sp>
-        <p:nvSpPr>
-          <p:cNvPr id="9" name="Text 7"/>
-          <p:cNvSpPr/>
-          <p:nvPr/>
-        </p:nvSpPr>
-        <p:spPr>
-          <a:xfrm>
-            <a:off x="768251" y="2460278"/>
-            <a:ext cx="3672611" cy="206276"/>
-          </a:xfrm>
-          <a:prstGeom prst="rect">
-            <a:avLst/>
-          </a:prstGeom>
-          <a:noFill/>
-          <a:ln/>
-        </p:spPr>
-        <p:txBody>
-          <a:bodyPr wrap="square" lIns="0" tIns="0" rIns="0" bIns="0" rtlCol="0" anchor="t"/>
-          <a:lstStyle/>
-          <a:p>
-            <a:pPr algn="l" indent="0" marL="0">
-              <a:lnSpc>
-                <a:spcPts val="1625"/>
-              </a:lnSpc>
-              <a:buNone/>
-            </a:pPr>
-            <a:r>
-              <a:rPr lang="en-US" sz="1300" dirty="0">
-                <a:solidFill>
-                  <a:srgbClr val="2E4053"/>
-                </a:solidFill>
-                <a:latin typeface="Arial" pitchFamily="34" charset="0"/>
-                <a:ea typeface="Arial" pitchFamily="34" charset="-122"/>
-                <a:cs typeface="Arial" pitchFamily="34" charset="-120"/>
-              </a:rPr>
-              <a:t>Connect AI assistants to data sources and APIs</a:t>
-            </a:r>
-            <a:endParaRPr lang="en-US" sz="1300" dirty="0"/>
-          </a:p>
-        </p:txBody>
-      </p:sp>
-      <p:sp>
-        <p:nvSpPr>
-          <p:cNvPr id="10" name="Text 8"/>
-          <p:cNvSpPr/>
-          <p:nvPr/>
-        </p:nvSpPr>
-        <p:spPr>
-          <a:xfrm>
-            <a:off x="4622750" y="1806327"/>
-            <a:ext cx="3962549" cy="1012627"/>
-          </a:xfrm>
-          <a:prstGeom prst="roundRect">
-            <a:avLst>
-              <a:gd name="adj" fmla="val 10033"/>
-            </a:avLst>
-          </a:prstGeom>
-          <a:solidFill>
-            <a:srgbClr val="F4F6F6"/>
-          </a:solidFill>
-          <a:ln/>
-        </p:spPr>
-        <p:txBody>
-          <a:bodyPr wrap="square" rtlCol="0" anchor="ctr"/>
-          <a:lstStyle/>
-          <a:p>
-            <a:pPr indent="0" marL="0">
-              <a:buNone/>
-            </a:pPr>
-            <a:endParaRPr lang="en-US" dirty="0"/>
-          </a:p>
-        </p:txBody>
-      </p:sp>
-      <p:sp>
-        <p:nvSpPr>
-          <p:cNvPr id="11" name="Shape 9"/>
-          <p:cNvSpPr/>
-          <p:nvPr/>
-        </p:nvSpPr>
-        <p:spPr>
-          <a:xfrm>
-            <a:off x="4651325" y="1806327"/>
-            <a:ext cx="0" cy="1012627"/>
-          </a:xfrm>
-          <a:prstGeom prst="line">
-            <a:avLst/>
-          </a:prstGeom>
-          <a:noFill/>
-          <a:ln w="57150">
-            <a:solidFill>
-              <a:srgbClr val="40695B"/>
-            </a:solidFill>
-            <a:prstDash val="solid"/>
-          </a:ln>
-        </p:spPr>
-      </p:sp>
-      <p:sp>
-        <p:nvSpPr>
-          <p:cNvPr id="12" name="Text 10"/>
-          <p:cNvSpPr/>
-          <p:nvPr/>
-        </p:nvSpPr>
-        <p:spPr>
-          <a:xfrm>
-            <a:off x="4832300" y="1958727"/>
-            <a:ext cx="3672611" cy="219075"/>
-          </a:xfrm>
-          <a:prstGeom prst="rect">
-            <a:avLst/>
-          </a:prstGeom>
-          <a:noFill/>
-          <a:ln/>
-        </p:spPr>
-        <p:txBody>
-          <a:bodyPr wrap="square" lIns="0" tIns="0" rIns="0" bIns="0" rtlCol="0" anchor="t"/>
-          <a:lstStyle/>
-          <a:p>
-            <a:pPr algn="l" indent="0" marL="0">
-              <a:spcAft>
-                <a:spcPts val="600"/>
-              </a:spcAft>
-              <a:buNone/>
-            </a:pPr>
-            <a:r>
-              <a:rPr lang="en-US" sz="1500" b="1" dirty="0">
-                <a:solidFill>
-                  <a:srgbClr val="181B24"/>
-                </a:solidFill>
-                <a:latin typeface="Arial" pitchFamily="34" charset="0"/>
-                <a:ea typeface="Arial" pitchFamily="34" charset="-122"/>
-                <a:cs typeface="Arial" pitchFamily="34" charset="-120"/>
-              </a:rPr>
-              <a:t>A2A</a:t>
-            </a:r>
-            <a:endParaRPr lang="en-US" sz="1500" dirty="0"/>
-          </a:p>
-        </p:txBody>
-      </p:sp>
-      <p:sp>
-        <p:nvSpPr>
-          <p:cNvPr id="13" name="Text 11"/>
-          <p:cNvSpPr/>
-          <p:nvPr/>
-        </p:nvSpPr>
-        <p:spPr>
-          <a:xfrm>
-            <a:off x="4832300" y="2254002"/>
-            <a:ext cx="3672611" cy="206276"/>
-          </a:xfrm>
-          <a:prstGeom prst="rect">
-            <a:avLst/>
-          </a:prstGeom>
-          <a:noFill/>
-          <a:ln/>
-        </p:spPr>
-        <p:txBody>
-          <a:bodyPr wrap="square" lIns="0" tIns="0" rIns="0" bIns="0" rtlCol="0" anchor="t"/>
-          <a:lstStyle/>
-          <a:p>
-            <a:pPr algn="l" indent="0" marL="0">
-              <a:lnSpc>
-                <a:spcPts val="1625"/>
-              </a:lnSpc>
-              <a:buNone/>
-            </a:pPr>
-            <a:r>
-              <a:rPr lang="en-US" sz="1300" b="1" dirty="0">
-                <a:solidFill>
-                  <a:srgbClr val="2E4053"/>
-                </a:solidFill>
-                <a:latin typeface="Arial" pitchFamily="34" charset="0"/>
-                <a:ea typeface="Arial" pitchFamily="34" charset="-122"/>
-                <a:cs typeface="Arial" pitchFamily="34" charset="-120"/>
-              </a:rPr>
-              <a:t>AI → AI</a:t>
-            </a:r>
-            <a:endParaRPr lang="en-US" sz="1300" dirty="0"/>
-          </a:p>
-        </p:txBody>
-      </p:sp>
-      <p:sp>
-        <p:nvSpPr>
-          <p:cNvPr id="14" name="Text 12"/>
-          <p:cNvSpPr/>
-          <p:nvPr/>
-        </p:nvSpPr>
-        <p:spPr>
-          <a:xfrm>
-            <a:off x="4832300" y="2460278"/>
-            <a:ext cx="3672611" cy="206276"/>
-          </a:xfrm>
-          <a:prstGeom prst="rect">
-            <a:avLst/>
-          </a:prstGeom>
-          <a:noFill/>
-          <a:ln/>
-        </p:spPr>
-        <p:txBody>
-          <a:bodyPr wrap="square" lIns="0" tIns="0" rIns="0" bIns="0" rtlCol="0" anchor="t"/>
-          <a:lstStyle/>
-          <a:p>
-            <a:pPr algn="l" indent="0" marL="0">
-              <a:lnSpc>
-                <a:spcPts val="1625"/>
-              </a:lnSpc>
-              <a:buNone/>
-            </a:pPr>
-            <a:r>
-              <a:rPr lang="en-US" sz="1300" dirty="0">
-                <a:solidFill>
-                  <a:srgbClr val="2E4053"/>
-                </a:solidFill>
-                <a:latin typeface="Arial" pitchFamily="34" charset="0"/>
-                <a:ea typeface="Arial" pitchFamily="34" charset="-122"/>
-                <a:cs typeface="Arial" pitchFamily="34" charset="-120"/>
-              </a:rPr>
-              <a:t>AIs talking to each other (agent-to-agent)</a:t>
-            </a:r>
-            <a:endParaRPr lang="en-US" sz="1300" dirty="0"/>
-          </a:p>
-        </p:txBody>
-      </p:sp>
-      <p:sp>
-        <p:nvSpPr>
-          <p:cNvPr id="15" name="Text 13"/>
-          <p:cNvSpPr/>
-          <p:nvPr/>
-        </p:nvSpPr>
-        <p:spPr>
-          <a:xfrm>
-            <a:off x="558701" y="2945904"/>
-            <a:ext cx="3962549" cy="1012627"/>
-          </a:xfrm>
-          <a:prstGeom prst="roundRect">
-            <a:avLst>
-              <a:gd name="adj" fmla="val 10033"/>
-            </a:avLst>
-          </a:prstGeom>
-          <a:solidFill>
-            <a:srgbClr val="F4F6F6"/>
-          </a:solidFill>
-          <a:ln/>
-        </p:spPr>
-        <p:txBody>
-          <a:bodyPr wrap="square" rtlCol="0" anchor="ctr"/>
-          <a:lstStyle/>
-          <a:p>
-            <a:pPr indent="0" marL="0">
-              <a:buNone/>
-            </a:pPr>
-            <a:endParaRPr lang="en-US" dirty="0"/>
-          </a:p>
-        </p:txBody>
-      </p:sp>
-      <p:sp>
-        <p:nvSpPr>
-          <p:cNvPr id="16" name="Shape 14"/>
-          <p:cNvSpPr/>
-          <p:nvPr/>
-        </p:nvSpPr>
-        <p:spPr>
-          <a:xfrm>
-            <a:off x="587276" y="2945904"/>
-            <a:ext cx="0" cy="1012627"/>
-          </a:xfrm>
-          <a:prstGeom prst="line">
-            <a:avLst/>
-          </a:prstGeom>
-          <a:noFill/>
-          <a:ln w="57150">
-            <a:solidFill>
-              <a:srgbClr val="40695B"/>
-            </a:solidFill>
-            <a:prstDash val="solid"/>
-          </a:ln>
-        </p:spPr>
-      </p:sp>
-      <p:sp>
-        <p:nvSpPr>
-          <p:cNvPr id="17" name="Text 15"/>
-          <p:cNvSpPr/>
-          <p:nvPr/>
-        </p:nvSpPr>
-        <p:spPr>
-          <a:xfrm>
-            <a:off x="768251" y="3098304"/>
-            <a:ext cx="3672611" cy="219075"/>
-          </a:xfrm>
-          <a:prstGeom prst="rect">
-            <a:avLst/>
-          </a:prstGeom>
-          <a:noFill/>
-          <a:ln/>
-        </p:spPr>
-        <p:txBody>
-          <a:bodyPr wrap="square" lIns="0" tIns="0" rIns="0" bIns="0" rtlCol="0" anchor="t"/>
-          <a:lstStyle/>
-          <a:p>
-            <a:pPr algn="l" indent="0" marL="0">
-              <a:spcAft>
-                <a:spcPts val="600"/>
-              </a:spcAft>
-              <a:buNone/>
-            </a:pPr>
-            <a:r>
-              <a:rPr lang="en-US" sz="1500" b="1" dirty="0">
-                <a:solidFill>
-                  <a:srgbClr val="181B24"/>
-                </a:solidFill>
-                <a:latin typeface="Arial" pitchFamily="34" charset="0"/>
-                <a:ea typeface="Arial" pitchFamily="34" charset="-122"/>
-                <a:cs typeface="Arial" pitchFamily="34" charset="-120"/>
-              </a:rPr>
-              <a:t>ACP</a:t>
-            </a:r>
-            <a:endParaRPr lang="en-US" sz="1500" dirty="0"/>
-          </a:p>
-        </p:txBody>
-      </p:sp>
-      <p:sp>
-        <p:nvSpPr>
-          <p:cNvPr id="18" name="Text 16"/>
-          <p:cNvSpPr/>
-          <p:nvPr/>
-        </p:nvSpPr>
-        <p:spPr>
-          <a:xfrm>
-            <a:off x="768251" y="3393579"/>
-            <a:ext cx="3672611" cy="206276"/>
-          </a:xfrm>
-          <a:prstGeom prst="rect">
-            <a:avLst/>
-          </a:prstGeom>
-          <a:noFill/>
-          <a:ln/>
-        </p:spPr>
-        <p:txBody>
-          <a:bodyPr wrap="square" lIns="0" tIns="0" rIns="0" bIns="0" rtlCol="0" anchor="t"/>
-          <a:lstStyle/>
-          <a:p>
-            <a:pPr algn="l" indent="0" marL="0">
-              <a:lnSpc>
-                <a:spcPts val="1625"/>
-              </a:lnSpc>
-              <a:buNone/>
-            </a:pPr>
-            <a:r>
-              <a:rPr lang="en-US" sz="1300" b="1" dirty="0">
-                <a:solidFill>
-                  <a:srgbClr val="2E4053"/>
-                </a:solidFill>
-                <a:latin typeface="Arial" pitchFamily="34" charset="0"/>
-                <a:ea typeface="Arial" pitchFamily="34" charset="-122"/>
-                <a:cs typeface="Arial" pitchFamily="34" charset="-120"/>
-              </a:rPr>
-              <a:t>AI ↔ AI Workflow</a:t>
-            </a:r>
-            <a:endParaRPr lang="en-US" sz="1300" dirty="0"/>
-          </a:p>
-        </p:txBody>
-      </p:sp>
-      <p:sp>
-        <p:nvSpPr>
-          <p:cNvPr id="19" name="Text 17"/>
-          <p:cNvSpPr/>
-          <p:nvPr/>
-        </p:nvSpPr>
-        <p:spPr>
-          <a:xfrm>
-            <a:off x="768251" y="3599855"/>
-            <a:ext cx="3672611" cy="206276"/>
-          </a:xfrm>
-          <a:prstGeom prst="rect">
-            <a:avLst/>
-          </a:prstGeom>
-          <a:noFill/>
-          <a:ln/>
-        </p:spPr>
-        <p:txBody>
-          <a:bodyPr wrap="square" lIns="0" tIns="0" rIns="0" bIns="0" rtlCol="0" anchor="t"/>
-          <a:lstStyle/>
-          <a:p>
-            <a:pPr algn="l" indent="0" marL="0">
-              <a:lnSpc>
-                <a:spcPts val="1625"/>
-              </a:lnSpc>
-              <a:buNone/>
-            </a:pPr>
-            <a:r>
-              <a:rPr lang="en-US" sz="1300" dirty="0">
-                <a:solidFill>
-                  <a:srgbClr val="2E4053"/>
-                </a:solidFill>
-                <a:latin typeface="Arial" pitchFamily="34" charset="0"/>
-                <a:ea typeface="Arial" pitchFamily="34" charset="-122"/>
-                <a:cs typeface="Arial" pitchFamily="34" charset="-120"/>
-              </a:rPr>
-              <a:t>Agent Communication Protocol for coordination</a:t>
-            </a:r>
-            <a:endParaRPr lang="en-US" sz="1300" dirty="0"/>
-          </a:p>
-        </p:txBody>
-      </p:sp>
-      <p:sp>
-        <p:nvSpPr>
-          <p:cNvPr id="20" name="Text 18"/>
-          <p:cNvSpPr/>
-          <p:nvPr/>
-        </p:nvSpPr>
-        <p:spPr>
-          <a:xfrm>
-            <a:off x="4622750" y="2945904"/>
-            <a:ext cx="3962549" cy="1012627"/>
-          </a:xfrm>
-          <a:prstGeom prst="roundRect">
-            <a:avLst>
-              <a:gd name="adj" fmla="val 10033"/>
-            </a:avLst>
-          </a:prstGeom>
-          <a:solidFill>
-            <a:srgbClr val="F4F6F6"/>
-          </a:solidFill>
-          <a:ln/>
-        </p:spPr>
-        <p:txBody>
-          <a:bodyPr wrap="square" rtlCol="0" anchor="ctr"/>
-          <a:lstStyle/>
-          <a:p>
-            <a:pPr indent="0" marL="0">
-              <a:buNone/>
-            </a:pPr>
-            <a:endParaRPr lang="en-US" dirty="0"/>
-          </a:p>
-        </p:txBody>
-      </p:sp>
-      <p:sp>
-        <p:nvSpPr>
-          <p:cNvPr id="21" name="Shape 19"/>
-          <p:cNvSpPr/>
-          <p:nvPr/>
-        </p:nvSpPr>
-        <p:spPr>
-          <a:xfrm>
-            <a:off x="4651325" y="2945904"/>
-            <a:ext cx="0" cy="1012627"/>
-          </a:xfrm>
-          <a:prstGeom prst="line">
-            <a:avLst/>
-          </a:prstGeom>
-          <a:noFill/>
-          <a:ln w="57150">
-            <a:solidFill>
-              <a:srgbClr val="40695B"/>
-            </a:solidFill>
-            <a:prstDash val="solid"/>
-          </a:ln>
-        </p:spPr>
-      </p:sp>
-      <p:sp>
-        <p:nvSpPr>
-          <p:cNvPr id="22" name="Text 20"/>
-          <p:cNvSpPr/>
-          <p:nvPr/>
-        </p:nvSpPr>
-        <p:spPr>
-          <a:xfrm>
-            <a:off x="4832300" y="3098304"/>
-            <a:ext cx="3672611" cy="219075"/>
-          </a:xfrm>
-          <a:prstGeom prst="rect">
-            <a:avLst/>
-          </a:prstGeom>
-          <a:noFill/>
-          <a:ln/>
-        </p:spPr>
-        <p:txBody>
-          <a:bodyPr wrap="square" lIns="0" tIns="0" rIns="0" bIns="0" rtlCol="0" anchor="t"/>
-          <a:lstStyle/>
-          <a:p>
-            <a:pPr algn="l" indent="0" marL="0">
-              <a:spcAft>
-                <a:spcPts val="600"/>
-              </a:spcAft>
-              <a:buNone/>
-            </a:pPr>
-            <a:r>
-              <a:rPr lang="en-US" sz="1500" b="1" dirty="0">
-                <a:solidFill>
-                  <a:srgbClr val="181B24"/>
-                </a:solidFill>
-                <a:latin typeface="Arial" pitchFamily="34" charset="0"/>
-                <a:ea typeface="Arial" pitchFamily="34" charset="-122"/>
-                <a:cs typeface="Arial" pitchFamily="34" charset="-120"/>
-              </a:rPr>
-              <a:t>Claude Skills</a:t>
-            </a:r>
-            <a:endParaRPr lang="en-US" sz="1500" dirty="0"/>
-          </a:p>
-        </p:txBody>
-      </p:sp>
-      <p:sp>
-        <p:nvSpPr>
-          <p:cNvPr id="23" name="Text 21"/>
-          <p:cNvSpPr/>
-          <p:nvPr/>
-        </p:nvSpPr>
-        <p:spPr>
-          <a:xfrm>
-            <a:off x="4832300" y="3393579"/>
-            <a:ext cx="3672611" cy="206276"/>
-          </a:xfrm>
-          <a:prstGeom prst="rect">
-            <a:avLst/>
-          </a:prstGeom>
-          <a:noFill/>
-          <a:ln/>
-        </p:spPr>
-        <p:txBody>
-          <a:bodyPr wrap="square" lIns="0" tIns="0" rIns="0" bIns="0" rtlCol="0" anchor="t"/>
-          <a:lstStyle/>
-          <a:p>
-            <a:pPr algn="l" indent="0" marL="0">
-              <a:lnSpc>
-                <a:spcPts val="1625"/>
-              </a:lnSpc>
-              <a:buNone/>
-            </a:pPr>
-            <a:r>
-              <a:rPr lang="en-US" sz="1300" b="1" dirty="0">
-                <a:solidFill>
-                  <a:srgbClr val="2E4053"/>
-                </a:solidFill>
-                <a:latin typeface="Arial" pitchFamily="34" charset="0"/>
-                <a:ea typeface="Arial" pitchFamily="34" charset="-122"/>
-                <a:cs typeface="Arial" pitchFamily="34" charset="-120"/>
-              </a:rPr>
-              <a:t>Packaged Capabilities</a:t>
-            </a:r>
-            <a:endParaRPr lang="en-US" sz="1300" dirty="0"/>
-          </a:p>
-        </p:txBody>
-      </p:sp>
-      <p:sp>
-        <p:nvSpPr>
-          <p:cNvPr id="24" name="Text 22"/>
-          <p:cNvSpPr/>
-          <p:nvPr/>
-        </p:nvSpPr>
-        <p:spPr>
-          <a:xfrm>
-            <a:off x="4832300" y="3599855"/>
-            <a:ext cx="3672611" cy="206276"/>
-          </a:xfrm>
-          <a:prstGeom prst="rect">
-            <a:avLst/>
-          </a:prstGeom>
-          <a:noFill/>
-          <a:ln/>
-        </p:spPr>
-        <p:txBody>
-          <a:bodyPr wrap="square" lIns="0" tIns="0" rIns="0" bIns="0" rtlCol="0" anchor="t"/>
-          <a:lstStyle/>
-          <a:p>
-            <a:pPr algn="l" indent="0" marL="0">
-              <a:lnSpc>
-                <a:spcPts val="1625"/>
-              </a:lnSpc>
-              <a:buNone/>
-            </a:pPr>
-            <a:r>
-              <a:rPr lang="en-US" sz="1300" dirty="0">
-                <a:solidFill>
-                  <a:srgbClr val="2E4053"/>
-                </a:solidFill>
-                <a:latin typeface="Arial" pitchFamily="34" charset="0"/>
-                <a:ea typeface="Arial" pitchFamily="34" charset="-122"/>
-                <a:cs typeface="Arial" pitchFamily="34" charset="-120"/>
-              </a:rPr>
-              <a:t>Pre-built workflows that use MCP servers</a:t>
-            </a:r>
-            <a:endParaRPr lang="en-US" sz="1300" dirty="0"/>
-          </a:p>
-        </p:txBody>
-      </p:sp>
+      <p:graphicFrame>
+        <p:nvGraphicFramePr>
+          <p:cNvPr id="10" name="Chart 0" descr=""/>
+          <p:cNvGraphicFramePr/>
+          <p:nvPr/>
+        </p:nvGraphicFramePr>
+        <p:xfrm>
+          <a:off x="4825901" y="1412677"/>
+          <a:ext cx="3810149" cy="2793950"/>
+        </p:xfrm>
+        <a:graphic xmlns:a="http://schemas.openxmlformats.org/drawingml/2006/main">
+          <a:graphicData uri="http://schemas.openxmlformats.org/drawingml/2006/chart">
+            <c:chart xmlns:c="http://schemas.openxmlformats.org/drawingml/2006/chart" r:id="rId1"/>
+          </a:graphicData>
+        </a:graphic>
+      </p:graphicFrame>
     </p:spTree>
   </p:cSld>
   <p:clrMapOvr>
@@ -4776,7 +4504,7 @@
                 <a:ea typeface="Arial" pitchFamily="34" charset="-122"/>
                 <a:cs typeface="Arial" pitchFamily="34" charset="-120"/>
               </a:rPr>
-              <a:t>Getting Started with MCP</a:t>
+              <a:t>MCP vs. A2A vs. ACP vs. Skills</a:t>
             </a:r>
             <a:endParaRPr lang="en-US" sz="3600" dirty="0"/>
           </a:p>
@@ -4791,7 +4519,7 @@
         <p:spPr>
           <a:xfrm>
             <a:off x="507950" y="1412677"/>
-            <a:ext cx="8290661" cy="323850"/>
+            <a:ext cx="8290661" cy="266700"/>
           </a:xfrm>
           <a:prstGeom prst="rect">
             <a:avLst/>
@@ -4805,12 +4533,12 @@
           <a:p>
             <a:pPr algn="l" indent="0" marL="0">
               <a:spcAft>
-                <a:spcPts val="1200"/>
-              </a:spcAft>
-              <a:buNone/>
-            </a:pPr>
-            <a:r>
-              <a:rPr lang="en-US" sz="2200" b="1" dirty="0">
+                <a:spcPts val="800"/>
+              </a:spcAft>
+              <a:buNone/>
+            </a:pPr>
+            <a:r>
+              <a:rPr lang="en-US" sz="1800" b="1" dirty="0">
                 <a:solidFill>
                   <a:srgbClr val="181B24"/>
                 </a:solidFill>
@@ -4818,9 +4546,9 @@
                 <a:ea typeface="Arial" pitchFamily="34" charset="-122"/>
                 <a:cs typeface="Arial" pitchFamily="34" charset="-120"/>
               </a:rPr>
-              <a:t>Your First MCP Server (5 steps):</a:t>
-            </a:r>
-            <a:endParaRPr lang="en-US" sz="2200" dirty="0"/>
+              <a:t>Understanding the Ecosystem:</a:t>
+            </a:r>
+            <a:endParaRPr lang="en-US" sz="1800" dirty="0"/>
           </a:p>
         </p:txBody>
       </p:sp>
@@ -4832,47 +4560,162 @@
         </p:nvSpPr>
         <p:spPr>
           <a:xfrm>
-            <a:off x="507950" y="1888927"/>
-            <a:ext cx="8128099" cy="1777305"/>
-          </a:xfrm>
-          <a:prstGeom prst="rect">
-            <a:avLst/>
-          </a:prstGeom>
-          <a:noFill/>
-          <a:ln/>
-        </p:spPr>
-        <p:txBody>
-          <a:bodyPr wrap="square" lIns="158750" tIns="0" rIns="0" bIns="0" rtlCol="0" anchor="t"/>
-          <a:lstStyle/>
-          <a:p>
-            <a:pPr algn="l" marL="158750" indent="-158750">
-              <a:lnSpc>
-                <a:spcPts val="2000"/>
-              </a:lnSpc>
-              <a:spcAft>
-                <a:spcPts val="1000"/>
-              </a:spcAft>
-              <a:buSzPct val="100000"/>
-              <a:buChar char="•"/>
-            </a:pPr>
-            <a:r>
-              <a:rPr lang="en-US" sz="1600" dirty="0">
-                <a:solidFill>
-                  <a:srgbClr val="2E4053"/>
-                </a:solidFill>
-                <a:latin typeface="Arial" pitchFamily="34" charset="0"/>
-                <a:ea typeface="Arial" pitchFamily="34" charset="-122"/>
-                <a:cs typeface="Arial" pitchFamily="34" charset="-120"/>
-              </a:rPr>
-              <a:t>Install FastMCP: </a:t>
-            </a:r>
+            <a:off x="558701" y="1806327"/>
+            <a:ext cx="3962549" cy="1012627"/>
+          </a:xfrm>
+          <a:prstGeom prst="roundRect">
+            <a:avLst>
+              <a:gd name="adj" fmla="val 10033"/>
+            </a:avLst>
+          </a:prstGeom>
+          <a:solidFill>
+            <a:srgbClr val="F3E5FF"/>
+          </a:solidFill>
+          <a:ln/>
+        </p:spPr>
+        <p:txBody>
+          <a:bodyPr wrap="square" rtlCol="0" anchor="ctr"/>
+          <a:lstStyle/>
+          <a:p>
+            <a:pPr indent="0" marL="0">
+              <a:buNone/>
+            </a:pPr>
+            <a:endParaRPr lang="en-US" dirty="0"/>
+          </a:p>
+        </p:txBody>
+      </p:sp>
+      <p:sp>
+        <p:nvSpPr>
+          <p:cNvPr id="6" name="Shape 4"/>
+          <p:cNvSpPr/>
+          <p:nvPr/>
+        </p:nvSpPr>
+        <p:spPr>
+          <a:xfrm>
+            <a:off x="587276" y="1806327"/>
+            <a:ext cx="0" cy="1012627"/>
+          </a:xfrm>
+          <a:prstGeom prst="line">
+            <a:avLst/>
+          </a:prstGeom>
+          <a:noFill/>
+          <a:ln w="57150">
+            <a:solidFill>
+              <a:srgbClr val="B165FB"/>
+            </a:solidFill>
+            <a:prstDash val="solid"/>
+          </a:ln>
+        </p:spPr>
+      </p:sp>
+      <p:sp>
+        <p:nvSpPr>
+          <p:cNvPr id="7" name="Text 5"/>
+          <p:cNvSpPr/>
+          <p:nvPr/>
+        </p:nvSpPr>
+        <p:spPr>
+          <a:xfrm>
+            <a:off x="768251" y="1958727"/>
+            <a:ext cx="3672611" cy="219075"/>
+          </a:xfrm>
+          <a:prstGeom prst="rect">
+            <a:avLst/>
+          </a:prstGeom>
+          <a:noFill/>
+          <a:ln/>
+        </p:spPr>
+        <p:txBody>
+          <a:bodyPr wrap="square" lIns="0" tIns="0" rIns="0" bIns="0" rtlCol="0" anchor="t"/>
+          <a:lstStyle/>
+          <a:p>
+            <a:pPr algn="l" indent="0" marL="0">
+              <a:spcAft>
+                <a:spcPts val="600"/>
+              </a:spcAft>
+              <a:buNone/>
+            </a:pPr>
+            <a:r>
+              <a:rPr lang="en-US" sz="1500" b="1" dirty="0">
+                <a:solidFill>
+                  <a:srgbClr val="181B24"/>
+                </a:solidFill>
+                <a:latin typeface="Arial" pitchFamily="34" charset="0"/>
+                <a:ea typeface="Arial" pitchFamily="34" charset="-122"/>
+                <a:cs typeface="Arial" pitchFamily="34" charset="-120"/>
+              </a:rPr>
+              <a:t>MCP</a:t>
+            </a:r>
+            <a:endParaRPr lang="en-US" sz="1500" dirty="0"/>
+          </a:p>
+        </p:txBody>
+      </p:sp>
+      <p:sp>
+        <p:nvSpPr>
+          <p:cNvPr id="8" name="Text 6"/>
+          <p:cNvSpPr/>
+          <p:nvPr/>
+        </p:nvSpPr>
+        <p:spPr>
+          <a:xfrm>
+            <a:off x="768251" y="2254002"/>
+            <a:ext cx="3672611" cy="206276"/>
+          </a:xfrm>
+          <a:prstGeom prst="rect">
+            <a:avLst/>
+          </a:prstGeom>
+          <a:noFill/>
+          <a:ln/>
+        </p:spPr>
+        <p:txBody>
+          <a:bodyPr wrap="square" lIns="0" tIns="0" rIns="0" bIns="0" rtlCol="0" anchor="t"/>
+          <a:lstStyle/>
+          <a:p>
             <a:pPr algn="l" indent="0" marL="0">
               <a:lnSpc>
-                <a:spcPts val="2000"/>
+                <a:spcPts val="1625"/>
               </a:lnSpc>
-              <a:spcAft>
-                <a:spcPts val="1000"/>
-              </a:spcAft>
+              <a:buNone/>
+            </a:pPr>
+            <a:r>
+              <a:rPr lang="en-US" sz="1300" b="1" dirty="0">
+                <a:solidFill>
+                  <a:srgbClr val="2E4053"/>
+                </a:solidFill>
+                <a:latin typeface="Arial" pitchFamily="34" charset="0"/>
+                <a:ea typeface="Arial" pitchFamily="34" charset="-122"/>
+                <a:cs typeface="Arial" pitchFamily="34" charset="-120"/>
+              </a:rPr>
+              <a:t>AI → Your Data</a:t>
+            </a:r>
+            <a:endParaRPr lang="en-US" sz="1300" dirty="0"/>
+          </a:p>
+        </p:txBody>
+      </p:sp>
+      <p:sp>
+        <p:nvSpPr>
+          <p:cNvPr id="9" name="Text 7"/>
+          <p:cNvSpPr/>
+          <p:nvPr/>
+        </p:nvSpPr>
+        <p:spPr>
+          <a:xfrm>
+            <a:off x="768251" y="2460278"/>
+            <a:ext cx="3672611" cy="206276"/>
+          </a:xfrm>
+          <a:prstGeom prst="rect">
+            <a:avLst/>
+          </a:prstGeom>
+          <a:noFill/>
+          <a:ln/>
+        </p:spPr>
+        <p:txBody>
+          <a:bodyPr wrap="square" lIns="0" tIns="0" rIns="0" bIns="0" rtlCol="0" anchor="t"/>
+          <a:lstStyle/>
+          <a:p>
+            <a:pPr algn="l" indent="0" marL="0">
+              <a:lnSpc>
+                <a:spcPts val="1625"/>
+              </a:lnSpc>
               <a:buNone/>
             </a:pPr>
             <a:r>
@@ -4884,126 +4727,30 @@
                 <a:ea typeface="Arial" pitchFamily="34" charset="-122"/>
                 <a:cs typeface="Arial" pitchFamily="34" charset="-120"/>
               </a:rPr>
-              <a:t>pip install mcp</a:t>
-            </a:r>
-            <a:endParaRPr lang="en-US" sz="1600" dirty="0"/>
-          </a:p>
-          <a:p>
-            <a:pPr algn="l" marL="158750" indent="-158750">
-              <a:lnSpc>
-                <a:spcPts val="2000"/>
-              </a:lnSpc>
-              <a:spcAft>
-                <a:spcPts val="1000"/>
-              </a:spcAft>
-              <a:buSzPct val="100000"/>
-              <a:buChar char="•"/>
-            </a:pPr>
-            <a:r>
-              <a:rPr lang="en-US" sz="1600" dirty="0">
-                <a:solidFill>
-                  <a:srgbClr val="2E4053"/>
-                </a:solidFill>
-                <a:latin typeface="Arial" pitchFamily="34" charset="0"/>
-                <a:ea typeface="Arial" pitchFamily="34" charset="-122"/>
-                <a:cs typeface="Arial" pitchFamily="34" charset="-120"/>
-              </a:rPr>
-              <a:t>Create server.py with your tools</a:t>
-            </a:r>
-            <a:endParaRPr lang="en-US" sz="1600" dirty="0"/>
-          </a:p>
-          <a:p>
-            <a:pPr algn="l" marL="158750" indent="-158750">
-              <a:lnSpc>
-                <a:spcPts val="2000"/>
-              </a:lnSpc>
-              <a:spcAft>
-                <a:spcPts val="1000"/>
-              </a:spcAft>
-              <a:buSzPct val="100000"/>
-              <a:buChar char="•"/>
-            </a:pPr>
-            <a:r>
-              <a:rPr lang="en-US" sz="1600" dirty="0">
-                <a:solidFill>
-                  <a:srgbClr val="2E4053"/>
-                </a:solidFill>
-                <a:latin typeface="Arial" pitchFamily="34" charset="0"/>
-                <a:ea typeface="Arial" pitchFamily="34" charset="-122"/>
-                <a:cs typeface="Arial" pitchFamily="34" charset="-120"/>
-              </a:rPr>
-              <a:t>Add to LM Studio or Claude Desktop config</a:t>
-            </a:r>
-            <a:endParaRPr lang="en-US" sz="1600" dirty="0"/>
-          </a:p>
-          <a:p>
-            <a:pPr algn="l" marL="158750" indent="-158750">
-              <a:lnSpc>
-                <a:spcPts val="2000"/>
-              </a:lnSpc>
-              <a:spcAft>
-                <a:spcPts val="1000"/>
-              </a:spcAft>
-              <a:buSzPct val="100000"/>
-              <a:buChar char="•"/>
-            </a:pPr>
-            <a:r>
-              <a:rPr lang="en-US" sz="1600" dirty="0">
-                <a:solidFill>
-                  <a:srgbClr val="2E4053"/>
-                </a:solidFill>
-                <a:latin typeface="Arial" pitchFamily="34" charset="0"/>
-                <a:ea typeface="Arial" pitchFamily="34" charset="-122"/>
-                <a:cs typeface="Arial" pitchFamily="34" charset="-120"/>
-              </a:rPr>
-              <a:t>Test with natural language queries</a:t>
-            </a:r>
-            <a:endParaRPr lang="en-US" sz="1600" dirty="0"/>
-          </a:p>
-          <a:p>
-            <a:pPr algn="l" marL="158750" indent="-158750">
-              <a:lnSpc>
-                <a:spcPts val="2000"/>
-              </a:lnSpc>
-              <a:spcAft>
-                <a:spcPts val="1000"/>
-              </a:spcAft>
-              <a:buSzPct val="100000"/>
-              <a:buChar char="•"/>
-            </a:pPr>
-            <a:r>
-              <a:rPr lang="en-US" sz="1600" dirty="0">
-                <a:solidFill>
-                  <a:srgbClr val="2E4053"/>
-                </a:solidFill>
-                <a:latin typeface="Arial" pitchFamily="34" charset="0"/>
-                <a:ea typeface="Arial" pitchFamily="34" charset="-122"/>
-                <a:cs typeface="Arial" pitchFamily="34" charset="-120"/>
-              </a:rPr>
-              <a:t>Iterate and expand!</a:t>
-            </a:r>
-            <a:endParaRPr lang="en-US" sz="1600" dirty="0"/>
-          </a:p>
-        </p:txBody>
-      </p:sp>
-      <p:sp>
-        <p:nvSpPr>
-          <p:cNvPr id="6" name="Text 4"/>
-          <p:cNvSpPr/>
-          <p:nvPr/>
-        </p:nvSpPr>
-        <p:spPr>
-          <a:xfrm>
-            <a:off x="507950" y="3856732"/>
-            <a:ext cx="8128099" cy="542925"/>
+              <a:t>Connect AI assistants to data sources and APIs</a:t>
+            </a:r>
+            <a:endParaRPr lang="en-US" sz="1300" dirty="0"/>
+          </a:p>
+        </p:txBody>
+      </p:sp>
+      <p:sp>
+        <p:nvSpPr>
+          <p:cNvPr id="10" name="Text 8"/>
+          <p:cNvSpPr/>
+          <p:nvPr/>
+        </p:nvSpPr>
+        <p:spPr>
+          <a:xfrm>
+            <a:off x="4622750" y="1806327"/>
+            <a:ext cx="3962549" cy="1012627"/>
           </a:xfrm>
           <a:prstGeom prst="roundRect">
             <a:avLst>
-              <a:gd name="adj" fmla="val 18714"/>
+              <a:gd name="adj" fmla="val 10033"/>
             </a:avLst>
           </a:prstGeom>
           <a:solidFill>
-            <a:srgbClr val="40695B"/>
+            <a:srgbClr val="F4F6F6"/>
           </a:solidFill>
           <a:ln/>
         </p:spPr>
@@ -5020,14 +4767,37 @@
       </p:sp>
       <p:sp>
         <p:nvSpPr>
-          <p:cNvPr id="7" name="Text 5"/>
-          <p:cNvSpPr/>
-          <p:nvPr/>
-        </p:nvSpPr>
-        <p:spPr>
-          <a:xfrm>
-            <a:off x="660350" y="4009132"/>
-            <a:ext cx="7979765" cy="238125"/>
+          <p:cNvPr id="11" name="Shape 9"/>
+          <p:cNvSpPr/>
+          <p:nvPr/>
+        </p:nvSpPr>
+        <p:spPr>
+          <a:xfrm>
+            <a:off x="4651325" y="1806327"/>
+            <a:ext cx="0" cy="1012627"/>
+          </a:xfrm>
+          <a:prstGeom prst="line">
+            <a:avLst/>
+          </a:prstGeom>
+          <a:noFill/>
+          <a:ln w="57150">
+            <a:solidFill>
+              <a:srgbClr val="40695B"/>
+            </a:solidFill>
+            <a:prstDash val="solid"/>
+          </a:ln>
+        </p:spPr>
+      </p:sp>
+      <p:sp>
+        <p:nvSpPr>
+          <p:cNvPr id="12" name="Text 10"/>
+          <p:cNvSpPr/>
+          <p:nvPr/>
+        </p:nvSpPr>
+        <p:spPr>
+          <a:xfrm>
+            <a:off x="4832300" y="1958727"/>
+            <a:ext cx="3672611" cy="219075"/>
           </a:xfrm>
           <a:prstGeom prst="rect">
             <a:avLst/>
@@ -5040,20 +4810,469 @@
           <a:lstStyle/>
           <a:p>
             <a:pPr algn="l" indent="0" marL="0">
-              <a:buNone/>
-            </a:pPr>
-            <a:r>
-              <a:rPr lang="en-US" sz="1600" b="1" dirty="0">
-                <a:solidFill>
-                  <a:srgbClr val="FFFFFF"/>
-                </a:solidFill>
-                <a:latin typeface="Arial" pitchFamily="34" charset="0"/>
-                <a:ea typeface="Arial" pitchFamily="34" charset="-122"/>
-                <a:cs typeface="Arial" pitchFamily="34" charset="-120"/>
-              </a:rPr>
-              <a:t>Clone our demo: github.com/fabianwilliams/TechCon365Dallas2025</a:t>
-            </a:r>
-            <a:endParaRPr lang="en-US" sz="1600" dirty="0"/>
+              <a:spcAft>
+                <a:spcPts val="600"/>
+              </a:spcAft>
+              <a:buNone/>
+            </a:pPr>
+            <a:r>
+              <a:rPr lang="en-US" sz="1500" b="1" dirty="0">
+                <a:solidFill>
+                  <a:srgbClr val="181B24"/>
+                </a:solidFill>
+                <a:latin typeface="Arial" pitchFamily="34" charset="0"/>
+                <a:ea typeface="Arial" pitchFamily="34" charset="-122"/>
+                <a:cs typeface="Arial" pitchFamily="34" charset="-120"/>
+              </a:rPr>
+              <a:t>A2A</a:t>
+            </a:r>
+            <a:endParaRPr lang="en-US" sz="1500" dirty="0"/>
+          </a:p>
+        </p:txBody>
+      </p:sp>
+      <p:sp>
+        <p:nvSpPr>
+          <p:cNvPr id="13" name="Text 11"/>
+          <p:cNvSpPr/>
+          <p:nvPr/>
+        </p:nvSpPr>
+        <p:spPr>
+          <a:xfrm>
+            <a:off x="4832300" y="2254002"/>
+            <a:ext cx="3672611" cy="206276"/>
+          </a:xfrm>
+          <a:prstGeom prst="rect">
+            <a:avLst/>
+          </a:prstGeom>
+          <a:noFill/>
+          <a:ln/>
+        </p:spPr>
+        <p:txBody>
+          <a:bodyPr wrap="square" lIns="0" tIns="0" rIns="0" bIns="0" rtlCol="0" anchor="t"/>
+          <a:lstStyle/>
+          <a:p>
+            <a:pPr algn="l" indent="0" marL="0">
+              <a:lnSpc>
+                <a:spcPts val="1625"/>
+              </a:lnSpc>
+              <a:buNone/>
+            </a:pPr>
+            <a:r>
+              <a:rPr lang="en-US" sz="1300" b="1" dirty="0">
+                <a:solidFill>
+                  <a:srgbClr val="2E4053"/>
+                </a:solidFill>
+                <a:latin typeface="Arial" pitchFamily="34" charset="0"/>
+                <a:ea typeface="Arial" pitchFamily="34" charset="-122"/>
+                <a:cs typeface="Arial" pitchFamily="34" charset="-120"/>
+              </a:rPr>
+              <a:t>AI → AI</a:t>
+            </a:r>
+            <a:endParaRPr lang="en-US" sz="1300" dirty="0"/>
+          </a:p>
+        </p:txBody>
+      </p:sp>
+      <p:sp>
+        <p:nvSpPr>
+          <p:cNvPr id="14" name="Text 12"/>
+          <p:cNvSpPr/>
+          <p:nvPr/>
+        </p:nvSpPr>
+        <p:spPr>
+          <a:xfrm>
+            <a:off x="4832300" y="2460278"/>
+            <a:ext cx="3672611" cy="206276"/>
+          </a:xfrm>
+          <a:prstGeom prst="rect">
+            <a:avLst/>
+          </a:prstGeom>
+          <a:noFill/>
+          <a:ln/>
+        </p:spPr>
+        <p:txBody>
+          <a:bodyPr wrap="square" lIns="0" tIns="0" rIns="0" bIns="0" rtlCol="0" anchor="t"/>
+          <a:lstStyle/>
+          <a:p>
+            <a:pPr algn="l" indent="0" marL="0">
+              <a:lnSpc>
+                <a:spcPts val="1625"/>
+              </a:lnSpc>
+              <a:buNone/>
+            </a:pPr>
+            <a:r>
+              <a:rPr lang="en-US" sz="1300" dirty="0">
+                <a:solidFill>
+                  <a:srgbClr val="2E4053"/>
+                </a:solidFill>
+                <a:latin typeface="Arial" pitchFamily="34" charset="0"/>
+                <a:ea typeface="Arial" pitchFamily="34" charset="-122"/>
+                <a:cs typeface="Arial" pitchFamily="34" charset="-120"/>
+              </a:rPr>
+              <a:t>AIs talking to each other (agent-to-agent)</a:t>
+            </a:r>
+            <a:endParaRPr lang="en-US" sz="1300" dirty="0"/>
+          </a:p>
+        </p:txBody>
+      </p:sp>
+      <p:sp>
+        <p:nvSpPr>
+          <p:cNvPr id="15" name="Text 13"/>
+          <p:cNvSpPr/>
+          <p:nvPr/>
+        </p:nvSpPr>
+        <p:spPr>
+          <a:xfrm>
+            <a:off x="558701" y="2945904"/>
+            <a:ext cx="3962549" cy="1012627"/>
+          </a:xfrm>
+          <a:prstGeom prst="roundRect">
+            <a:avLst>
+              <a:gd name="adj" fmla="val 10033"/>
+            </a:avLst>
+          </a:prstGeom>
+          <a:solidFill>
+            <a:srgbClr val="F4F6F6"/>
+          </a:solidFill>
+          <a:ln/>
+        </p:spPr>
+        <p:txBody>
+          <a:bodyPr wrap="square" rtlCol="0" anchor="ctr"/>
+          <a:lstStyle/>
+          <a:p>
+            <a:pPr indent="0" marL="0">
+              <a:buNone/>
+            </a:pPr>
+            <a:endParaRPr lang="en-US" dirty="0"/>
+          </a:p>
+        </p:txBody>
+      </p:sp>
+      <p:sp>
+        <p:nvSpPr>
+          <p:cNvPr id="16" name="Shape 14"/>
+          <p:cNvSpPr/>
+          <p:nvPr/>
+        </p:nvSpPr>
+        <p:spPr>
+          <a:xfrm>
+            <a:off x="587276" y="2945904"/>
+            <a:ext cx="0" cy="1012627"/>
+          </a:xfrm>
+          <a:prstGeom prst="line">
+            <a:avLst/>
+          </a:prstGeom>
+          <a:noFill/>
+          <a:ln w="57150">
+            <a:solidFill>
+              <a:srgbClr val="40695B"/>
+            </a:solidFill>
+            <a:prstDash val="solid"/>
+          </a:ln>
+        </p:spPr>
+      </p:sp>
+      <p:sp>
+        <p:nvSpPr>
+          <p:cNvPr id="17" name="Text 15"/>
+          <p:cNvSpPr/>
+          <p:nvPr/>
+        </p:nvSpPr>
+        <p:spPr>
+          <a:xfrm>
+            <a:off x="768251" y="3098304"/>
+            <a:ext cx="3672611" cy="219075"/>
+          </a:xfrm>
+          <a:prstGeom prst="rect">
+            <a:avLst/>
+          </a:prstGeom>
+          <a:noFill/>
+          <a:ln/>
+        </p:spPr>
+        <p:txBody>
+          <a:bodyPr wrap="square" lIns="0" tIns="0" rIns="0" bIns="0" rtlCol="0" anchor="t"/>
+          <a:lstStyle/>
+          <a:p>
+            <a:pPr algn="l" indent="0" marL="0">
+              <a:spcAft>
+                <a:spcPts val="600"/>
+              </a:spcAft>
+              <a:buNone/>
+            </a:pPr>
+            <a:r>
+              <a:rPr lang="en-US" sz="1500" b="1" dirty="0">
+                <a:solidFill>
+                  <a:srgbClr val="181B24"/>
+                </a:solidFill>
+                <a:latin typeface="Arial" pitchFamily="34" charset="0"/>
+                <a:ea typeface="Arial" pitchFamily="34" charset="-122"/>
+                <a:cs typeface="Arial" pitchFamily="34" charset="-120"/>
+              </a:rPr>
+              <a:t>ACP</a:t>
+            </a:r>
+            <a:endParaRPr lang="en-US" sz="1500" dirty="0"/>
+          </a:p>
+        </p:txBody>
+      </p:sp>
+      <p:sp>
+        <p:nvSpPr>
+          <p:cNvPr id="18" name="Text 16"/>
+          <p:cNvSpPr/>
+          <p:nvPr/>
+        </p:nvSpPr>
+        <p:spPr>
+          <a:xfrm>
+            <a:off x="768251" y="3393579"/>
+            <a:ext cx="3672611" cy="206276"/>
+          </a:xfrm>
+          <a:prstGeom prst="rect">
+            <a:avLst/>
+          </a:prstGeom>
+          <a:noFill/>
+          <a:ln/>
+        </p:spPr>
+        <p:txBody>
+          <a:bodyPr wrap="square" lIns="0" tIns="0" rIns="0" bIns="0" rtlCol="0" anchor="t"/>
+          <a:lstStyle/>
+          <a:p>
+            <a:pPr algn="l" indent="0" marL="0">
+              <a:lnSpc>
+                <a:spcPts val="1625"/>
+              </a:lnSpc>
+              <a:buNone/>
+            </a:pPr>
+            <a:r>
+              <a:rPr lang="en-US" sz="1300" b="1" dirty="0">
+                <a:solidFill>
+                  <a:srgbClr val="2E4053"/>
+                </a:solidFill>
+                <a:latin typeface="Arial" pitchFamily="34" charset="0"/>
+                <a:ea typeface="Arial" pitchFamily="34" charset="-122"/>
+                <a:cs typeface="Arial" pitchFamily="34" charset="-120"/>
+              </a:rPr>
+              <a:t>AI ↔ AI Workflow</a:t>
+            </a:r>
+            <a:endParaRPr lang="en-US" sz="1300" dirty="0"/>
+          </a:p>
+        </p:txBody>
+      </p:sp>
+      <p:sp>
+        <p:nvSpPr>
+          <p:cNvPr id="19" name="Text 17"/>
+          <p:cNvSpPr/>
+          <p:nvPr/>
+        </p:nvSpPr>
+        <p:spPr>
+          <a:xfrm>
+            <a:off x="768251" y="3599855"/>
+            <a:ext cx="3672611" cy="206276"/>
+          </a:xfrm>
+          <a:prstGeom prst="rect">
+            <a:avLst/>
+          </a:prstGeom>
+          <a:noFill/>
+          <a:ln/>
+        </p:spPr>
+        <p:txBody>
+          <a:bodyPr wrap="square" lIns="0" tIns="0" rIns="0" bIns="0" rtlCol="0" anchor="t"/>
+          <a:lstStyle/>
+          <a:p>
+            <a:pPr algn="l" indent="0" marL="0">
+              <a:lnSpc>
+                <a:spcPts val="1625"/>
+              </a:lnSpc>
+              <a:buNone/>
+            </a:pPr>
+            <a:r>
+              <a:rPr lang="en-US" sz="1300" dirty="0">
+                <a:solidFill>
+                  <a:srgbClr val="2E4053"/>
+                </a:solidFill>
+                <a:latin typeface="Arial" pitchFamily="34" charset="0"/>
+                <a:ea typeface="Arial" pitchFamily="34" charset="-122"/>
+                <a:cs typeface="Arial" pitchFamily="34" charset="-120"/>
+              </a:rPr>
+              <a:t>Agent Communication Protocol for coordination</a:t>
+            </a:r>
+            <a:endParaRPr lang="en-US" sz="1300" dirty="0"/>
+          </a:p>
+        </p:txBody>
+      </p:sp>
+      <p:sp>
+        <p:nvSpPr>
+          <p:cNvPr id="20" name="Text 18"/>
+          <p:cNvSpPr/>
+          <p:nvPr/>
+        </p:nvSpPr>
+        <p:spPr>
+          <a:xfrm>
+            <a:off x="4622750" y="2945904"/>
+            <a:ext cx="3962549" cy="1012627"/>
+          </a:xfrm>
+          <a:prstGeom prst="roundRect">
+            <a:avLst>
+              <a:gd name="adj" fmla="val 10033"/>
+            </a:avLst>
+          </a:prstGeom>
+          <a:solidFill>
+            <a:srgbClr val="F4F6F6"/>
+          </a:solidFill>
+          <a:ln/>
+        </p:spPr>
+        <p:txBody>
+          <a:bodyPr wrap="square" rtlCol="0" anchor="ctr"/>
+          <a:lstStyle/>
+          <a:p>
+            <a:pPr indent="0" marL="0">
+              <a:buNone/>
+            </a:pPr>
+            <a:endParaRPr lang="en-US" dirty="0"/>
+          </a:p>
+        </p:txBody>
+      </p:sp>
+      <p:sp>
+        <p:nvSpPr>
+          <p:cNvPr id="21" name="Shape 19"/>
+          <p:cNvSpPr/>
+          <p:nvPr/>
+        </p:nvSpPr>
+        <p:spPr>
+          <a:xfrm>
+            <a:off x="4651325" y="2945904"/>
+            <a:ext cx="0" cy="1012627"/>
+          </a:xfrm>
+          <a:prstGeom prst="line">
+            <a:avLst/>
+          </a:prstGeom>
+          <a:noFill/>
+          <a:ln w="57150">
+            <a:solidFill>
+              <a:srgbClr val="40695B"/>
+            </a:solidFill>
+            <a:prstDash val="solid"/>
+          </a:ln>
+        </p:spPr>
+      </p:sp>
+      <p:sp>
+        <p:nvSpPr>
+          <p:cNvPr id="22" name="Text 20"/>
+          <p:cNvSpPr/>
+          <p:nvPr/>
+        </p:nvSpPr>
+        <p:spPr>
+          <a:xfrm>
+            <a:off x="4832300" y="3098304"/>
+            <a:ext cx="3672611" cy="219075"/>
+          </a:xfrm>
+          <a:prstGeom prst="rect">
+            <a:avLst/>
+          </a:prstGeom>
+          <a:noFill/>
+          <a:ln/>
+        </p:spPr>
+        <p:txBody>
+          <a:bodyPr wrap="square" lIns="0" tIns="0" rIns="0" bIns="0" rtlCol="0" anchor="t"/>
+          <a:lstStyle/>
+          <a:p>
+            <a:pPr algn="l" indent="0" marL="0">
+              <a:spcAft>
+                <a:spcPts val="600"/>
+              </a:spcAft>
+              <a:buNone/>
+            </a:pPr>
+            <a:r>
+              <a:rPr lang="en-US" sz="1500" b="1" dirty="0">
+                <a:solidFill>
+                  <a:srgbClr val="181B24"/>
+                </a:solidFill>
+                <a:latin typeface="Arial" pitchFamily="34" charset="0"/>
+                <a:ea typeface="Arial" pitchFamily="34" charset="-122"/>
+                <a:cs typeface="Arial" pitchFamily="34" charset="-120"/>
+              </a:rPr>
+              <a:t>Claude Skills</a:t>
+            </a:r>
+            <a:endParaRPr lang="en-US" sz="1500" dirty="0"/>
+          </a:p>
+        </p:txBody>
+      </p:sp>
+      <p:sp>
+        <p:nvSpPr>
+          <p:cNvPr id="23" name="Text 21"/>
+          <p:cNvSpPr/>
+          <p:nvPr/>
+        </p:nvSpPr>
+        <p:spPr>
+          <a:xfrm>
+            <a:off x="4832300" y="3393579"/>
+            <a:ext cx="3672611" cy="206276"/>
+          </a:xfrm>
+          <a:prstGeom prst="rect">
+            <a:avLst/>
+          </a:prstGeom>
+          <a:noFill/>
+          <a:ln/>
+        </p:spPr>
+        <p:txBody>
+          <a:bodyPr wrap="square" lIns="0" tIns="0" rIns="0" bIns="0" rtlCol="0" anchor="t"/>
+          <a:lstStyle/>
+          <a:p>
+            <a:pPr algn="l" indent="0" marL="0">
+              <a:lnSpc>
+                <a:spcPts val="1625"/>
+              </a:lnSpc>
+              <a:buNone/>
+            </a:pPr>
+            <a:r>
+              <a:rPr lang="en-US" sz="1300" b="1" dirty="0">
+                <a:solidFill>
+                  <a:srgbClr val="2E4053"/>
+                </a:solidFill>
+                <a:latin typeface="Arial" pitchFamily="34" charset="0"/>
+                <a:ea typeface="Arial" pitchFamily="34" charset="-122"/>
+                <a:cs typeface="Arial" pitchFamily="34" charset="-120"/>
+              </a:rPr>
+              <a:t>Packaged Capabilities</a:t>
+            </a:r>
+            <a:endParaRPr lang="en-US" sz="1300" dirty="0"/>
+          </a:p>
+        </p:txBody>
+      </p:sp>
+      <p:sp>
+        <p:nvSpPr>
+          <p:cNvPr id="24" name="Text 22"/>
+          <p:cNvSpPr/>
+          <p:nvPr/>
+        </p:nvSpPr>
+        <p:spPr>
+          <a:xfrm>
+            <a:off x="4832300" y="3599855"/>
+            <a:ext cx="3672611" cy="206276"/>
+          </a:xfrm>
+          <a:prstGeom prst="rect">
+            <a:avLst/>
+          </a:prstGeom>
+          <a:noFill/>
+          <a:ln/>
+        </p:spPr>
+        <p:txBody>
+          <a:bodyPr wrap="square" lIns="0" tIns="0" rIns="0" bIns="0" rtlCol="0" anchor="t"/>
+          <a:lstStyle/>
+          <a:p>
+            <a:pPr algn="l" indent="0" marL="0">
+              <a:lnSpc>
+                <a:spcPts val="1625"/>
+              </a:lnSpc>
+              <a:buNone/>
+            </a:pPr>
+            <a:r>
+              <a:rPr lang="en-US" sz="1300" dirty="0">
+                <a:solidFill>
+                  <a:srgbClr val="2E4053"/>
+                </a:solidFill>
+                <a:latin typeface="Arial" pitchFamily="34" charset="0"/>
+                <a:ea typeface="Arial" pitchFamily="34" charset="-122"/>
+                <a:cs typeface="Arial" pitchFamily="34" charset="-120"/>
+              </a:rPr>
+              <a:t>Pre-built workflows that use MCP servers</a:t>
+            </a:r>
+            <a:endParaRPr lang="en-US" sz="1300" dirty="0"/>
           </a:p>
         </p:txBody>
       </p:sp>
@@ -5152,7 +5371,7 @@
                 <a:ea typeface="Arial" pitchFamily="34" charset="-122"/>
                 <a:cs typeface="Arial" pitchFamily="34" charset="-120"/>
               </a:rPr>
-              <a:t>Resources &amp; Links</a:t>
+              <a:t>Getting Started with MCP</a:t>
             </a:r>
             <a:endParaRPr lang="en-US" sz="3600" dirty="0"/>
           </a:p>
@@ -5166,16 +5385,220 @@
         </p:nvSpPr>
         <p:spPr>
           <a:xfrm>
-            <a:off x="507950" y="1463427"/>
-            <a:ext cx="8128099" cy="714077"/>
+            <a:off x="507950" y="1412677"/>
+            <a:ext cx="8290661" cy="323850"/>
+          </a:xfrm>
+          <a:prstGeom prst="rect">
+            <a:avLst/>
+          </a:prstGeom>
+          <a:noFill/>
+          <a:ln/>
+        </p:spPr>
+        <p:txBody>
+          <a:bodyPr wrap="square" lIns="0" tIns="0" rIns="0" bIns="0" rtlCol="0" anchor="t"/>
+          <a:lstStyle/>
+          <a:p>
+            <a:pPr algn="l" indent="0" marL="0">
+              <a:spcAft>
+                <a:spcPts val="1200"/>
+              </a:spcAft>
+              <a:buNone/>
+            </a:pPr>
+            <a:r>
+              <a:rPr lang="en-US" sz="2200" b="1" dirty="0">
+                <a:solidFill>
+                  <a:srgbClr val="181B24"/>
+                </a:solidFill>
+                <a:latin typeface="Arial" pitchFamily="34" charset="0"/>
+                <a:ea typeface="Arial" pitchFamily="34" charset="-122"/>
+                <a:cs typeface="Arial" pitchFamily="34" charset="-120"/>
+              </a:rPr>
+              <a:t>Your First MCP Server (5 steps):</a:t>
+            </a:r>
+            <a:endParaRPr lang="en-US" sz="2200" dirty="0"/>
+          </a:p>
+        </p:txBody>
+      </p:sp>
+      <p:sp>
+        <p:nvSpPr>
+          <p:cNvPr id="5" name="Text 3"/>
+          <p:cNvSpPr/>
+          <p:nvPr/>
+        </p:nvSpPr>
+        <p:spPr>
+          <a:xfrm>
+            <a:off x="507950" y="1888927"/>
+            <a:ext cx="8128099" cy="1777305"/>
+          </a:xfrm>
+          <a:prstGeom prst="rect">
+            <a:avLst/>
+          </a:prstGeom>
+          <a:noFill/>
+          <a:ln/>
+        </p:spPr>
+        <p:txBody>
+          <a:bodyPr wrap="square" lIns="158750" tIns="0" rIns="0" bIns="0" rtlCol="0" anchor="t"/>
+          <a:lstStyle/>
+          <a:p>
+            <a:pPr algn="l" marL="158750" indent="-158750">
+              <a:lnSpc>
+                <a:spcPts val="2000"/>
+              </a:lnSpc>
+              <a:spcAft>
+                <a:spcPts val="1000"/>
+              </a:spcAft>
+              <a:buSzPct val="100000"/>
+              <a:buChar char="•"/>
+            </a:pPr>
+            <a:r>
+              <a:rPr lang="en-US" sz="1600" dirty="0">
+                <a:solidFill>
+                  <a:srgbClr val="2E4053"/>
+                </a:solidFill>
+                <a:latin typeface="Arial" pitchFamily="34" charset="0"/>
+                <a:ea typeface="Arial" pitchFamily="34" charset="-122"/>
+                <a:cs typeface="Arial" pitchFamily="34" charset="-120"/>
+              </a:rPr>
+              <a:t>Install FastMCP: </a:t>
+            </a:r>
+            <a:pPr algn="l" indent="0" marL="0">
+              <a:lnSpc>
+                <a:spcPts val="2000"/>
+              </a:lnSpc>
+              <a:spcAft>
+                <a:spcPts val="1000"/>
+              </a:spcAft>
+              <a:buNone/>
+            </a:pPr>
+            <a:r>
+              <a:rPr lang="en-US" sz="1300" dirty="0">
+                <a:solidFill>
+                  <a:srgbClr val="2E4053"/>
+                </a:solidFill>
+                <a:latin typeface="Arial" pitchFamily="34" charset="0"/>
+                <a:ea typeface="Arial" pitchFamily="34" charset="-122"/>
+                <a:cs typeface="Arial" pitchFamily="34" charset="-120"/>
+              </a:rPr>
+              <a:t>pip install mcp</a:t>
+            </a:r>
+            <a:endParaRPr lang="en-US" sz="1600" dirty="0"/>
+          </a:p>
+          <a:p>
+            <a:pPr algn="l" marL="158750" indent="-158750">
+              <a:lnSpc>
+                <a:spcPts val="2000"/>
+              </a:lnSpc>
+              <a:spcAft>
+                <a:spcPts val="1000"/>
+              </a:spcAft>
+              <a:buSzPct val="100000"/>
+              <a:buChar char="•"/>
+            </a:pPr>
+            <a:r>
+              <a:rPr lang="en-US" sz="1600" dirty="0">
+                <a:solidFill>
+                  <a:srgbClr val="2E4053"/>
+                </a:solidFill>
+                <a:latin typeface="Arial" pitchFamily="34" charset="0"/>
+                <a:ea typeface="Arial" pitchFamily="34" charset="-122"/>
+                <a:cs typeface="Arial" pitchFamily="34" charset="-120"/>
+              </a:rPr>
+              <a:t>Create server.py with your tools</a:t>
+            </a:r>
+            <a:endParaRPr lang="en-US" sz="1600" dirty="0"/>
+          </a:p>
+          <a:p>
+            <a:pPr algn="l" marL="158750" indent="-158750">
+              <a:lnSpc>
+                <a:spcPts val="2000"/>
+              </a:lnSpc>
+              <a:spcAft>
+                <a:spcPts val="1000"/>
+              </a:spcAft>
+              <a:buSzPct val="100000"/>
+              <a:buChar char="•"/>
+            </a:pPr>
+            <a:r>
+              <a:rPr lang="en-US" sz="1600" dirty="0">
+                <a:solidFill>
+                  <a:srgbClr val="2E4053"/>
+                </a:solidFill>
+                <a:latin typeface="Arial" pitchFamily="34" charset="0"/>
+                <a:ea typeface="Arial" pitchFamily="34" charset="-122"/>
+                <a:cs typeface="Arial" pitchFamily="34" charset="-120"/>
+              </a:rPr>
+              <a:t>Add to LM Studio or Claude Desktop config</a:t>
+            </a:r>
+            <a:endParaRPr lang="en-US" sz="1600" dirty="0"/>
+          </a:p>
+          <a:p>
+            <a:pPr algn="l" marL="158750" indent="-158750">
+              <a:lnSpc>
+                <a:spcPts val="2000"/>
+              </a:lnSpc>
+              <a:spcAft>
+                <a:spcPts val="1000"/>
+              </a:spcAft>
+              <a:buSzPct val="100000"/>
+              <a:buChar char="•"/>
+            </a:pPr>
+            <a:r>
+              <a:rPr lang="en-US" sz="1600" dirty="0">
+                <a:solidFill>
+                  <a:srgbClr val="2E4053"/>
+                </a:solidFill>
+                <a:latin typeface="Arial" pitchFamily="34" charset="0"/>
+                <a:ea typeface="Arial" pitchFamily="34" charset="-122"/>
+                <a:cs typeface="Arial" pitchFamily="34" charset="-120"/>
+              </a:rPr>
+              <a:t>Test with natural language queries</a:t>
+            </a:r>
+            <a:endParaRPr lang="en-US" sz="1600" dirty="0"/>
+          </a:p>
+          <a:p>
+            <a:pPr algn="l" marL="158750" indent="-158750">
+              <a:lnSpc>
+                <a:spcPts val="2000"/>
+              </a:lnSpc>
+              <a:spcAft>
+                <a:spcPts val="1000"/>
+              </a:spcAft>
+              <a:buSzPct val="100000"/>
+              <a:buChar char="•"/>
+            </a:pPr>
+            <a:r>
+              <a:rPr lang="en-US" sz="1600" dirty="0">
+                <a:solidFill>
+                  <a:srgbClr val="2E4053"/>
+                </a:solidFill>
+                <a:latin typeface="Arial" pitchFamily="34" charset="0"/>
+                <a:ea typeface="Arial" pitchFamily="34" charset="-122"/>
+                <a:cs typeface="Arial" pitchFamily="34" charset="-120"/>
+              </a:rPr>
+              <a:t>Iterate and expand!</a:t>
+            </a:r>
+            <a:endParaRPr lang="en-US" sz="1600" dirty="0"/>
+          </a:p>
+        </p:txBody>
+      </p:sp>
+      <p:sp>
+        <p:nvSpPr>
+          <p:cNvPr id="6" name="Text 4"/>
+          <p:cNvSpPr/>
+          <p:nvPr/>
+        </p:nvSpPr>
+        <p:spPr>
+          <a:xfrm>
+            <a:off x="507950" y="3856732"/>
+            <a:ext cx="8128099" cy="542925"/>
           </a:xfrm>
           <a:prstGeom prst="roundRect">
             <a:avLst>
-              <a:gd name="adj" fmla="val 14228"/>
+              <a:gd name="adj" fmla="val 18714"/>
             </a:avLst>
           </a:prstGeom>
           <a:solidFill>
-            <a:srgbClr val="F4F6F6"/>
+            <a:srgbClr val="40695B"/>
           </a:solidFill>
           <a:ln/>
         </p:spPr>
@@ -5192,37 +5615,14 @@
       </p:sp>
       <p:sp>
         <p:nvSpPr>
-          <p:cNvPr id="5" name="Shape 3"/>
-          <p:cNvSpPr/>
-          <p:nvPr/>
-        </p:nvSpPr>
-        <p:spPr>
-          <a:xfrm>
-            <a:off x="536525" y="1463427"/>
-            <a:ext cx="0" cy="714077"/>
-          </a:xfrm>
-          <a:prstGeom prst="line">
-            <a:avLst/>
-          </a:prstGeom>
-          <a:noFill/>
-          <a:ln w="57150">
-            <a:solidFill>
-              <a:srgbClr val="40695B"/>
-            </a:solidFill>
-            <a:prstDash val="solid"/>
-          </a:ln>
-        </p:spPr>
-      </p:sp>
-      <p:sp>
-        <p:nvSpPr>
-          <p:cNvPr id="6" name="Text 4"/>
-          <p:cNvSpPr/>
-          <p:nvPr/>
-        </p:nvSpPr>
-        <p:spPr>
-          <a:xfrm>
-            <a:off x="666601" y="1564928"/>
-            <a:ext cx="8025307" cy="266700"/>
+          <p:cNvPr id="7" name="Text 5"/>
+          <p:cNvSpPr/>
+          <p:nvPr/>
+        </p:nvSpPr>
+        <p:spPr>
+          <a:xfrm>
+            <a:off x="660350" y="4009132"/>
+            <a:ext cx="7979765" cy="238125"/>
           </a:xfrm>
           <a:prstGeom prst="rect">
             <a:avLst/>
@@ -5235,470 +5635,20 @@
           <a:lstStyle/>
           <a:p>
             <a:pPr algn="l" indent="0" marL="0">
-              <a:spcAft>
-                <a:spcPts val="500"/>
-              </a:spcAft>
-              <a:buNone/>
-            </a:pPr>
-            <a:r>
-              <a:rPr lang="en-US" sz="1400" b="1" dirty="0">
-                <a:solidFill>
-                  <a:srgbClr val="181B24"/>
-                </a:solidFill>
-                <a:latin typeface="Arial" pitchFamily="34" charset="0"/>
-                <a:ea typeface="Arial" pitchFamily="34" charset="-122"/>
-                <a:cs typeface="Arial" pitchFamily="34" charset="-120"/>
-              </a:rPr>
-              <a:t>📂 Demo Repository</a:t>
-            </a:r>
-            <a:endParaRPr lang="en-US" sz="1400" dirty="0"/>
-          </a:p>
-        </p:txBody>
-      </p:sp>
-      <p:sp>
-        <p:nvSpPr>
-          <p:cNvPr id="7" name="Text 5"/>
-          <p:cNvSpPr/>
-          <p:nvPr/>
-        </p:nvSpPr>
-        <p:spPr>
-          <a:xfrm>
-            <a:off x="666601" y="1895029"/>
-            <a:ext cx="8025307" cy="180975"/>
-          </a:xfrm>
-          <a:prstGeom prst="rect">
-            <a:avLst/>
-          </a:prstGeom>
-          <a:noFill/>
-          <a:ln/>
-        </p:spPr>
-        <p:txBody>
-          <a:bodyPr wrap="square" lIns="0" tIns="0" rIns="0" bIns="0" rtlCol="0" anchor="t"/>
-          <a:lstStyle/>
-          <a:p>
-            <a:pPr algn="l" indent="0" marL="0">
-              <a:buNone/>
-            </a:pPr>
-            <a:r>
-              <a:rPr lang="en-US" sz="1300" dirty="0">
-                <a:solidFill>
-                  <a:srgbClr val="2E4053"/>
-                </a:solidFill>
-                <a:latin typeface="Courier New" pitchFamily="34" charset="0"/>
-                <a:ea typeface="Courier New" pitchFamily="34" charset="-122"/>
-                <a:cs typeface="Courier New" pitchFamily="34" charset="-120"/>
-              </a:rPr>
-              <a:t>github.com/fabianwilliams/TechCon365Dallas2025</a:t>
-            </a:r>
-            <a:endParaRPr lang="en-US" sz="1300" dirty="0"/>
-          </a:p>
-        </p:txBody>
-      </p:sp>
-      <p:sp>
-        <p:nvSpPr>
-          <p:cNvPr id="8" name="Text 6"/>
-          <p:cNvSpPr/>
-          <p:nvPr/>
-        </p:nvSpPr>
-        <p:spPr>
-          <a:xfrm>
-            <a:off x="507950" y="2228255"/>
-            <a:ext cx="8128099" cy="714077"/>
-          </a:xfrm>
-          <a:prstGeom prst="roundRect">
-            <a:avLst>
-              <a:gd name="adj" fmla="val 14228"/>
-            </a:avLst>
-          </a:prstGeom>
-          <a:solidFill>
-            <a:srgbClr val="F4F6F6"/>
-          </a:solidFill>
-          <a:ln/>
-        </p:spPr>
-        <p:txBody>
-          <a:bodyPr wrap="square" rtlCol="0" anchor="ctr"/>
-          <a:lstStyle/>
-          <a:p>
-            <a:pPr indent="0" marL="0">
-              <a:buNone/>
-            </a:pPr>
-            <a:endParaRPr lang="en-US" dirty="0"/>
-          </a:p>
-        </p:txBody>
-      </p:sp>
-      <p:sp>
-        <p:nvSpPr>
-          <p:cNvPr id="9" name="Shape 7"/>
-          <p:cNvSpPr/>
-          <p:nvPr/>
-        </p:nvSpPr>
-        <p:spPr>
-          <a:xfrm>
-            <a:off x="536525" y="2228255"/>
-            <a:ext cx="0" cy="714077"/>
-          </a:xfrm>
-          <a:prstGeom prst="line">
-            <a:avLst/>
-          </a:prstGeom>
-          <a:noFill/>
-          <a:ln w="57150">
-            <a:solidFill>
-              <a:srgbClr val="40695B"/>
-            </a:solidFill>
-            <a:prstDash val="solid"/>
-          </a:ln>
-        </p:spPr>
-      </p:sp>
-      <p:sp>
-        <p:nvSpPr>
-          <p:cNvPr id="10" name="Text 8"/>
-          <p:cNvSpPr/>
-          <p:nvPr/>
-        </p:nvSpPr>
-        <p:spPr>
-          <a:xfrm>
-            <a:off x="666601" y="2329755"/>
-            <a:ext cx="8025307" cy="266700"/>
-          </a:xfrm>
-          <a:prstGeom prst="rect">
-            <a:avLst/>
-          </a:prstGeom>
-          <a:noFill/>
-          <a:ln/>
-        </p:spPr>
-        <p:txBody>
-          <a:bodyPr wrap="square" lIns="0" tIns="0" rIns="0" bIns="0" rtlCol="0" anchor="t"/>
-          <a:lstStyle/>
-          <a:p>
-            <a:pPr algn="l" indent="0" marL="0">
-              <a:spcAft>
-                <a:spcPts val="500"/>
-              </a:spcAft>
-              <a:buNone/>
-            </a:pPr>
-            <a:r>
-              <a:rPr lang="en-US" sz="1400" b="1" dirty="0">
-                <a:solidFill>
-                  <a:srgbClr val="181B24"/>
-                </a:solidFill>
-                <a:latin typeface="Arial" pitchFamily="34" charset="0"/>
-                <a:ea typeface="Arial" pitchFamily="34" charset="-122"/>
-                <a:cs typeface="Arial" pitchFamily="34" charset="-120"/>
-              </a:rPr>
-              <a:t>📚 MCP Documentation</a:t>
-            </a:r>
-            <a:endParaRPr lang="en-US" sz="1400" dirty="0"/>
-          </a:p>
-        </p:txBody>
-      </p:sp>
-      <p:sp>
-        <p:nvSpPr>
-          <p:cNvPr id="11" name="Text 9"/>
-          <p:cNvSpPr/>
-          <p:nvPr/>
-        </p:nvSpPr>
-        <p:spPr>
-          <a:xfrm>
-            <a:off x="666601" y="2659856"/>
-            <a:ext cx="8025307" cy="180975"/>
-          </a:xfrm>
-          <a:prstGeom prst="rect">
-            <a:avLst/>
-          </a:prstGeom>
-          <a:noFill/>
-          <a:ln/>
-        </p:spPr>
-        <p:txBody>
-          <a:bodyPr wrap="square" lIns="0" tIns="0" rIns="0" bIns="0" rtlCol="0" anchor="t"/>
-          <a:lstStyle/>
-          <a:p>
-            <a:pPr algn="l" indent="0" marL="0">
-              <a:buNone/>
-            </a:pPr>
-            <a:r>
-              <a:rPr lang="en-US" sz="1300" dirty="0">
-                <a:solidFill>
-                  <a:srgbClr val="2E4053"/>
-                </a:solidFill>
-                <a:latin typeface="Courier New" pitchFamily="34" charset="0"/>
-                <a:ea typeface="Courier New" pitchFamily="34" charset="-122"/>
-                <a:cs typeface="Courier New" pitchFamily="34" charset="-120"/>
-              </a:rPr>
-              <a:t>modelcontextprotocol.io</a:t>
-            </a:r>
-            <a:endParaRPr lang="en-US" sz="1300" dirty="0"/>
-          </a:p>
-        </p:txBody>
-      </p:sp>
-      <p:sp>
-        <p:nvSpPr>
-          <p:cNvPr id="12" name="Text 10"/>
-          <p:cNvSpPr/>
-          <p:nvPr/>
-        </p:nvSpPr>
-        <p:spPr>
-          <a:xfrm>
-            <a:off x="507950" y="2993082"/>
-            <a:ext cx="8128099" cy="714077"/>
-          </a:xfrm>
-          <a:prstGeom prst="roundRect">
-            <a:avLst>
-              <a:gd name="adj" fmla="val 14228"/>
-            </a:avLst>
-          </a:prstGeom>
-          <a:solidFill>
-            <a:srgbClr val="F4F6F6"/>
-          </a:solidFill>
-          <a:ln/>
-        </p:spPr>
-        <p:txBody>
-          <a:bodyPr wrap="square" rtlCol="0" anchor="ctr"/>
-          <a:lstStyle/>
-          <a:p>
-            <a:pPr indent="0" marL="0">
-              <a:buNone/>
-            </a:pPr>
-            <a:endParaRPr lang="en-US" dirty="0"/>
-          </a:p>
-        </p:txBody>
-      </p:sp>
-      <p:sp>
-        <p:nvSpPr>
-          <p:cNvPr id="13" name="Shape 11"/>
-          <p:cNvSpPr/>
-          <p:nvPr/>
-        </p:nvSpPr>
-        <p:spPr>
-          <a:xfrm>
-            <a:off x="536525" y="2993082"/>
-            <a:ext cx="0" cy="714077"/>
-          </a:xfrm>
-          <a:prstGeom prst="line">
-            <a:avLst/>
-          </a:prstGeom>
-          <a:noFill/>
-          <a:ln w="57150">
-            <a:solidFill>
-              <a:srgbClr val="40695B"/>
-            </a:solidFill>
-            <a:prstDash val="solid"/>
-          </a:ln>
-        </p:spPr>
-      </p:sp>
-      <p:sp>
-        <p:nvSpPr>
-          <p:cNvPr id="14" name="Text 12"/>
-          <p:cNvSpPr/>
-          <p:nvPr/>
-        </p:nvSpPr>
-        <p:spPr>
-          <a:xfrm>
-            <a:off x="666601" y="3094583"/>
-            <a:ext cx="8025307" cy="266700"/>
-          </a:xfrm>
-          <a:prstGeom prst="rect">
-            <a:avLst/>
-          </a:prstGeom>
-          <a:noFill/>
-          <a:ln/>
-        </p:spPr>
-        <p:txBody>
-          <a:bodyPr wrap="square" lIns="0" tIns="0" rIns="0" bIns="0" rtlCol="0" anchor="t"/>
-          <a:lstStyle/>
-          <a:p>
-            <a:pPr algn="l" indent="0" marL="0">
-              <a:spcAft>
-                <a:spcPts val="500"/>
-              </a:spcAft>
-              <a:buNone/>
-            </a:pPr>
-            <a:r>
-              <a:rPr lang="en-US" sz="1400" b="1" dirty="0">
-                <a:solidFill>
-                  <a:srgbClr val="181B24"/>
-                </a:solidFill>
-                <a:latin typeface="Arial" pitchFamily="34" charset="0"/>
-                <a:ea typeface="Arial" pitchFamily="34" charset="-122"/>
-                <a:cs typeface="Arial" pitchFamily="34" charset="-120"/>
-              </a:rPr>
-              <a:t>🐍 Python FastMCP</a:t>
-            </a:r>
-            <a:endParaRPr lang="en-US" sz="1400" dirty="0"/>
-          </a:p>
-        </p:txBody>
-      </p:sp>
-      <p:sp>
-        <p:nvSpPr>
-          <p:cNvPr id="15" name="Text 13"/>
-          <p:cNvSpPr/>
-          <p:nvPr/>
-        </p:nvSpPr>
-        <p:spPr>
-          <a:xfrm>
-            <a:off x="666601" y="3424684"/>
-            <a:ext cx="8025307" cy="180975"/>
-          </a:xfrm>
-          <a:prstGeom prst="rect">
-            <a:avLst/>
-          </a:prstGeom>
-          <a:noFill/>
-          <a:ln/>
-        </p:spPr>
-        <p:txBody>
-          <a:bodyPr wrap="square" lIns="0" tIns="0" rIns="0" bIns="0" rtlCol="0" anchor="t"/>
-          <a:lstStyle/>
-          <a:p>
-            <a:pPr algn="l" indent="0" marL="0">
-              <a:buNone/>
-            </a:pPr>
-            <a:r>
-              <a:rPr lang="en-US" sz="1300" dirty="0">
-                <a:solidFill>
-                  <a:srgbClr val="2E4053"/>
-                </a:solidFill>
-                <a:latin typeface="Courier New" pitchFamily="34" charset="0"/>
-                <a:ea typeface="Courier New" pitchFamily="34" charset="-122"/>
-                <a:cs typeface="Courier New" pitchFamily="34" charset="-120"/>
-              </a:rPr>
-              <a:t>github.com/jlowin/fastmcp</a:t>
-            </a:r>
-            <a:endParaRPr lang="en-US" sz="1300" dirty="0"/>
-          </a:p>
-        </p:txBody>
-      </p:sp>
-      <p:sp>
-        <p:nvSpPr>
-          <p:cNvPr id="16" name="Text 14"/>
-          <p:cNvSpPr/>
-          <p:nvPr/>
-        </p:nvSpPr>
-        <p:spPr>
-          <a:xfrm>
-            <a:off x="507950" y="3757910"/>
-            <a:ext cx="8128099" cy="714077"/>
-          </a:xfrm>
-          <a:prstGeom prst="roundRect">
-            <a:avLst>
-              <a:gd name="adj" fmla="val 14228"/>
-            </a:avLst>
-          </a:prstGeom>
-          <a:solidFill>
-            <a:srgbClr val="F4F6F6"/>
-          </a:solidFill>
-          <a:ln/>
-        </p:spPr>
-        <p:txBody>
-          <a:bodyPr wrap="square" rtlCol="0" anchor="ctr"/>
-          <a:lstStyle/>
-          <a:p>
-            <a:pPr indent="0" marL="0">
-              <a:buNone/>
-            </a:pPr>
-            <a:endParaRPr lang="en-US" dirty="0"/>
-          </a:p>
-        </p:txBody>
-      </p:sp>
-      <p:sp>
-        <p:nvSpPr>
-          <p:cNvPr id="17" name="Shape 15"/>
-          <p:cNvSpPr/>
-          <p:nvPr/>
-        </p:nvSpPr>
-        <p:spPr>
-          <a:xfrm>
-            <a:off x="536525" y="3757910"/>
-            <a:ext cx="0" cy="714077"/>
-          </a:xfrm>
-          <a:prstGeom prst="line">
-            <a:avLst/>
-          </a:prstGeom>
-          <a:noFill/>
-          <a:ln w="57150">
-            <a:solidFill>
-              <a:srgbClr val="40695B"/>
-            </a:solidFill>
-            <a:prstDash val="solid"/>
-          </a:ln>
-        </p:spPr>
-      </p:sp>
-      <p:sp>
-        <p:nvSpPr>
-          <p:cNvPr id="18" name="Text 16"/>
-          <p:cNvSpPr/>
-          <p:nvPr/>
-        </p:nvSpPr>
-        <p:spPr>
-          <a:xfrm>
-            <a:off x="666601" y="3859411"/>
-            <a:ext cx="8025307" cy="266700"/>
-          </a:xfrm>
-          <a:prstGeom prst="rect">
-            <a:avLst/>
-          </a:prstGeom>
-          <a:noFill/>
-          <a:ln/>
-        </p:spPr>
-        <p:txBody>
-          <a:bodyPr wrap="square" lIns="0" tIns="0" rIns="0" bIns="0" rtlCol="0" anchor="t"/>
-          <a:lstStyle/>
-          <a:p>
-            <a:pPr algn="l" indent="0" marL="0">
-              <a:spcAft>
-                <a:spcPts val="500"/>
-              </a:spcAft>
-              <a:buNone/>
-            </a:pPr>
-            <a:r>
-              <a:rPr lang="en-US" sz="1400" b="1" dirty="0">
-                <a:solidFill>
-                  <a:srgbClr val="181B24"/>
-                </a:solidFill>
-                <a:latin typeface="Arial" pitchFamily="34" charset="0"/>
-                <a:ea typeface="Arial" pitchFamily="34" charset="-122"/>
-                <a:cs typeface="Arial" pitchFamily="34" charset="-120"/>
-              </a:rPr>
-              <a:t>💬 Connect</a:t>
-            </a:r>
-            <a:endParaRPr lang="en-US" sz="1400" dirty="0"/>
-          </a:p>
-        </p:txBody>
-      </p:sp>
-      <p:sp>
-        <p:nvSpPr>
-          <p:cNvPr id="19" name="Text 17"/>
-          <p:cNvSpPr/>
-          <p:nvPr/>
-        </p:nvSpPr>
-        <p:spPr>
-          <a:xfrm>
-            <a:off x="666601" y="4189512"/>
-            <a:ext cx="8025307" cy="180975"/>
-          </a:xfrm>
-          <a:prstGeom prst="rect">
-            <a:avLst/>
-          </a:prstGeom>
-          <a:noFill/>
-          <a:ln/>
-        </p:spPr>
-        <p:txBody>
-          <a:bodyPr wrap="square" lIns="0" tIns="0" rIns="0" bIns="0" rtlCol="0" anchor="t"/>
-          <a:lstStyle/>
-          <a:p>
-            <a:pPr algn="l" indent="0" marL="0">
-              <a:buNone/>
-            </a:pPr>
-            <a:r>
-              <a:rPr lang="en-US" sz="1300" dirty="0">
-                <a:solidFill>
-                  <a:srgbClr val="2E4053"/>
-                </a:solidFill>
-                <a:latin typeface="Courier New" pitchFamily="34" charset="0"/>
-                <a:ea typeface="Courier New" pitchFamily="34" charset="-122"/>
-                <a:cs typeface="Courier New" pitchFamily="34" charset="-120"/>
-              </a:rPr>
-              <a:t>LinkedIn: linkedin.com/in/fabianwilliams</a:t>
-            </a:r>
-            <a:endParaRPr lang="en-US" sz="1300" dirty="0"/>
+              <a:buNone/>
+            </a:pPr>
+            <a:r>
+              <a:rPr lang="en-US" sz="1600" b="1" dirty="0">
+                <a:solidFill>
+                  <a:srgbClr val="FFFFFF"/>
+                </a:solidFill>
+                <a:latin typeface="Arial" pitchFamily="34" charset="0"/>
+                <a:ea typeface="Arial" pitchFamily="34" charset="-122"/>
+                <a:cs typeface="Arial" pitchFamily="34" charset="-120"/>
+              </a:rPr>
+              <a:t>Clone our demo: github.com/fabianwilliams/TechCon365Dallas2025</a:t>
+            </a:r>
+            <a:endParaRPr lang="en-US" sz="1600" dirty="0"/>
           </a:p>
         </p:txBody>
       </p:sp>
@@ -5713,6 +5663,651 @@
 <file path=ppt/slides/slide15.xml><?xml version="1.0" encoding="utf-8"?>
 <p:sld xmlns:a="http://schemas.openxmlformats.org/drawingml/2006/main" xmlns:r="http://schemas.openxmlformats.org/officeDocument/2006/relationships" xmlns:p="http://schemas.openxmlformats.org/presentationml/2006/main">
   <p:cSld name="Slide 15">
+    <p:bg>
+      <p:bgPr>
+        <a:solidFill>
+          <a:srgbClr val="FFFFFF"/>
+        </a:solidFill>
+      </p:bgPr>
+    </p:bg>
+    <p:spTree>
+      <p:nvGrpSpPr>
+        <p:cNvPr id="1" name=""/>
+        <p:cNvGrpSpPr/>
+        <p:nvPr/>
+      </p:nvGrpSpPr>
+      <p:grpSpPr>
+        <a:xfrm>
+          <a:off x="0" y="0"/>
+          <a:ext cx="0" cy="0"/>
+          <a:chOff x="0" y="0"/>
+          <a:chExt cx="0" cy="0"/>
+        </a:xfrm>
+      </p:grpSpPr>
+      <p:sp>
+        <p:nvSpPr>
+          <p:cNvPr id="2" name="Text 0"/>
+          <p:cNvSpPr/>
+          <p:nvPr/>
+        </p:nvSpPr>
+        <p:spPr>
+          <a:xfrm>
+            <a:off x="0" y="0"/>
+            <a:ext cx="9144000" cy="1158776"/>
+          </a:xfrm>
+          <a:prstGeom prst="rect">
+            <a:avLst/>
+          </a:prstGeom>
+          <a:solidFill>
+            <a:srgbClr val="181B24"/>
+          </a:solidFill>
+          <a:ln/>
+        </p:spPr>
+        <p:txBody>
+          <a:bodyPr wrap="square" rtlCol="0" anchor="ctr"/>
+          <a:lstStyle/>
+          <a:p>
+            <a:pPr indent="0" marL="0">
+              <a:buNone/>
+            </a:pPr>
+            <a:endParaRPr lang="en-US" dirty="0"/>
+          </a:p>
+        </p:txBody>
+      </p:sp>
+      <p:sp>
+        <p:nvSpPr>
+          <p:cNvPr id="3" name="Text 1"/>
+          <p:cNvSpPr/>
+          <p:nvPr/>
+        </p:nvSpPr>
+        <p:spPr>
+          <a:xfrm>
+            <a:off x="507950" y="317450"/>
+            <a:ext cx="8290661" cy="523875"/>
+          </a:xfrm>
+          <a:prstGeom prst="rect">
+            <a:avLst/>
+          </a:prstGeom>
+          <a:noFill/>
+          <a:ln/>
+        </p:spPr>
+        <p:txBody>
+          <a:bodyPr wrap="square" lIns="0" tIns="0" rIns="0" bIns="0" rtlCol="0" anchor="t"/>
+          <a:lstStyle/>
+          <a:p>
+            <a:pPr algn="l" indent="0" marL="0">
+              <a:buNone/>
+            </a:pPr>
+            <a:r>
+              <a:rPr lang="en-US" sz="3600" b="1" dirty="0">
+                <a:solidFill>
+                  <a:srgbClr val="B165FB"/>
+                </a:solidFill>
+                <a:latin typeface="Arial" pitchFamily="34" charset="0"/>
+                <a:ea typeface="Arial" pitchFamily="34" charset="-122"/>
+                <a:cs typeface="Arial" pitchFamily="34" charset="-120"/>
+              </a:rPr>
+              <a:t>Resources &amp; Links</a:t>
+            </a:r>
+            <a:endParaRPr lang="en-US" sz="3600" dirty="0"/>
+          </a:p>
+        </p:txBody>
+      </p:sp>
+      <p:sp>
+        <p:nvSpPr>
+          <p:cNvPr id="4" name="Text 2"/>
+          <p:cNvSpPr/>
+          <p:nvPr/>
+        </p:nvSpPr>
+        <p:spPr>
+          <a:xfrm>
+            <a:off x="507950" y="1463427"/>
+            <a:ext cx="8128099" cy="714077"/>
+          </a:xfrm>
+          <a:prstGeom prst="roundRect">
+            <a:avLst>
+              <a:gd name="adj" fmla="val 14228"/>
+            </a:avLst>
+          </a:prstGeom>
+          <a:solidFill>
+            <a:srgbClr val="F4F6F6"/>
+          </a:solidFill>
+          <a:ln/>
+        </p:spPr>
+        <p:txBody>
+          <a:bodyPr wrap="square" rtlCol="0" anchor="ctr"/>
+          <a:lstStyle/>
+          <a:p>
+            <a:pPr indent="0" marL="0">
+              <a:buNone/>
+            </a:pPr>
+            <a:endParaRPr lang="en-US" dirty="0"/>
+          </a:p>
+        </p:txBody>
+      </p:sp>
+      <p:sp>
+        <p:nvSpPr>
+          <p:cNvPr id="5" name="Shape 3"/>
+          <p:cNvSpPr/>
+          <p:nvPr/>
+        </p:nvSpPr>
+        <p:spPr>
+          <a:xfrm>
+            <a:off x="536525" y="1463427"/>
+            <a:ext cx="0" cy="714077"/>
+          </a:xfrm>
+          <a:prstGeom prst="line">
+            <a:avLst/>
+          </a:prstGeom>
+          <a:noFill/>
+          <a:ln w="57150">
+            <a:solidFill>
+              <a:srgbClr val="40695B"/>
+            </a:solidFill>
+            <a:prstDash val="solid"/>
+          </a:ln>
+        </p:spPr>
+      </p:sp>
+      <p:sp>
+        <p:nvSpPr>
+          <p:cNvPr id="6" name="Text 4"/>
+          <p:cNvSpPr/>
+          <p:nvPr/>
+        </p:nvSpPr>
+        <p:spPr>
+          <a:xfrm>
+            <a:off x="666601" y="1564928"/>
+            <a:ext cx="8025307" cy="266700"/>
+          </a:xfrm>
+          <a:prstGeom prst="rect">
+            <a:avLst/>
+          </a:prstGeom>
+          <a:noFill/>
+          <a:ln/>
+        </p:spPr>
+        <p:txBody>
+          <a:bodyPr wrap="square" lIns="0" tIns="0" rIns="0" bIns="0" rtlCol="0" anchor="t"/>
+          <a:lstStyle/>
+          <a:p>
+            <a:pPr algn="l" indent="0" marL="0">
+              <a:spcAft>
+                <a:spcPts val="500"/>
+              </a:spcAft>
+              <a:buNone/>
+            </a:pPr>
+            <a:r>
+              <a:rPr lang="en-US" sz="1400" b="1" dirty="0">
+                <a:solidFill>
+                  <a:srgbClr val="181B24"/>
+                </a:solidFill>
+                <a:latin typeface="Arial" pitchFamily="34" charset="0"/>
+                <a:ea typeface="Arial" pitchFamily="34" charset="-122"/>
+                <a:cs typeface="Arial" pitchFamily="34" charset="-120"/>
+              </a:rPr>
+              <a:t>📂 Demo Repository</a:t>
+            </a:r>
+            <a:endParaRPr lang="en-US" sz="1400" dirty="0"/>
+          </a:p>
+        </p:txBody>
+      </p:sp>
+      <p:sp>
+        <p:nvSpPr>
+          <p:cNvPr id="7" name="Text 5"/>
+          <p:cNvSpPr/>
+          <p:nvPr/>
+        </p:nvSpPr>
+        <p:spPr>
+          <a:xfrm>
+            <a:off x="666601" y="1895029"/>
+            <a:ext cx="8025307" cy="180975"/>
+          </a:xfrm>
+          <a:prstGeom prst="rect">
+            <a:avLst/>
+          </a:prstGeom>
+          <a:noFill/>
+          <a:ln/>
+        </p:spPr>
+        <p:txBody>
+          <a:bodyPr wrap="square" lIns="0" tIns="0" rIns="0" bIns="0" rtlCol="0" anchor="t"/>
+          <a:lstStyle/>
+          <a:p>
+            <a:pPr algn="l" indent="0" marL="0">
+              <a:buNone/>
+            </a:pPr>
+            <a:r>
+              <a:rPr lang="en-US" sz="1300" dirty="0">
+                <a:solidFill>
+                  <a:srgbClr val="2E4053"/>
+                </a:solidFill>
+                <a:latin typeface="Courier New" pitchFamily="34" charset="0"/>
+                <a:ea typeface="Courier New" pitchFamily="34" charset="-122"/>
+                <a:cs typeface="Courier New" pitchFamily="34" charset="-120"/>
+              </a:rPr>
+              <a:t>github.com/fabianwilliams/TechCon365Dallas2025</a:t>
+            </a:r>
+            <a:endParaRPr lang="en-US" sz="1300" dirty="0"/>
+          </a:p>
+        </p:txBody>
+      </p:sp>
+      <p:sp>
+        <p:nvSpPr>
+          <p:cNvPr id="8" name="Text 6"/>
+          <p:cNvSpPr/>
+          <p:nvPr/>
+        </p:nvSpPr>
+        <p:spPr>
+          <a:xfrm>
+            <a:off x="507950" y="2228255"/>
+            <a:ext cx="8128099" cy="714077"/>
+          </a:xfrm>
+          <a:prstGeom prst="roundRect">
+            <a:avLst>
+              <a:gd name="adj" fmla="val 14228"/>
+            </a:avLst>
+          </a:prstGeom>
+          <a:solidFill>
+            <a:srgbClr val="F4F6F6"/>
+          </a:solidFill>
+          <a:ln/>
+        </p:spPr>
+        <p:txBody>
+          <a:bodyPr wrap="square" rtlCol="0" anchor="ctr"/>
+          <a:lstStyle/>
+          <a:p>
+            <a:pPr indent="0" marL="0">
+              <a:buNone/>
+            </a:pPr>
+            <a:endParaRPr lang="en-US" dirty="0"/>
+          </a:p>
+        </p:txBody>
+      </p:sp>
+      <p:sp>
+        <p:nvSpPr>
+          <p:cNvPr id="9" name="Shape 7"/>
+          <p:cNvSpPr/>
+          <p:nvPr/>
+        </p:nvSpPr>
+        <p:spPr>
+          <a:xfrm>
+            <a:off x="536525" y="2228255"/>
+            <a:ext cx="0" cy="714077"/>
+          </a:xfrm>
+          <a:prstGeom prst="line">
+            <a:avLst/>
+          </a:prstGeom>
+          <a:noFill/>
+          <a:ln w="57150">
+            <a:solidFill>
+              <a:srgbClr val="40695B"/>
+            </a:solidFill>
+            <a:prstDash val="solid"/>
+          </a:ln>
+        </p:spPr>
+      </p:sp>
+      <p:sp>
+        <p:nvSpPr>
+          <p:cNvPr id="10" name="Text 8"/>
+          <p:cNvSpPr/>
+          <p:nvPr/>
+        </p:nvSpPr>
+        <p:spPr>
+          <a:xfrm>
+            <a:off x="666601" y="2329755"/>
+            <a:ext cx="8025307" cy="266700"/>
+          </a:xfrm>
+          <a:prstGeom prst="rect">
+            <a:avLst/>
+          </a:prstGeom>
+          <a:noFill/>
+          <a:ln/>
+        </p:spPr>
+        <p:txBody>
+          <a:bodyPr wrap="square" lIns="0" tIns="0" rIns="0" bIns="0" rtlCol="0" anchor="t"/>
+          <a:lstStyle/>
+          <a:p>
+            <a:pPr algn="l" indent="0" marL="0">
+              <a:spcAft>
+                <a:spcPts val="500"/>
+              </a:spcAft>
+              <a:buNone/>
+            </a:pPr>
+            <a:r>
+              <a:rPr lang="en-US" sz="1400" b="1" dirty="0">
+                <a:solidFill>
+                  <a:srgbClr val="181B24"/>
+                </a:solidFill>
+                <a:latin typeface="Arial" pitchFamily="34" charset="0"/>
+                <a:ea typeface="Arial" pitchFamily="34" charset="-122"/>
+                <a:cs typeface="Arial" pitchFamily="34" charset="-120"/>
+              </a:rPr>
+              <a:t>📚 MCP Documentation</a:t>
+            </a:r>
+            <a:endParaRPr lang="en-US" sz="1400" dirty="0"/>
+          </a:p>
+        </p:txBody>
+      </p:sp>
+      <p:sp>
+        <p:nvSpPr>
+          <p:cNvPr id="11" name="Text 9"/>
+          <p:cNvSpPr/>
+          <p:nvPr/>
+        </p:nvSpPr>
+        <p:spPr>
+          <a:xfrm>
+            <a:off x="666601" y="2659856"/>
+            <a:ext cx="8025307" cy="180975"/>
+          </a:xfrm>
+          <a:prstGeom prst="rect">
+            <a:avLst/>
+          </a:prstGeom>
+          <a:noFill/>
+          <a:ln/>
+        </p:spPr>
+        <p:txBody>
+          <a:bodyPr wrap="square" lIns="0" tIns="0" rIns="0" bIns="0" rtlCol="0" anchor="t"/>
+          <a:lstStyle/>
+          <a:p>
+            <a:pPr algn="l" indent="0" marL="0">
+              <a:buNone/>
+            </a:pPr>
+            <a:r>
+              <a:rPr lang="en-US" sz="1300" dirty="0">
+                <a:solidFill>
+                  <a:srgbClr val="2E4053"/>
+                </a:solidFill>
+                <a:latin typeface="Courier New" pitchFamily="34" charset="0"/>
+                <a:ea typeface="Courier New" pitchFamily="34" charset="-122"/>
+                <a:cs typeface="Courier New" pitchFamily="34" charset="-120"/>
+              </a:rPr>
+              <a:t>modelcontextprotocol.io</a:t>
+            </a:r>
+            <a:endParaRPr lang="en-US" sz="1300" dirty="0"/>
+          </a:p>
+        </p:txBody>
+      </p:sp>
+      <p:sp>
+        <p:nvSpPr>
+          <p:cNvPr id="12" name="Text 10"/>
+          <p:cNvSpPr/>
+          <p:nvPr/>
+        </p:nvSpPr>
+        <p:spPr>
+          <a:xfrm>
+            <a:off x="507950" y="2993082"/>
+            <a:ext cx="8128099" cy="714077"/>
+          </a:xfrm>
+          <a:prstGeom prst="roundRect">
+            <a:avLst>
+              <a:gd name="adj" fmla="val 14228"/>
+            </a:avLst>
+          </a:prstGeom>
+          <a:solidFill>
+            <a:srgbClr val="F4F6F6"/>
+          </a:solidFill>
+          <a:ln/>
+        </p:spPr>
+        <p:txBody>
+          <a:bodyPr wrap="square" rtlCol="0" anchor="ctr"/>
+          <a:lstStyle/>
+          <a:p>
+            <a:pPr indent="0" marL="0">
+              <a:buNone/>
+            </a:pPr>
+            <a:endParaRPr lang="en-US" dirty="0"/>
+          </a:p>
+        </p:txBody>
+      </p:sp>
+      <p:sp>
+        <p:nvSpPr>
+          <p:cNvPr id="13" name="Shape 11"/>
+          <p:cNvSpPr/>
+          <p:nvPr/>
+        </p:nvSpPr>
+        <p:spPr>
+          <a:xfrm>
+            <a:off x="536525" y="2993082"/>
+            <a:ext cx="0" cy="714077"/>
+          </a:xfrm>
+          <a:prstGeom prst="line">
+            <a:avLst/>
+          </a:prstGeom>
+          <a:noFill/>
+          <a:ln w="57150">
+            <a:solidFill>
+              <a:srgbClr val="40695B"/>
+            </a:solidFill>
+            <a:prstDash val="solid"/>
+          </a:ln>
+        </p:spPr>
+      </p:sp>
+      <p:sp>
+        <p:nvSpPr>
+          <p:cNvPr id="14" name="Text 12"/>
+          <p:cNvSpPr/>
+          <p:nvPr/>
+        </p:nvSpPr>
+        <p:spPr>
+          <a:xfrm>
+            <a:off x="666601" y="3094583"/>
+            <a:ext cx="8025307" cy="266700"/>
+          </a:xfrm>
+          <a:prstGeom prst="rect">
+            <a:avLst/>
+          </a:prstGeom>
+          <a:noFill/>
+          <a:ln/>
+        </p:spPr>
+        <p:txBody>
+          <a:bodyPr wrap="square" lIns="0" tIns="0" rIns="0" bIns="0" rtlCol="0" anchor="t"/>
+          <a:lstStyle/>
+          <a:p>
+            <a:pPr algn="l" indent="0" marL="0">
+              <a:spcAft>
+                <a:spcPts val="500"/>
+              </a:spcAft>
+              <a:buNone/>
+            </a:pPr>
+            <a:r>
+              <a:rPr lang="en-US" sz="1400" b="1" dirty="0">
+                <a:solidFill>
+                  <a:srgbClr val="181B24"/>
+                </a:solidFill>
+                <a:latin typeface="Arial" pitchFamily="34" charset="0"/>
+                <a:ea typeface="Arial" pitchFamily="34" charset="-122"/>
+                <a:cs typeface="Arial" pitchFamily="34" charset="-120"/>
+              </a:rPr>
+              <a:t>🐍 Python FastMCP</a:t>
+            </a:r>
+            <a:endParaRPr lang="en-US" sz="1400" dirty="0"/>
+          </a:p>
+        </p:txBody>
+      </p:sp>
+      <p:sp>
+        <p:nvSpPr>
+          <p:cNvPr id="15" name="Text 13"/>
+          <p:cNvSpPr/>
+          <p:nvPr/>
+        </p:nvSpPr>
+        <p:spPr>
+          <a:xfrm>
+            <a:off x="666601" y="3424684"/>
+            <a:ext cx="8025307" cy="180975"/>
+          </a:xfrm>
+          <a:prstGeom prst="rect">
+            <a:avLst/>
+          </a:prstGeom>
+          <a:noFill/>
+          <a:ln/>
+        </p:spPr>
+        <p:txBody>
+          <a:bodyPr wrap="square" lIns="0" tIns="0" rIns="0" bIns="0" rtlCol="0" anchor="t"/>
+          <a:lstStyle/>
+          <a:p>
+            <a:pPr algn="l" indent="0" marL="0">
+              <a:buNone/>
+            </a:pPr>
+            <a:r>
+              <a:rPr lang="en-US" sz="1300" dirty="0">
+                <a:solidFill>
+                  <a:srgbClr val="2E4053"/>
+                </a:solidFill>
+                <a:latin typeface="Courier New" pitchFamily="34" charset="0"/>
+                <a:ea typeface="Courier New" pitchFamily="34" charset="-122"/>
+                <a:cs typeface="Courier New" pitchFamily="34" charset="-120"/>
+              </a:rPr>
+              <a:t>github.com/jlowin/fastmcp</a:t>
+            </a:r>
+            <a:endParaRPr lang="en-US" sz="1300" dirty="0"/>
+          </a:p>
+        </p:txBody>
+      </p:sp>
+      <p:sp>
+        <p:nvSpPr>
+          <p:cNvPr id="16" name="Text 14"/>
+          <p:cNvSpPr/>
+          <p:nvPr/>
+        </p:nvSpPr>
+        <p:spPr>
+          <a:xfrm>
+            <a:off x="507950" y="3757910"/>
+            <a:ext cx="8128099" cy="714077"/>
+          </a:xfrm>
+          <a:prstGeom prst="roundRect">
+            <a:avLst>
+              <a:gd name="adj" fmla="val 14228"/>
+            </a:avLst>
+          </a:prstGeom>
+          <a:solidFill>
+            <a:srgbClr val="F4F6F6"/>
+          </a:solidFill>
+          <a:ln/>
+        </p:spPr>
+        <p:txBody>
+          <a:bodyPr wrap="square" rtlCol="0" anchor="ctr"/>
+          <a:lstStyle/>
+          <a:p>
+            <a:pPr indent="0" marL="0">
+              <a:buNone/>
+            </a:pPr>
+            <a:endParaRPr lang="en-US" dirty="0"/>
+          </a:p>
+        </p:txBody>
+      </p:sp>
+      <p:sp>
+        <p:nvSpPr>
+          <p:cNvPr id="17" name="Shape 15"/>
+          <p:cNvSpPr/>
+          <p:nvPr/>
+        </p:nvSpPr>
+        <p:spPr>
+          <a:xfrm>
+            <a:off x="536525" y="3757910"/>
+            <a:ext cx="0" cy="714077"/>
+          </a:xfrm>
+          <a:prstGeom prst="line">
+            <a:avLst/>
+          </a:prstGeom>
+          <a:noFill/>
+          <a:ln w="57150">
+            <a:solidFill>
+              <a:srgbClr val="40695B"/>
+            </a:solidFill>
+            <a:prstDash val="solid"/>
+          </a:ln>
+        </p:spPr>
+      </p:sp>
+      <p:sp>
+        <p:nvSpPr>
+          <p:cNvPr id="18" name="Text 16"/>
+          <p:cNvSpPr/>
+          <p:nvPr/>
+        </p:nvSpPr>
+        <p:spPr>
+          <a:xfrm>
+            <a:off x="666601" y="3859411"/>
+            <a:ext cx="8025307" cy="266700"/>
+          </a:xfrm>
+          <a:prstGeom prst="rect">
+            <a:avLst/>
+          </a:prstGeom>
+          <a:noFill/>
+          <a:ln/>
+        </p:spPr>
+        <p:txBody>
+          <a:bodyPr wrap="square" lIns="0" tIns="0" rIns="0" bIns="0" rtlCol="0" anchor="t"/>
+          <a:lstStyle/>
+          <a:p>
+            <a:pPr algn="l" indent="0" marL="0">
+              <a:spcAft>
+                <a:spcPts val="500"/>
+              </a:spcAft>
+              <a:buNone/>
+            </a:pPr>
+            <a:r>
+              <a:rPr lang="en-US" sz="1400" b="1" dirty="0">
+                <a:solidFill>
+                  <a:srgbClr val="181B24"/>
+                </a:solidFill>
+                <a:latin typeface="Arial" pitchFamily="34" charset="0"/>
+                <a:ea typeface="Arial" pitchFamily="34" charset="-122"/>
+                <a:cs typeface="Arial" pitchFamily="34" charset="-120"/>
+              </a:rPr>
+              <a:t>💬 Connect</a:t>
+            </a:r>
+            <a:endParaRPr lang="en-US" sz="1400" dirty="0"/>
+          </a:p>
+        </p:txBody>
+      </p:sp>
+      <p:sp>
+        <p:nvSpPr>
+          <p:cNvPr id="19" name="Text 17"/>
+          <p:cNvSpPr/>
+          <p:nvPr/>
+        </p:nvSpPr>
+        <p:spPr>
+          <a:xfrm>
+            <a:off x="666601" y="4189512"/>
+            <a:ext cx="8025307" cy="180975"/>
+          </a:xfrm>
+          <a:prstGeom prst="rect">
+            <a:avLst/>
+          </a:prstGeom>
+          <a:noFill/>
+          <a:ln/>
+        </p:spPr>
+        <p:txBody>
+          <a:bodyPr wrap="square" lIns="0" tIns="0" rIns="0" bIns="0" rtlCol="0" anchor="t"/>
+          <a:lstStyle/>
+          <a:p>
+            <a:pPr algn="l" indent="0" marL="0">
+              <a:buNone/>
+            </a:pPr>
+            <a:r>
+              <a:rPr lang="en-US" sz="1300" dirty="0">
+                <a:solidFill>
+                  <a:srgbClr val="2E4053"/>
+                </a:solidFill>
+                <a:latin typeface="Courier New" pitchFamily="34" charset="0"/>
+                <a:ea typeface="Courier New" pitchFamily="34" charset="-122"/>
+                <a:cs typeface="Courier New" pitchFamily="34" charset="-120"/>
+              </a:rPr>
+              <a:t>LinkedIn: linkedin.com/in/fabianwilliams</a:t>
+            </a:r>
+            <a:endParaRPr lang="en-US" sz="1300" dirty="0"/>
+          </a:p>
+        </p:txBody>
+      </p:sp>
+    </p:spTree>
+  </p:cSld>
+  <p:clrMapOvr>
+    <a:masterClrMapping/>
+  </p:clrMapOvr>
+</p:sld>
+</file>
+
+<file path=ppt/slides/slide16.xml><?xml version="1.0" encoding="utf-8"?>
+<p:sld xmlns:a="http://schemas.openxmlformats.org/drawingml/2006/main" xmlns:r="http://schemas.openxmlformats.org/officeDocument/2006/relationships" xmlns:p="http://schemas.openxmlformats.org/presentationml/2006/main">
+  <p:cSld name="Slide 16">
     <p:bg>
       <p:bgPr>
         <a:solidFill>
@@ -7076,7 +7671,7 @@
         <p:spPr>
           <a:xfrm>
             <a:off x="0" y="0"/>
-            <a:ext cx="9144000" cy="1158776"/>
+            <a:ext cx="9144000" cy="866775"/>
           </a:xfrm>
           <a:prstGeom prst="rect">
             <a:avLst/>
@@ -7105,8 +7700,8 @@
         </p:nvSpPr>
         <p:spPr>
           <a:xfrm>
-            <a:off x="507950" y="317450"/>
-            <a:ext cx="8290661" cy="523875"/>
+            <a:off x="507950" y="228600"/>
+            <a:ext cx="8290661" cy="409575"/>
           </a:xfrm>
           <a:prstGeom prst="rect">
             <a:avLst/>
@@ -7122,7 +7717,7 @@
               <a:buNone/>
             </a:pPr>
             <a:r>
-              <a:rPr lang="en-US" sz="3600" b="1" dirty="0">
+              <a:rPr lang="en-US" sz="2800" b="1" dirty="0">
                 <a:solidFill>
                   <a:srgbClr val="B165FB"/>
                 </a:solidFill>
@@ -7130,9 +7725,9 @@
                 <a:ea typeface="Arial" pitchFamily="34" charset="-122"/>
                 <a:cs typeface="Arial" pitchFamily="34" charset="-120"/>
               </a:rPr>
-              <a:t>The Local AI Advantage</a:t>
-            </a:r>
-            <a:endParaRPr lang="en-US" sz="3600" dirty="0"/>
+              <a:t>MCP Architecture: How It Works</a:t>
+            </a:r>
+            <a:endParaRPr lang="en-US" sz="2800" dirty="0"/>
           </a:p>
         </p:txBody>
       </p:sp>
@@ -7144,8 +7739,8 @@
         </p:nvSpPr>
         <p:spPr>
           <a:xfrm>
-            <a:off x="507950" y="1412677"/>
-            <a:ext cx="8290661" cy="323850"/>
+            <a:off x="468579" y="1019175"/>
+            <a:ext cx="4015841" cy="219075"/>
           </a:xfrm>
           <a:prstGeom prst="rect">
             <a:avLst/>
@@ -7157,14 +7752,14 @@
           <a:bodyPr wrap="square" lIns="0" tIns="0" rIns="0" bIns="0" rtlCol="0" anchor="t"/>
           <a:lstStyle/>
           <a:p>
-            <a:pPr algn="l" indent="0" marL="0">
-              <a:spcAft>
-                <a:spcPts val="1200"/>
-              </a:spcAft>
-              <a:buNone/>
-            </a:pPr>
-            <a:r>
-              <a:rPr lang="en-US" sz="2200" b="1" dirty="0">
+            <a:pPr algn="ctr" indent="0" marL="0">
+              <a:spcAft>
+                <a:spcPts val="600"/>
+              </a:spcAft>
+              <a:buNone/>
+            </a:pPr>
+            <a:r>
+              <a:rPr lang="en-US" sz="1500" b="1" dirty="0">
                 <a:solidFill>
                   <a:srgbClr val="181B24"/>
                 </a:solidFill>
@@ -7172,9 +7767,9 @@
                 <a:ea typeface="Arial" pitchFamily="34" charset="-122"/>
                 <a:cs typeface="Arial" pitchFamily="34" charset="-120"/>
               </a:rPr>
-              <a:t>Privacy Flow Comparison</a:t>
-            </a:r>
-            <a:endParaRPr lang="en-US" sz="2200" dirty="0"/>
+              <a:t>Conference MCP (Local)</a:t>
+            </a:r>
+            <a:endParaRPr lang="en-US" sz="1500" dirty="0"/>
           </a:p>
         </p:txBody>
       </p:sp>
@@ -7186,12 +7781,1207 @@
         </p:nvSpPr>
         <p:spPr>
           <a:xfrm>
-            <a:off x="507950" y="1927027"/>
-            <a:ext cx="4064050" cy="1463129"/>
+            <a:off x="507950" y="1314450"/>
+            <a:ext cx="3937099" cy="425351"/>
           </a:xfrm>
           <a:prstGeom prst="roundRect">
             <a:avLst>
-              <a:gd name="adj" fmla="val 6944"/>
+              <a:gd name="adj" fmla="val 17915"/>
+            </a:avLst>
+          </a:prstGeom>
+          <a:solidFill>
+            <a:srgbClr val="F4F6F6"/>
+          </a:solidFill>
+          <a:ln/>
+        </p:spPr>
+        <p:txBody>
+          <a:bodyPr wrap="square" rtlCol="0" anchor="ctr"/>
+          <a:lstStyle/>
+          <a:p>
+            <a:pPr indent="0" marL="0">
+              <a:buNone/>
+            </a:pPr>
+            <a:endParaRPr lang="en-US" dirty="0"/>
+          </a:p>
+        </p:txBody>
+      </p:sp>
+      <p:sp>
+        <p:nvSpPr>
+          <p:cNvPr id="6" name="Shape 4"/>
+          <p:cNvSpPr/>
+          <p:nvPr/>
+        </p:nvSpPr>
+        <p:spPr>
+          <a:xfrm>
+            <a:off x="531763" y="1314450"/>
+            <a:ext cx="0" cy="425351"/>
+          </a:xfrm>
+          <a:prstGeom prst="line">
+            <a:avLst/>
+          </a:prstGeom>
+          <a:noFill/>
+          <a:ln w="47625">
+            <a:solidFill>
+              <a:srgbClr val="40695B"/>
+            </a:solidFill>
+            <a:prstDash val="solid"/>
+          </a:ln>
+        </p:spPr>
+      </p:sp>
+      <p:sp>
+        <p:nvSpPr>
+          <p:cNvPr id="7" name="Text 5"/>
+          <p:cNvSpPr/>
+          <p:nvPr/>
+        </p:nvSpPr>
+        <p:spPr>
+          <a:xfrm>
+            <a:off x="607308" y="1403300"/>
+            <a:ext cx="3786009" cy="247650"/>
+          </a:xfrm>
+          <a:prstGeom prst="rect">
+            <a:avLst/>
+          </a:prstGeom>
+          <a:noFill/>
+          <a:ln/>
+        </p:spPr>
+        <p:txBody>
+          <a:bodyPr wrap="square" lIns="0" tIns="0" rIns="0" bIns="0" rtlCol="0" anchor="t"/>
+          <a:lstStyle/>
+          <a:p>
+            <a:pPr algn="ctr" indent="0" marL="0">
+              <a:buNone/>
+            </a:pPr>
+            <a:r>
+              <a:rPr lang="en-US" sz="1200" b="1" dirty="0">
+                <a:solidFill>
+                  <a:srgbClr val="2E4053"/>
+                </a:solidFill>
+                <a:latin typeface="Arial" pitchFamily="34" charset="0"/>
+                <a:ea typeface="Arial" pitchFamily="34" charset="-122"/>
+                <a:cs typeface="Arial" pitchFamily="34" charset="-120"/>
+              </a:rPr>
+              <a:t>👤 User Query</a:t>
+            </a:r>
+            <a:endParaRPr lang="en-US" sz="1200" dirty="0"/>
+          </a:p>
+        </p:txBody>
+      </p:sp>
+      <p:sp>
+        <p:nvSpPr>
+          <p:cNvPr id="8" name="Text 6"/>
+          <p:cNvSpPr/>
+          <p:nvPr/>
+        </p:nvSpPr>
+        <p:spPr>
+          <a:xfrm>
+            <a:off x="468579" y="1777901"/>
+            <a:ext cx="4015841" cy="238125"/>
+          </a:xfrm>
+          <a:prstGeom prst="rect">
+            <a:avLst/>
+          </a:prstGeom>
+          <a:noFill/>
+          <a:ln/>
+        </p:spPr>
+        <p:txBody>
+          <a:bodyPr wrap="square" lIns="0" tIns="0" rIns="0" bIns="0" rtlCol="0" anchor="t"/>
+          <a:lstStyle/>
+          <a:p>
+            <a:pPr algn="ctr" indent="0" marL="0">
+              <a:spcBef>
+                <a:spcPts val="100"/>
+              </a:spcBef>
+              <a:spcAft>
+                <a:spcPts val="100"/>
+              </a:spcAft>
+              <a:buNone/>
+            </a:pPr>
+            <a:r>
+              <a:rPr lang="en-US" sz="1600" dirty="0">
+                <a:solidFill>
+                  <a:srgbClr val="B165FB"/>
+                </a:solidFill>
+                <a:latin typeface="Arial" pitchFamily="34" charset="0"/>
+                <a:ea typeface="Arial" pitchFamily="34" charset="-122"/>
+                <a:cs typeface="Arial" pitchFamily="34" charset="-120"/>
+              </a:rPr>
+              <a:t>↓</a:t>
+            </a:r>
+            <a:endParaRPr lang="en-US" sz="1600" dirty="0"/>
+          </a:p>
+        </p:txBody>
+      </p:sp>
+      <p:sp>
+        <p:nvSpPr>
+          <p:cNvPr id="9" name="Text 7"/>
+          <p:cNvSpPr/>
+          <p:nvPr/>
+        </p:nvSpPr>
+        <p:spPr>
+          <a:xfrm>
+            <a:off x="507950" y="2054126"/>
+            <a:ext cx="3937099" cy="425351"/>
+          </a:xfrm>
+          <a:prstGeom prst="roundRect">
+            <a:avLst>
+              <a:gd name="adj" fmla="val 17915"/>
+            </a:avLst>
+          </a:prstGeom>
+          <a:solidFill>
+            <a:srgbClr val="F3E5FF"/>
+          </a:solidFill>
+          <a:ln/>
+        </p:spPr>
+        <p:txBody>
+          <a:bodyPr wrap="square" rtlCol="0" anchor="ctr"/>
+          <a:lstStyle/>
+          <a:p>
+            <a:pPr indent="0" marL="0">
+              <a:buNone/>
+            </a:pPr>
+            <a:endParaRPr lang="en-US" dirty="0"/>
+          </a:p>
+        </p:txBody>
+      </p:sp>
+      <p:sp>
+        <p:nvSpPr>
+          <p:cNvPr id="10" name="Shape 8"/>
+          <p:cNvSpPr/>
+          <p:nvPr/>
+        </p:nvSpPr>
+        <p:spPr>
+          <a:xfrm>
+            <a:off x="531763" y="2054126"/>
+            <a:ext cx="0" cy="425351"/>
+          </a:xfrm>
+          <a:prstGeom prst="line">
+            <a:avLst/>
+          </a:prstGeom>
+          <a:noFill/>
+          <a:ln w="47625">
+            <a:solidFill>
+              <a:srgbClr val="B165FB"/>
+            </a:solidFill>
+            <a:prstDash val="solid"/>
+          </a:ln>
+        </p:spPr>
+      </p:sp>
+      <p:sp>
+        <p:nvSpPr>
+          <p:cNvPr id="11" name="Text 9"/>
+          <p:cNvSpPr/>
+          <p:nvPr/>
+        </p:nvSpPr>
+        <p:spPr>
+          <a:xfrm>
+            <a:off x="607308" y="2142976"/>
+            <a:ext cx="3786009" cy="247650"/>
+          </a:xfrm>
+          <a:prstGeom prst="rect">
+            <a:avLst/>
+          </a:prstGeom>
+          <a:noFill/>
+          <a:ln/>
+        </p:spPr>
+        <p:txBody>
+          <a:bodyPr wrap="square" lIns="0" tIns="0" rIns="0" bIns="0" rtlCol="0" anchor="t"/>
+          <a:lstStyle/>
+          <a:p>
+            <a:pPr algn="ctr" indent="0" marL="0">
+              <a:buNone/>
+            </a:pPr>
+            <a:r>
+              <a:rPr lang="en-US" sz="1200" b="1" dirty="0">
+                <a:solidFill>
+                  <a:srgbClr val="2E4053"/>
+                </a:solidFill>
+                <a:latin typeface="Arial" pitchFamily="34" charset="0"/>
+                <a:ea typeface="Arial" pitchFamily="34" charset="-122"/>
+                <a:cs typeface="Arial" pitchFamily="34" charset="-120"/>
+              </a:rPr>
+              <a:t>🤖 AI Model</a:t>
+            </a:r>
+            <a:endParaRPr lang="en-US" sz="1200" dirty="0"/>
+          </a:p>
+        </p:txBody>
+      </p:sp>
+      <p:sp>
+        <p:nvSpPr>
+          <p:cNvPr id="12" name="Text 10"/>
+          <p:cNvSpPr/>
+          <p:nvPr/>
+        </p:nvSpPr>
+        <p:spPr>
+          <a:xfrm>
+            <a:off x="468579" y="2517577"/>
+            <a:ext cx="4015841" cy="133350"/>
+          </a:xfrm>
+          <a:prstGeom prst="rect">
+            <a:avLst/>
+          </a:prstGeom>
+          <a:noFill/>
+          <a:ln/>
+        </p:spPr>
+        <p:txBody>
+          <a:bodyPr wrap="square" lIns="0" tIns="0" rIns="0" bIns="0" rtlCol="0" anchor="t"/>
+          <a:lstStyle/>
+          <a:p>
+            <a:pPr algn="ctr" indent="0" marL="0">
+              <a:spcBef>
+                <a:spcPts val="100"/>
+              </a:spcBef>
+              <a:spcAft>
+                <a:spcPts val="100"/>
+              </a:spcAft>
+              <a:buNone/>
+            </a:pPr>
+            <a:r>
+              <a:rPr lang="en-US" sz="900" i="1" dirty="0">
+                <a:solidFill>
+                  <a:srgbClr val="2E4053"/>
+                </a:solidFill>
+                <a:latin typeface="Arial" pitchFamily="34" charset="0"/>
+                <a:ea typeface="Arial" pitchFamily="34" charset="-122"/>
+                <a:cs typeface="Arial" pitchFamily="34" charset="-120"/>
+              </a:rPr>
+              <a:t>Chooses tool</a:t>
+            </a:r>
+            <a:endParaRPr lang="en-US" sz="900" dirty="0"/>
+          </a:p>
+        </p:txBody>
+      </p:sp>
+      <p:sp>
+        <p:nvSpPr>
+          <p:cNvPr id="13" name="Text 11"/>
+          <p:cNvSpPr/>
+          <p:nvPr/>
+        </p:nvSpPr>
+        <p:spPr>
+          <a:xfrm>
+            <a:off x="468579" y="2663577"/>
+            <a:ext cx="4015841" cy="238125"/>
+          </a:xfrm>
+          <a:prstGeom prst="rect">
+            <a:avLst/>
+          </a:prstGeom>
+          <a:noFill/>
+          <a:ln/>
+        </p:spPr>
+        <p:txBody>
+          <a:bodyPr wrap="square" lIns="0" tIns="0" rIns="0" bIns="0" rtlCol="0" anchor="t"/>
+          <a:lstStyle/>
+          <a:p>
+            <a:pPr algn="ctr" indent="0" marL="0">
+              <a:spcBef>
+                <a:spcPts val="100"/>
+              </a:spcBef>
+              <a:spcAft>
+                <a:spcPts val="100"/>
+              </a:spcAft>
+              <a:buNone/>
+            </a:pPr>
+            <a:r>
+              <a:rPr lang="en-US" sz="1600" dirty="0">
+                <a:solidFill>
+                  <a:srgbClr val="B165FB"/>
+                </a:solidFill>
+                <a:latin typeface="Arial" pitchFamily="34" charset="0"/>
+                <a:ea typeface="Arial" pitchFamily="34" charset="-122"/>
+                <a:cs typeface="Arial" pitchFamily="34" charset="-120"/>
+              </a:rPr>
+              <a:t>↓</a:t>
+            </a:r>
+            <a:endParaRPr lang="en-US" sz="1600" dirty="0"/>
+          </a:p>
+        </p:txBody>
+      </p:sp>
+      <p:sp>
+        <p:nvSpPr>
+          <p:cNvPr id="14" name="Text 12"/>
+          <p:cNvSpPr/>
+          <p:nvPr/>
+        </p:nvSpPr>
+        <p:spPr>
+          <a:xfrm>
+            <a:off x="507950" y="2939802"/>
+            <a:ext cx="3937099" cy="425351"/>
+          </a:xfrm>
+          <a:prstGeom prst="roundRect">
+            <a:avLst>
+              <a:gd name="adj" fmla="val 17915"/>
+            </a:avLst>
+          </a:prstGeom>
+          <a:solidFill>
+            <a:srgbClr val="E8F5E9"/>
+          </a:solidFill>
+          <a:ln/>
+        </p:spPr>
+        <p:txBody>
+          <a:bodyPr wrap="square" rtlCol="0" anchor="ctr"/>
+          <a:lstStyle/>
+          <a:p>
+            <a:pPr indent="0" marL="0">
+              <a:buNone/>
+            </a:pPr>
+            <a:endParaRPr lang="en-US" dirty="0"/>
+          </a:p>
+        </p:txBody>
+      </p:sp>
+      <p:sp>
+        <p:nvSpPr>
+          <p:cNvPr id="15" name="Shape 13"/>
+          <p:cNvSpPr/>
+          <p:nvPr/>
+        </p:nvSpPr>
+        <p:spPr>
+          <a:xfrm>
+            <a:off x="531763" y="2939802"/>
+            <a:ext cx="0" cy="425351"/>
+          </a:xfrm>
+          <a:prstGeom prst="line">
+            <a:avLst/>
+          </a:prstGeom>
+          <a:noFill/>
+          <a:ln w="47625">
+            <a:solidFill>
+              <a:srgbClr val="40695B"/>
+            </a:solidFill>
+            <a:prstDash val="solid"/>
+          </a:ln>
+        </p:spPr>
+      </p:sp>
+      <p:sp>
+        <p:nvSpPr>
+          <p:cNvPr id="16" name="Text 14"/>
+          <p:cNvSpPr/>
+          <p:nvPr/>
+        </p:nvSpPr>
+        <p:spPr>
+          <a:xfrm>
+            <a:off x="607308" y="3028652"/>
+            <a:ext cx="3786009" cy="247650"/>
+          </a:xfrm>
+          <a:prstGeom prst="rect">
+            <a:avLst/>
+          </a:prstGeom>
+          <a:noFill/>
+          <a:ln/>
+        </p:spPr>
+        <p:txBody>
+          <a:bodyPr wrap="square" lIns="0" tIns="0" rIns="0" bIns="0" rtlCol="0" anchor="t"/>
+          <a:lstStyle/>
+          <a:p>
+            <a:pPr algn="ctr" indent="0" marL="0">
+              <a:buNone/>
+            </a:pPr>
+            <a:r>
+              <a:rPr lang="en-US" sz="1200" b="1" dirty="0">
+                <a:solidFill>
+                  <a:srgbClr val="2E4053"/>
+                </a:solidFill>
+                <a:latin typeface="Arial" pitchFamily="34" charset="0"/>
+                <a:ea typeface="Arial" pitchFamily="34" charset="-122"/>
+                <a:cs typeface="Arial" pitchFamily="34" charset="-120"/>
+              </a:rPr>
+              <a:t>⚙️ MCP Server</a:t>
+            </a:r>
+            <a:endParaRPr lang="en-US" sz="1200" dirty="0"/>
+          </a:p>
+        </p:txBody>
+      </p:sp>
+      <p:sp>
+        <p:nvSpPr>
+          <p:cNvPr id="17" name="Text 15"/>
+          <p:cNvSpPr/>
+          <p:nvPr/>
+        </p:nvSpPr>
+        <p:spPr>
+          <a:xfrm>
+            <a:off x="468579" y="3403253"/>
+            <a:ext cx="4015841" cy="133350"/>
+          </a:xfrm>
+          <a:prstGeom prst="rect">
+            <a:avLst/>
+          </a:prstGeom>
+          <a:noFill/>
+          <a:ln/>
+        </p:spPr>
+        <p:txBody>
+          <a:bodyPr wrap="square" lIns="0" tIns="0" rIns="0" bIns="0" rtlCol="0" anchor="t"/>
+          <a:lstStyle/>
+          <a:p>
+            <a:pPr algn="ctr" indent="0" marL="0">
+              <a:spcBef>
+                <a:spcPts val="100"/>
+              </a:spcBef>
+              <a:spcAft>
+                <a:spcPts val="100"/>
+              </a:spcAft>
+              <a:buNone/>
+            </a:pPr>
+            <a:r>
+              <a:rPr lang="en-US" sz="900" i="1" dirty="0">
+                <a:solidFill>
+                  <a:srgbClr val="2E4053"/>
+                </a:solidFill>
+                <a:latin typeface="Arial" pitchFamily="34" charset="0"/>
+                <a:ea typeface="Arial" pitchFamily="34" charset="-122"/>
+                <a:cs typeface="Arial" pitchFamily="34" charset="-120"/>
+              </a:rPr>
+              <a:t>SQL query</a:t>
+            </a:r>
+            <a:endParaRPr lang="en-US" sz="900" dirty="0"/>
+          </a:p>
+        </p:txBody>
+      </p:sp>
+      <p:sp>
+        <p:nvSpPr>
+          <p:cNvPr id="18" name="Text 16"/>
+          <p:cNvSpPr/>
+          <p:nvPr/>
+        </p:nvSpPr>
+        <p:spPr>
+          <a:xfrm>
+            <a:off x="468579" y="3549253"/>
+            <a:ext cx="4015841" cy="238125"/>
+          </a:xfrm>
+          <a:prstGeom prst="rect">
+            <a:avLst/>
+          </a:prstGeom>
+          <a:noFill/>
+          <a:ln/>
+        </p:spPr>
+        <p:txBody>
+          <a:bodyPr wrap="square" lIns="0" tIns="0" rIns="0" bIns="0" rtlCol="0" anchor="t"/>
+          <a:lstStyle/>
+          <a:p>
+            <a:pPr algn="ctr" indent="0" marL="0">
+              <a:spcBef>
+                <a:spcPts val="100"/>
+              </a:spcBef>
+              <a:spcAft>
+                <a:spcPts val="100"/>
+              </a:spcAft>
+              <a:buNone/>
+            </a:pPr>
+            <a:r>
+              <a:rPr lang="en-US" sz="1600" dirty="0">
+                <a:solidFill>
+                  <a:srgbClr val="B165FB"/>
+                </a:solidFill>
+                <a:latin typeface="Arial" pitchFamily="34" charset="0"/>
+                <a:ea typeface="Arial" pitchFamily="34" charset="-122"/>
+                <a:cs typeface="Arial" pitchFamily="34" charset="-120"/>
+              </a:rPr>
+              <a:t>↓</a:t>
+            </a:r>
+            <a:endParaRPr lang="en-US" sz="1600" dirty="0"/>
+          </a:p>
+        </p:txBody>
+      </p:sp>
+      <p:sp>
+        <p:nvSpPr>
+          <p:cNvPr id="19" name="Text 17"/>
+          <p:cNvSpPr/>
+          <p:nvPr/>
+        </p:nvSpPr>
+        <p:spPr>
+          <a:xfrm>
+            <a:off x="507950" y="3825478"/>
+            <a:ext cx="3937099" cy="425351"/>
+          </a:xfrm>
+          <a:prstGeom prst="roundRect">
+            <a:avLst>
+              <a:gd name="adj" fmla="val 17915"/>
+            </a:avLst>
+          </a:prstGeom>
+          <a:solidFill>
+            <a:srgbClr val="E8F5E9"/>
+          </a:solidFill>
+          <a:ln/>
+        </p:spPr>
+        <p:txBody>
+          <a:bodyPr wrap="square" rtlCol="0" anchor="ctr"/>
+          <a:lstStyle/>
+          <a:p>
+            <a:pPr indent="0" marL="0">
+              <a:buNone/>
+            </a:pPr>
+            <a:endParaRPr lang="en-US" dirty="0"/>
+          </a:p>
+        </p:txBody>
+      </p:sp>
+      <p:sp>
+        <p:nvSpPr>
+          <p:cNvPr id="20" name="Shape 18"/>
+          <p:cNvSpPr/>
+          <p:nvPr/>
+        </p:nvSpPr>
+        <p:spPr>
+          <a:xfrm>
+            <a:off x="531763" y="3825478"/>
+            <a:ext cx="0" cy="425351"/>
+          </a:xfrm>
+          <a:prstGeom prst="line">
+            <a:avLst/>
+          </a:prstGeom>
+          <a:noFill/>
+          <a:ln w="47625">
+            <a:solidFill>
+              <a:srgbClr val="40695B"/>
+            </a:solidFill>
+            <a:prstDash val="solid"/>
+          </a:ln>
+        </p:spPr>
+      </p:sp>
+      <p:sp>
+        <p:nvSpPr>
+          <p:cNvPr id="21" name="Text 19"/>
+          <p:cNvSpPr/>
+          <p:nvPr/>
+        </p:nvSpPr>
+        <p:spPr>
+          <a:xfrm>
+            <a:off x="607308" y="3914329"/>
+            <a:ext cx="3786009" cy="247650"/>
+          </a:xfrm>
+          <a:prstGeom prst="rect">
+            <a:avLst/>
+          </a:prstGeom>
+          <a:noFill/>
+          <a:ln/>
+        </p:spPr>
+        <p:txBody>
+          <a:bodyPr wrap="square" lIns="0" tIns="0" rIns="0" bIns="0" rtlCol="0" anchor="t"/>
+          <a:lstStyle/>
+          <a:p>
+            <a:pPr algn="ctr" indent="0" marL="0">
+              <a:buNone/>
+            </a:pPr>
+            <a:r>
+              <a:rPr lang="en-US" sz="1200" b="1" dirty="0">
+                <a:solidFill>
+                  <a:srgbClr val="2E4053"/>
+                </a:solidFill>
+                <a:latin typeface="Arial" pitchFamily="34" charset="0"/>
+                <a:ea typeface="Arial" pitchFamily="34" charset="-122"/>
+                <a:cs typeface="Arial" pitchFamily="34" charset="-120"/>
+              </a:rPr>
+              <a:t>💾 Database</a:t>
+            </a:r>
+            <a:endParaRPr lang="en-US" sz="1200" dirty="0"/>
+          </a:p>
+        </p:txBody>
+      </p:sp>
+      <p:sp>
+        <p:nvSpPr>
+          <p:cNvPr id="22" name="Text 20"/>
+          <p:cNvSpPr/>
+          <p:nvPr/>
+        </p:nvSpPr>
+        <p:spPr>
+          <a:xfrm>
+            <a:off x="468579" y="4288929"/>
+            <a:ext cx="4015841" cy="133350"/>
+          </a:xfrm>
+          <a:prstGeom prst="rect">
+            <a:avLst/>
+          </a:prstGeom>
+          <a:noFill/>
+          <a:ln/>
+        </p:spPr>
+        <p:txBody>
+          <a:bodyPr wrap="square" lIns="0" tIns="0" rIns="0" bIns="0" rtlCol="0" anchor="t"/>
+          <a:lstStyle/>
+          <a:p>
+            <a:pPr algn="ctr" indent="0" marL="0">
+              <a:spcBef>
+                <a:spcPts val="100"/>
+              </a:spcBef>
+              <a:spcAft>
+                <a:spcPts val="100"/>
+              </a:spcAft>
+              <a:buNone/>
+            </a:pPr>
+            <a:r>
+              <a:rPr lang="en-US" sz="900" i="1" dirty="0">
+                <a:solidFill>
+                  <a:srgbClr val="2E4053"/>
+                </a:solidFill>
+                <a:latin typeface="Arial" pitchFamily="34" charset="0"/>
+                <a:ea typeface="Arial" pitchFamily="34" charset="-122"/>
+                <a:cs typeface="Arial" pitchFamily="34" charset="-120"/>
+              </a:rPr>
+              <a:t>Local only</a:t>
+            </a:r>
+            <a:endParaRPr lang="en-US" sz="900" dirty="0"/>
+          </a:p>
+        </p:txBody>
+      </p:sp>
+      <p:sp>
+        <p:nvSpPr>
+          <p:cNvPr id="23" name="Text 21"/>
+          <p:cNvSpPr/>
+          <p:nvPr/>
+        </p:nvSpPr>
+        <p:spPr>
+          <a:xfrm>
+            <a:off x="4659579" y="1019175"/>
+            <a:ext cx="4015841" cy="219075"/>
+          </a:xfrm>
+          <a:prstGeom prst="rect">
+            <a:avLst/>
+          </a:prstGeom>
+          <a:noFill/>
+          <a:ln/>
+        </p:spPr>
+        <p:txBody>
+          <a:bodyPr wrap="square" lIns="0" tIns="0" rIns="0" bIns="0" rtlCol="0" anchor="t"/>
+          <a:lstStyle/>
+          <a:p>
+            <a:pPr algn="ctr" indent="0" marL="0">
+              <a:spcAft>
+                <a:spcPts val="600"/>
+              </a:spcAft>
+              <a:buNone/>
+            </a:pPr>
+            <a:r>
+              <a:rPr lang="en-US" sz="1500" b="1" dirty="0">
+                <a:solidFill>
+                  <a:srgbClr val="181B24"/>
+                </a:solidFill>
+                <a:latin typeface="Arial" pitchFamily="34" charset="0"/>
+                <a:ea typeface="Arial" pitchFamily="34" charset="-122"/>
+                <a:cs typeface="Arial" pitchFamily="34" charset="-120"/>
+              </a:rPr>
+              <a:t>Graph MCP (Enterprise)</a:t>
+            </a:r>
+            <a:endParaRPr lang="en-US" sz="1500" dirty="0"/>
+          </a:p>
+        </p:txBody>
+      </p:sp>
+      <p:sp>
+        <p:nvSpPr>
+          <p:cNvPr id="24" name="Text 22"/>
+          <p:cNvSpPr/>
+          <p:nvPr/>
+        </p:nvSpPr>
+        <p:spPr>
+          <a:xfrm>
+            <a:off x="4698950" y="1314450"/>
+            <a:ext cx="3937099" cy="425351"/>
+          </a:xfrm>
+          <a:prstGeom prst="roundRect">
+            <a:avLst>
+              <a:gd name="adj" fmla="val 17915"/>
+            </a:avLst>
+          </a:prstGeom>
+          <a:solidFill>
+            <a:srgbClr val="F4F6F6"/>
+          </a:solidFill>
+          <a:ln/>
+        </p:spPr>
+        <p:txBody>
+          <a:bodyPr wrap="square" rtlCol="0" anchor="ctr"/>
+          <a:lstStyle/>
+          <a:p>
+            <a:pPr indent="0" marL="0">
+              <a:buNone/>
+            </a:pPr>
+            <a:endParaRPr lang="en-US" dirty="0"/>
+          </a:p>
+        </p:txBody>
+      </p:sp>
+      <p:sp>
+        <p:nvSpPr>
+          <p:cNvPr id="25" name="Shape 23"/>
+          <p:cNvSpPr/>
+          <p:nvPr/>
+        </p:nvSpPr>
+        <p:spPr>
+          <a:xfrm>
+            <a:off x="4722763" y="1314450"/>
+            <a:ext cx="0" cy="425351"/>
+          </a:xfrm>
+          <a:prstGeom prst="line">
+            <a:avLst/>
+          </a:prstGeom>
+          <a:noFill/>
+          <a:ln w="47625">
+            <a:solidFill>
+              <a:srgbClr val="40695B"/>
+            </a:solidFill>
+            <a:prstDash val="solid"/>
+          </a:ln>
+        </p:spPr>
+      </p:sp>
+      <p:sp>
+        <p:nvSpPr>
+          <p:cNvPr id="26" name="Text 24"/>
+          <p:cNvSpPr/>
+          <p:nvPr/>
+        </p:nvSpPr>
+        <p:spPr>
+          <a:xfrm>
+            <a:off x="4798308" y="1403300"/>
+            <a:ext cx="3786009" cy="247650"/>
+          </a:xfrm>
+          <a:prstGeom prst="rect">
+            <a:avLst/>
+          </a:prstGeom>
+          <a:noFill/>
+          <a:ln/>
+        </p:spPr>
+        <p:txBody>
+          <a:bodyPr wrap="square" lIns="0" tIns="0" rIns="0" bIns="0" rtlCol="0" anchor="t"/>
+          <a:lstStyle/>
+          <a:p>
+            <a:pPr algn="ctr" indent="0" marL="0">
+              <a:buNone/>
+            </a:pPr>
+            <a:r>
+              <a:rPr lang="en-US" sz="1200" b="1" dirty="0">
+                <a:solidFill>
+                  <a:srgbClr val="2E4053"/>
+                </a:solidFill>
+                <a:latin typeface="Arial" pitchFamily="34" charset="0"/>
+                <a:ea typeface="Arial" pitchFamily="34" charset="-122"/>
+                <a:cs typeface="Arial" pitchFamily="34" charset="-120"/>
+              </a:rPr>
+              <a:t>👤 User Query</a:t>
+            </a:r>
+            <a:endParaRPr lang="en-US" sz="1200" dirty="0"/>
+          </a:p>
+        </p:txBody>
+      </p:sp>
+      <p:sp>
+        <p:nvSpPr>
+          <p:cNvPr id="27" name="Text 25"/>
+          <p:cNvSpPr/>
+          <p:nvPr/>
+        </p:nvSpPr>
+        <p:spPr>
+          <a:xfrm>
+            <a:off x="4659579" y="1777901"/>
+            <a:ext cx="4015841" cy="238125"/>
+          </a:xfrm>
+          <a:prstGeom prst="rect">
+            <a:avLst/>
+          </a:prstGeom>
+          <a:noFill/>
+          <a:ln/>
+        </p:spPr>
+        <p:txBody>
+          <a:bodyPr wrap="square" lIns="0" tIns="0" rIns="0" bIns="0" rtlCol="0" anchor="t"/>
+          <a:lstStyle/>
+          <a:p>
+            <a:pPr algn="ctr" indent="0" marL="0">
+              <a:spcBef>
+                <a:spcPts val="100"/>
+              </a:spcBef>
+              <a:spcAft>
+                <a:spcPts val="100"/>
+              </a:spcAft>
+              <a:buNone/>
+            </a:pPr>
+            <a:r>
+              <a:rPr lang="en-US" sz="1600" dirty="0">
+                <a:solidFill>
+                  <a:srgbClr val="B165FB"/>
+                </a:solidFill>
+                <a:latin typeface="Arial" pitchFamily="34" charset="0"/>
+                <a:ea typeface="Arial" pitchFamily="34" charset="-122"/>
+                <a:cs typeface="Arial" pitchFamily="34" charset="-120"/>
+              </a:rPr>
+              <a:t>↓</a:t>
+            </a:r>
+            <a:endParaRPr lang="en-US" sz="1600" dirty="0"/>
+          </a:p>
+        </p:txBody>
+      </p:sp>
+      <p:sp>
+        <p:nvSpPr>
+          <p:cNvPr id="28" name="Text 26"/>
+          <p:cNvSpPr/>
+          <p:nvPr/>
+        </p:nvSpPr>
+        <p:spPr>
+          <a:xfrm>
+            <a:off x="4698950" y="2054126"/>
+            <a:ext cx="3937099" cy="425351"/>
+          </a:xfrm>
+          <a:prstGeom prst="roundRect">
+            <a:avLst>
+              <a:gd name="adj" fmla="val 17915"/>
+            </a:avLst>
+          </a:prstGeom>
+          <a:solidFill>
+            <a:srgbClr val="F3E5FF"/>
+          </a:solidFill>
+          <a:ln/>
+        </p:spPr>
+        <p:txBody>
+          <a:bodyPr wrap="square" rtlCol="0" anchor="ctr"/>
+          <a:lstStyle/>
+          <a:p>
+            <a:pPr indent="0" marL="0">
+              <a:buNone/>
+            </a:pPr>
+            <a:endParaRPr lang="en-US" dirty="0"/>
+          </a:p>
+        </p:txBody>
+      </p:sp>
+      <p:sp>
+        <p:nvSpPr>
+          <p:cNvPr id="29" name="Shape 27"/>
+          <p:cNvSpPr/>
+          <p:nvPr/>
+        </p:nvSpPr>
+        <p:spPr>
+          <a:xfrm>
+            <a:off x="4722763" y="2054126"/>
+            <a:ext cx="0" cy="425351"/>
+          </a:xfrm>
+          <a:prstGeom prst="line">
+            <a:avLst/>
+          </a:prstGeom>
+          <a:noFill/>
+          <a:ln w="47625">
+            <a:solidFill>
+              <a:srgbClr val="B165FB"/>
+            </a:solidFill>
+            <a:prstDash val="solid"/>
+          </a:ln>
+        </p:spPr>
+      </p:sp>
+      <p:sp>
+        <p:nvSpPr>
+          <p:cNvPr id="30" name="Text 28"/>
+          <p:cNvSpPr/>
+          <p:nvPr/>
+        </p:nvSpPr>
+        <p:spPr>
+          <a:xfrm>
+            <a:off x="4798308" y="2142976"/>
+            <a:ext cx="3786009" cy="247650"/>
+          </a:xfrm>
+          <a:prstGeom prst="rect">
+            <a:avLst/>
+          </a:prstGeom>
+          <a:noFill/>
+          <a:ln/>
+        </p:spPr>
+        <p:txBody>
+          <a:bodyPr wrap="square" lIns="0" tIns="0" rIns="0" bIns="0" rtlCol="0" anchor="t"/>
+          <a:lstStyle/>
+          <a:p>
+            <a:pPr algn="ctr" indent="0" marL="0">
+              <a:buNone/>
+            </a:pPr>
+            <a:r>
+              <a:rPr lang="en-US" sz="1200" b="1" dirty="0">
+                <a:solidFill>
+                  <a:srgbClr val="2E4053"/>
+                </a:solidFill>
+                <a:latin typeface="Arial" pitchFamily="34" charset="0"/>
+                <a:ea typeface="Arial" pitchFamily="34" charset="-122"/>
+                <a:cs typeface="Arial" pitchFamily="34" charset="-120"/>
+              </a:rPr>
+              <a:t>🤖 AI Model</a:t>
+            </a:r>
+            <a:endParaRPr lang="en-US" sz="1200" dirty="0"/>
+          </a:p>
+        </p:txBody>
+      </p:sp>
+      <p:sp>
+        <p:nvSpPr>
+          <p:cNvPr id="31" name="Text 29"/>
+          <p:cNvSpPr/>
+          <p:nvPr/>
+        </p:nvSpPr>
+        <p:spPr>
+          <a:xfrm>
+            <a:off x="4659579" y="2517577"/>
+            <a:ext cx="4015841" cy="133350"/>
+          </a:xfrm>
+          <a:prstGeom prst="rect">
+            <a:avLst/>
+          </a:prstGeom>
+          <a:noFill/>
+          <a:ln/>
+        </p:spPr>
+        <p:txBody>
+          <a:bodyPr wrap="square" lIns="0" tIns="0" rIns="0" bIns="0" rtlCol="0" anchor="t"/>
+          <a:lstStyle/>
+          <a:p>
+            <a:pPr algn="ctr" indent="0" marL="0">
+              <a:spcBef>
+                <a:spcPts val="100"/>
+              </a:spcBef>
+              <a:spcAft>
+                <a:spcPts val="100"/>
+              </a:spcAft>
+              <a:buNone/>
+            </a:pPr>
+            <a:r>
+              <a:rPr lang="en-US" sz="900" i="1" dirty="0">
+                <a:solidFill>
+                  <a:srgbClr val="2E4053"/>
+                </a:solidFill>
+                <a:latin typeface="Arial" pitchFamily="34" charset="0"/>
+                <a:ea typeface="Arial" pitchFamily="34" charset="-122"/>
+                <a:cs typeface="Arial" pitchFamily="34" charset="-120"/>
+              </a:rPr>
+              <a:t>Composition</a:t>
+            </a:r>
+            <a:endParaRPr lang="en-US" sz="900" dirty="0"/>
+          </a:p>
+        </p:txBody>
+      </p:sp>
+      <p:sp>
+        <p:nvSpPr>
+          <p:cNvPr id="32" name="Text 30"/>
+          <p:cNvSpPr/>
+          <p:nvPr/>
+        </p:nvSpPr>
+        <p:spPr>
+          <a:xfrm>
+            <a:off x="4659579" y="2663577"/>
+            <a:ext cx="4015841" cy="238125"/>
+          </a:xfrm>
+          <a:prstGeom prst="rect">
+            <a:avLst/>
+          </a:prstGeom>
+          <a:noFill/>
+          <a:ln/>
+        </p:spPr>
+        <p:txBody>
+          <a:bodyPr wrap="square" lIns="0" tIns="0" rIns="0" bIns="0" rtlCol="0" anchor="t"/>
+          <a:lstStyle/>
+          <a:p>
+            <a:pPr algn="ctr" indent="0" marL="0">
+              <a:spcBef>
+                <a:spcPts val="100"/>
+              </a:spcBef>
+              <a:spcAft>
+                <a:spcPts val="100"/>
+              </a:spcAft>
+              <a:buNone/>
+            </a:pPr>
+            <a:r>
+              <a:rPr lang="en-US" sz="1600" dirty="0">
+                <a:solidFill>
+                  <a:srgbClr val="B165FB"/>
+                </a:solidFill>
+                <a:latin typeface="Arial" pitchFamily="34" charset="0"/>
+                <a:ea typeface="Arial" pitchFamily="34" charset="-122"/>
+                <a:cs typeface="Arial" pitchFamily="34" charset="-120"/>
+              </a:rPr>
+              <a:t>↓</a:t>
+            </a:r>
+            <a:endParaRPr lang="en-US" sz="1600" dirty="0"/>
+          </a:p>
+        </p:txBody>
+      </p:sp>
+      <p:sp>
+        <p:nvSpPr>
+          <p:cNvPr id="33" name="Text 31"/>
+          <p:cNvSpPr/>
+          <p:nvPr/>
+        </p:nvSpPr>
+        <p:spPr>
+          <a:xfrm>
+            <a:off x="4698950" y="2939802"/>
+            <a:ext cx="3937099" cy="425351"/>
+          </a:xfrm>
+          <a:prstGeom prst="roundRect">
+            <a:avLst>
+              <a:gd name="adj" fmla="val 17915"/>
+            </a:avLst>
+          </a:prstGeom>
+          <a:solidFill>
+            <a:srgbClr val="E8F5E9"/>
+          </a:solidFill>
+          <a:ln/>
+        </p:spPr>
+        <p:txBody>
+          <a:bodyPr wrap="square" rtlCol="0" anchor="ctr"/>
+          <a:lstStyle/>
+          <a:p>
+            <a:pPr indent="0" marL="0">
+              <a:buNone/>
+            </a:pPr>
+            <a:endParaRPr lang="en-US" dirty="0"/>
+          </a:p>
+        </p:txBody>
+      </p:sp>
+      <p:sp>
+        <p:nvSpPr>
+          <p:cNvPr id="34" name="Shape 32"/>
+          <p:cNvSpPr/>
+          <p:nvPr/>
+        </p:nvSpPr>
+        <p:spPr>
+          <a:xfrm>
+            <a:off x="4722763" y="2939802"/>
+            <a:ext cx="0" cy="425351"/>
+          </a:xfrm>
+          <a:prstGeom prst="line">
+            <a:avLst/>
+          </a:prstGeom>
+          <a:noFill/>
+          <a:ln w="47625">
+            <a:solidFill>
+              <a:srgbClr val="40695B"/>
+            </a:solidFill>
+            <a:prstDash val="solid"/>
+          </a:ln>
+        </p:spPr>
+      </p:sp>
+      <p:sp>
+        <p:nvSpPr>
+          <p:cNvPr id="35" name="Text 33"/>
+          <p:cNvSpPr/>
+          <p:nvPr/>
+        </p:nvSpPr>
+        <p:spPr>
+          <a:xfrm>
+            <a:off x="4798308" y="3028652"/>
+            <a:ext cx="3786009" cy="247650"/>
+          </a:xfrm>
+          <a:prstGeom prst="rect">
+            <a:avLst/>
+          </a:prstGeom>
+          <a:noFill/>
+          <a:ln/>
+        </p:spPr>
+        <p:txBody>
+          <a:bodyPr wrap="square" lIns="0" tIns="0" rIns="0" bIns="0" rtlCol="0" anchor="t"/>
+          <a:lstStyle/>
+          <a:p>
+            <a:pPr algn="ctr" indent="0" marL="0">
+              <a:buNone/>
+            </a:pPr>
+            <a:r>
+              <a:rPr lang="en-US" sz="1200" b="1" dirty="0">
+                <a:solidFill>
+                  <a:srgbClr val="2E4053"/>
+                </a:solidFill>
+                <a:latin typeface="Arial" pitchFamily="34" charset="0"/>
+                <a:ea typeface="Arial" pitchFamily="34" charset="-122"/>
+                <a:cs typeface="Arial" pitchFamily="34" charset="-120"/>
+              </a:rPr>
+              <a:t>⚙️ MCP Server</a:t>
+            </a:r>
+            <a:endParaRPr lang="en-US" sz="1200" dirty="0"/>
+          </a:p>
+        </p:txBody>
+      </p:sp>
+      <p:sp>
+        <p:nvSpPr>
+          <p:cNvPr id="36" name="Text 34"/>
+          <p:cNvSpPr/>
+          <p:nvPr/>
+        </p:nvSpPr>
+        <p:spPr>
+          <a:xfrm>
+            <a:off x="4659579" y="3403253"/>
+            <a:ext cx="4015841" cy="133350"/>
+          </a:xfrm>
+          <a:prstGeom prst="rect">
+            <a:avLst/>
+          </a:prstGeom>
+          <a:noFill/>
+          <a:ln/>
+        </p:spPr>
+        <p:txBody>
+          <a:bodyPr wrap="square" lIns="0" tIns="0" rIns="0" bIns="0" rtlCol="0" anchor="t"/>
+          <a:lstStyle/>
+          <a:p>
+            <a:pPr algn="ctr" indent="0" marL="0">
+              <a:spcBef>
+                <a:spcPts val="100"/>
+              </a:spcBef>
+              <a:spcAft>
+                <a:spcPts val="100"/>
+              </a:spcAft>
+              <a:buNone/>
+            </a:pPr>
+            <a:r>
+              <a:rPr lang="en-US" sz="900" i="1" dirty="0">
+                <a:solidFill>
+                  <a:srgbClr val="2E4053"/>
+                </a:solidFill>
+                <a:latin typeface="Arial" pitchFamily="34" charset="0"/>
+                <a:ea typeface="Arial" pitchFamily="34" charset="-122"/>
+                <a:cs typeface="Arial" pitchFamily="34" charset="-120"/>
+              </a:rPr>
+              <a:t>OAuth + API</a:t>
+            </a:r>
+            <a:endParaRPr lang="en-US" sz="900" dirty="0"/>
+          </a:p>
+        </p:txBody>
+      </p:sp>
+      <p:sp>
+        <p:nvSpPr>
+          <p:cNvPr id="37" name="Text 35"/>
+          <p:cNvSpPr/>
+          <p:nvPr/>
+        </p:nvSpPr>
+        <p:spPr>
+          <a:xfrm>
+            <a:off x="4659579" y="3549253"/>
+            <a:ext cx="4015841" cy="238125"/>
+          </a:xfrm>
+          <a:prstGeom prst="rect">
+            <a:avLst/>
+          </a:prstGeom>
+          <a:noFill/>
+          <a:ln/>
+        </p:spPr>
+        <p:txBody>
+          <a:bodyPr wrap="square" lIns="0" tIns="0" rIns="0" bIns="0" rtlCol="0" anchor="t"/>
+          <a:lstStyle/>
+          <a:p>
+            <a:pPr algn="ctr" indent="0" marL="0">
+              <a:spcBef>
+                <a:spcPts val="100"/>
+              </a:spcBef>
+              <a:spcAft>
+                <a:spcPts val="100"/>
+              </a:spcAft>
+              <a:buNone/>
+            </a:pPr>
+            <a:r>
+              <a:rPr lang="en-US" sz="1600" dirty="0">
+                <a:solidFill>
+                  <a:srgbClr val="B165FB"/>
+                </a:solidFill>
+                <a:latin typeface="Arial" pitchFamily="34" charset="0"/>
+                <a:ea typeface="Arial" pitchFamily="34" charset="-122"/>
+                <a:cs typeface="Arial" pitchFamily="34" charset="-120"/>
+              </a:rPr>
+              <a:t>↓</a:t>
+            </a:r>
+            <a:endParaRPr lang="en-US" sz="1600" dirty="0"/>
+          </a:p>
+        </p:txBody>
+      </p:sp>
+      <p:sp>
+        <p:nvSpPr>
+          <p:cNvPr id="38" name="Text 36"/>
+          <p:cNvSpPr/>
+          <p:nvPr/>
+        </p:nvSpPr>
+        <p:spPr>
+          <a:xfrm>
+            <a:off x="4698950" y="3825478"/>
+            <a:ext cx="3937099" cy="425351"/>
+          </a:xfrm>
+          <a:prstGeom prst="roundRect">
+            <a:avLst>
+              <a:gd name="adj" fmla="val 17915"/>
             </a:avLst>
           </a:prstGeom>
           <a:solidFill>
@@ -7212,20 +9002,20 @@
       </p:sp>
       <p:sp>
         <p:nvSpPr>
-          <p:cNvPr id="6" name="Shape 4"/>
-          <p:cNvSpPr/>
-          <p:nvPr/>
-        </p:nvSpPr>
-        <p:spPr>
-          <a:xfrm>
-            <a:off x="536525" y="1927027"/>
-            <a:ext cx="0" cy="1463129"/>
+          <p:cNvPr id="39" name="Shape 37"/>
+          <p:cNvSpPr/>
+          <p:nvPr/>
+        </p:nvSpPr>
+        <p:spPr>
+          <a:xfrm>
+            <a:off x="4722763" y="3825478"/>
+            <a:ext cx="0" cy="425351"/>
           </a:xfrm>
           <a:prstGeom prst="line">
             <a:avLst/>
           </a:prstGeom>
           <a:noFill/>
-          <a:ln w="57150">
+          <a:ln w="47625">
             <a:solidFill>
               <a:srgbClr val="FE4447"/>
             </a:solidFill>
@@ -7235,14 +9025,14 @@
       </p:sp>
       <p:sp>
         <p:nvSpPr>
-          <p:cNvPr id="7" name="Text 5"/>
-          <p:cNvSpPr/>
-          <p:nvPr/>
-        </p:nvSpPr>
-        <p:spPr>
-          <a:xfrm>
-            <a:off x="717500" y="2079427"/>
-            <a:ext cx="3776142" cy="285750"/>
+          <p:cNvPr id="40" name="Text 38"/>
+          <p:cNvSpPr/>
+          <p:nvPr/>
+        </p:nvSpPr>
+        <p:spPr>
+          <a:xfrm>
+            <a:off x="4798308" y="3914329"/>
+            <a:ext cx="3786009" cy="247650"/>
           </a:xfrm>
           <a:prstGeom prst="rect">
             <a:avLst/>
@@ -7254,454 +9044,34 @@
           <a:bodyPr wrap="square" lIns="0" tIns="0" rIns="0" bIns="0" rtlCol="0" anchor="t"/>
           <a:lstStyle/>
           <a:p>
-            <a:pPr algn="l" indent="0" marL="0">
-              <a:spcAft>
-                <a:spcPts val="800"/>
-              </a:spcAft>
-              <a:buNone/>
-            </a:pPr>
-            <a:r>
-              <a:rPr lang="en-US" sz="1600" b="1" dirty="0">
-                <a:solidFill>
-                  <a:srgbClr val="181B24"/>
-                </a:solidFill>
-                <a:latin typeface="Arial" pitchFamily="34" charset="0"/>
-                <a:ea typeface="Arial" pitchFamily="34" charset="-122"/>
-                <a:cs typeface="Arial" pitchFamily="34" charset="-120"/>
-              </a:rPr>
-              <a:t>❌ Traditional Cloud AI</a:t>
-            </a:r>
-            <a:endParaRPr lang="en-US" sz="1600" dirty="0"/>
-          </a:p>
-        </p:txBody>
-      </p:sp>
-      <p:sp>
-        <p:nvSpPr>
-          <p:cNvPr id="8" name="Text 6"/>
-          <p:cNvSpPr/>
-          <p:nvPr/>
-        </p:nvSpPr>
-        <p:spPr>
-          <a:xfrm>
-            <a:off x="717500" y="2466677"/>
-            <a:ext cx="3776142" cy="206276"/>
-          </a:xfrm>
-          <a:prstGeom prst="rect">
-            <a:avLst/>
-          </a:prstGeom>
-          <a:noFill/>
-          <a:ln/>
-        </p:spPr>
-        <p:txBody>
-          <a:bodyPr wrap="square" lIns="0" tIns="0" rIns="0" bIns="0" rtlCol="0" anchor="t"/>
-          <a:lstStyle/>
-          <a:p>
-            <a:pPr algn="l" indent="0" marL="0">
-              <a:lnSpc>
-                <a:spcPts val="1625"/>
-              </a:lnSpc>
-              <a:spcBef>
-                <a:spcPts val="400"/>
-              </a:spcBef>
-              <a:spcAft>
-                <a:spcPts val="400"/>
-              </a:spcAft>
-              <a:buNone/>
-            </a:pPr>
-            <a:r>
-              <a:rPr lang="en-US" sz="1300" dirty="0">
+            <a:pPr algn="ctr" indent="0" marL="0">
+              <a:buNone/>
+            </a:pPr>
+            <a:r>
+              <a:rPr lang="en-US" sz="1200" b="1" dirty="0">
                 <a:solidFill>
                   <a:srgbClr val="2E4053"/>
                 </a:solidFill>
-                <a:latin typeface="Courier New" pitchFamily="34" charset="0"/>
-                <a:ea typeface="Courier New" pitchFamily="34" charset="-122"/>
-                <a:cs typeface="Courier New" pitchFamily="34" charset="-120"/>
-              </a:rPr>
-              <a:t>Prompt → [OpenAI Cloud]</a:t>
-            </a:r>
-            <a:endParaRPr lang="en-US" sz="1300" dirty="0"/>
-          </a:p>
-        </p:txBody>
-      </p:sp>
-      <p:sp>
-        <p:nvSpPr>
-          <p:cNvPr id="9" name="Text 7"/>
-          <p:cNvSpPr/>
-          <p:nvPr/>
-        </p:nvSpPr>
-        <p:spPr>
-          <a:xfrm>
-            <a:off x="717500" y="2723704"/>
-            <a:ext cx="3776142" cy="206276"/>
-          </a:xfrm>
-          <a:prstGeom prst="rect">
-            <a:avLst/>
-          </a:prstGeom>
-          <a:noFill/>
-          <a:ln/>
-        </p:spPr>
-        <p:txBody>
-          <a:bodyPr wrap="square" lIns="0" tIns="0" rIns="0" bIns="0" rtlCol="0" anchor="t"/>
-          <a:lstStyle/>
-          <a:p>
-            <a:pPr algn="l" indent="0" marL="0">
-              <a:lnSpc>
-                <a:spcPts val="1625"/>
-              </a:lnSpc>
-              <a:spcBef>
-                <a:spcPts val="400"/>
-              </a:spcBef>
-              <a:spcAft>
-                <a:spcPts val="400"/>
-              </a:spcAft>
-              <a:buNone/>
-            </a:pPr>
-            <a:r>
-              <a:rPr lang="en-US" sz="1300" dirty="0">
-                <a:solidFill>
-                  <a:srgbClr val="2E4053"/>
-                </a:solidFill>
-                <a:latin typeface="Courier New" pitchFamily="34" charset="0"/>
-                <a:ea typeface="Courier New" pitchFamily="34" charset="-122"/>
-                <a:cs typeface="Courier New" pitchFamily="34" charset="-120"/>
-              </a:rPr>
-              <a:t>↑ SEES EVERYTHING ↑</a:t>
-            </a:r>
-            <a:endParaRPr lang="en-US" sz="1300" dirty="0"/>
-          </a:p>
-        </p:txBody>
-      </p:sp>
-      <p:sp>
-        <p:nvSpPr>
-          <p:cNvPr id="10" name="Text 8"/>
-          <p:cNvSpPr/>
-          <p:nvPr/>
-        </p:nvSpPr>
-        <p:spPr>
-          <a:xfrm>
-            <a:off x="717500" y="2980730"/>
-            <a:ext cx="3776142" cy="206276"/>
-          </a:xfrm>
-          <a:prstGeom prst="rect">
-            <a:avLst/>
-          </a:prstGeom>
-          <a:noFill/>
-          <a:ln/>
-        </p:spPr>
-        <p:txBody>
-          <a:bodyPr wrap="square" lIns="0" tIns="0" rIns="0" bIns="0" rtlCol="0" anchor="t"/>
-          <a:lstStyle/>
-          <a:p>
-            <a:pPr algn="l" indent="0" marL="0">
-              <a:lnSpc>
-                <a:spcPts val="1625"/>
-              </a:lnSpc>
-              <a:spcBef>
-                <a:spcPts val="400"/>
-              </a:spcBef>
-              <a:spcAft>
-                <a:spcPts val="400"/>
-              </a:spcAft>
-              <a:buNone/>
-            </a:pPr>
-            <a:r>
-              <a:rPr lang="en-US" sz="1300" dirty="0">
-                <a:solidFill>
-                  <a:srgbClr val="2E4053"/>
-                </a:solidFill>
-                <a:latin typeface="Courier New" pitchFamily="34" charset="0"/>
-                <a:ea typeface="Courier New" pitchFamily="34" charset="-122"/>
-                <a:cs typeface="Courier New" pitchFamily="34" charset="-120"/>
-              </a:rPr>
-              <a:t>→ API → Your Data</a:t>
-            </a:r>
-            <a:endParaRPr lang="en-US" sz="1300" dirty="0"/>
-          </a:p>
-        </p:txBody>
-      </p:sp>
-      <p:sp>
-        <p:nvSpPr>
-          <p:cNvPr id="11" name="Text 9"/>
-          <p:cNvSpPr/>
-          <p:nvPr/>
-        </p:nvSpPr>
-        <p:spPr>
-          <a:xfrm>
-            <a:off x="4572000" y="1927027"/>
-            <a:ext cx="4064050" cy="1463129"/>
-          </a:xfrm>
-          <a:prstGeom prst="roundRect">
-            <a:avLst>
-              <a:gd name="adj" fmla="val 6944"/>
-            </a:avLst>
-          </a:prstGeom>
-          <a:solidFill>
-            <a:srgbClr val="E8F5E9"/>
-          </a:solidFill>
-          <a:ln/>
-        </p:spPr>
-        <p:txBody>
-          <a:bodyPr wrap="square" rtlCol="0" anchor="ctr"/>
-          <a:lstStyle/>
-          <a:p>
-            <a:pPr indent="0" marL="0">
-              <a:buNone/>
-            </a:pPr>
-            <a:endParaRPr lang="en-US" dirty="0"/>
-          </a:p>
-        </p:txBody>
-      </p:sp>
-      <p:sp>
-        <p:nvSpPr>
-          <p:cNvPr id="12" name="Shape 10"/>
-          <p:cNvSpPr/>
-          <p:nvPr/>
-        </p:nvSpPr>
-        <p:spPr>
-          <a:xfrm>
-            <a:off x="4600575" y="1927027"/>
-            <a:ext cx="0" cy="1463129"/>
-          </a:xfrm>
-          <a:prstGeom prst="line">
-            <a:avLst/>
-          </a:prstGeom>
-          <a:noFill/>
-          <a:ln w="57150">
-            <a:solidFill>
-              <a:srgbClr val="40695B"/>
-            </a:solidFill>
-            <a:prstDash val="solid"/>
-          </a:ln>
-        </p:spPr>
-      </p:sp>
-      <p:sp>
-        <p:nvSpPr>
-          <p:cNvPr id="13" name="Text 11"/>
-          <p:cNvSpPr/>
-          <p:nvPr/>
-        </p:nvSpPr>
-        <p:spPr>
-          <a:xfrm>
-            <a:off x="4781550" y="2079427"/>
-            <a:ext cx="3776142" cy="285750"/>
-          </a:xfrm>
-          <a:prstGeom prst="rect">
-            <a:avLst/>
-          </a:prstGeom>
-          <a:noFill/>
-          <a:ln/>
-        </p:spPr>
-        <p:txBody>
-          <a:bodyPr wrap="square" lIns="0" tIns="0" rIns="0" bIns="0" rtlCol="0" anchor="t"/>
-          <a:lstStyle/>
-          <a:p>
-            <a:pPr algn="l" indent="0" marL="0">
-              <a:spcAft>
-                <a:spcPts val="800"/>
-              </a:spcAft>
-              <a:buNone/>
-            </a:pPr>
-            <a:r>
-              <a:rPr lang="en-US" sz="1600" b="1" dirty="0">
-                <a:solidFill>
-                  <a:srgbClr val="181B24"/>
-                </a:solidFill>
-                <a:latin typeface="Arial" pitchFamily="34" charset="0"/>
-                <a:ea typeface="Arial" pitchFamily="34" charset="-122"/>
-                <a:cs typeface="Arial" pitchFamily="34" charset="-120"/>
-              </a:rPr>
-              <a:t>✅ Local AI + MCP</a:t>
-            </a:r>
-            <a:endParaRPr lang="en-US" sz="1600" dirty="0"/>
-          </a:p>
-        </p:txBody>
-      </p:sp>
-      <p:sp>
-        <p:nvSpPr>
-          <p:cNvPr id="14" name="Text 12"/>
-          <p:cNvSpPr/>
-          <p:nvPr/>
-        </p:nvSpPr>
-        <p:spPr>
-          <a:xfrm>
-            <a:off x="4781550" y="2466677"/>
-            <a:ext cx="3776142" cy="206276"/>
-          </a:xfrm>
-          <a:prstGeom prst="rect">
-            <a:avLst/>
-          </a:prstGeom>
-          <a:noFill/>
-          <a:ln/>
-        </p:spPr>
-        <p:txBody>
-          <a:bodyPr wrap="square" lIns="0" tIns="0" rIns="0" bIns="0" rtlCol="0" anchor="t"/>
-          <a:lstStyle/>
-          <a:p>
-            <a:pPr algn="l" indent="0" marL="0">
-              <a:lnSpc>
-                <a:spcPts val="1625"/>
-              </a:lnSpc>
-              <a:spcBef>
-                <a:spcPts val="400"/>
-              </a:spcBef>
-              <a:spcAft>
-                <a:spcPts val="400"/>
-              </a:spcAft>
-              <a:buNone/>
-            </a:pPr>
-            <a:r>
-              <a:rPr lang="en-US" sz="1300" dirty="0">
-                <a:solidFill>
-                  <a:srgbClr val="2E4053"/>
-                </a:solidFill>
-                <a:latin typeface="Courier New" pitchFamily="34" charset="0"/>
-                <a:ea typeface="Courier New" pitchFamily="34" charset="-122"/>
-                <a:cs typeface="Courier New" pitchFamily="34" charset="-120"/>
-              </a:rPr>
-              <a:t>Prompt → [Your AI]</a:t>
-            </a:r>
-            <a:endParaRPr lang="en-US" sz="1300" dirty="0"/>
-          </a:p>
-        </p:txBody>
-      </p:sp>
-      <p:sp>
-        <p:nvSpPr>
-          <p:cNvPr id="15" name="Text 13"/>
-          <p:cNvSpPr/>
-          <p:nvPr/>
-        </p:nvSpPr>
-        <p:spPr>
-          <a:xfrm>
-            <a:off x="4781550" y="2723704"/>
-            <a:ext cx="3776142" cy="206276"/>
-          </a:xfrm>
-          <a:prstGeom prst="rect">
-            <a:avLst/>
-          </a:prstGeom>
-          <a:noFill/>
-          <a:ln/>
-        </p:spPr>
-        <p:txBody>
-          <a:bodyPr wrap="square" lIns="0" tIns="0" rIns="0" bIns="0" rtlCol="0" anchor="t"/>
-          <a:lstStyle/>
-          <a:p>
-            <a:pPr algn="l" indent="0" marL="0">
-              <a:lnSpc>
-                <a:spcPts val="1625"/>
-              </a:lnSpc>
-              <a:spcBef>
-                <a:spcPts val="400"/>
-              </a:spcBef>
-              <a:spcAft>
-                <a:spcPts val="400"/>
-              </a:spcAft>
-              <a:buNone/>
-            </a:pPr>
-            <a:r>
-              <a:rPr lang="en-US" sz="1300" dirty="0">
-                <a:solidFill>
-                  <a:srgbClr val="2E4053"/>
-                </a:solidFill>
-                <a:latin typeface="Courier New" pitchFamily="34" charset="0"/>
-                <a:ea typeface="Courier New" pitchFamily="34" charset="-122"/>
-                <a:cs typeface="Courier New" pitchFamily="34" charset="-120"/>
-              </a:rPr>
-              <a:t>↑ PRIVATE ↑</a:t>
-            </a:r>
-            <a:endParaRPr lang="en-US" sz="1300" dirty="0"/>
-          </a:p>
-        </p:txBody>
-      </p:sp>
-      <p:sp>
-        <p:nvSpPr>
-          <p:cNvPr id="16" name="Text 14"/>
-          <p:cNvSpPr/>
-          <p:nvPr/>
-        </p:nvSpPr>
-        <p:spPr>
-          <a:xfrm>
-            <a:off x="4781550" y="2980730"/>
-            <a:ext cx="3776142" cy="206276"/>
-          </a:xfrm>
-          <a:prstGeom prst="rect">
-            <a:avLst/>
-          </a:prstGeom>
-          <a:noFill/>
-          <a:ln/>
-        </p:spPr>
-        <p:txBody>
-          <a:bodyPr wrap="square" lIns="0" tIns="0" rIns="0" bIns="0" rtlCol="0" anchor="t"/>
-          <a:lstStyle/>
-          <a:p>
-            <a:pPr algn="l" indent="0" marL="0">
-              <a:lnSpc>
-                <a:spcPts val="1625"/>
-              </a:lnSpc>
-              <a:spcBef>
-                <a:spcPts val="400"/>
-              </a:spcBef>
-              <a:spcAft>
-                <a:spcPts val="400"/>
-              </a:spcAft>
-              <a:buNone/>
-            </a:pPr>
-            <a:r>
-              <a:rPr lang="en-US" sz="1300" dirty="0">
-                <a:solidFill>
-                  <a:srgbClr val="2E4053"/>
-                </a:solidFill>
-                <a:latin typeface="Courier New" pitchFamily="34" charset="0"/>
-                <a:ea typeface="Courier New" pitchFamily="34" charset="-122"/>
-                <a:cs typeface="Courier New" pitchFamily="34" charset="-120"/>
-              </a:rPr>
-              <a:t>→ API → Your Data</a:t>
-            </a:r>
-            <a:endParaRPr lang="en-US" sz="1300" dirty="0"/>
-          </a:p>
-        </p:txBody>
-      </p:sp>
-      <p:sp>
-        <p:nvSpPr>
-          <p:cNvPr id="17" name="Text 15"/>
-          <p:cNvSpPr/>
-          <p:nvPr/>
-        </p:nvSpPr>
-        <p:spPr>
-          <a:xfrm>
-            <a:off x="507950" y="3580656"/>
-            <a:ext cx="8128099" cy="898327"/>
-          </a:xfrm>
-          <a:prstGeom prst="roundRect">
-            <a:avLst>
-              <a:gd name="adj" fmla="val 11310"/>
-            </a:avLst>
-          </a:prstGeom>
-          <a:solidFill>
-            <a:srgbClr val="B165FB"/>
-          </a:solidFill>
-          <a:ln/>
-        </p:spPr>
-        <p:txBody>
-          <a:bodyPr wrap="square" rtlCol="0" anchor="ctr"/>
-          <a:lstStyle/>
-          <a:p>
-            <a:pPr indent="0" marL="0">
-              <a:buNone/>
-            </a:pPr>
-            <a:endParaRPr lang="en-US" dirty="0"/>
-          </a:p>
-        </p:txBody>
-      </p:sp>
-      <p:sp>
-        <p:nvSpPr>
-          <p:cNvPr id="18" name="Text 16"/>
-          <p:cNvSpPr/>
-          <p:nvPr/>
-        </p:nvSpPr>
-        <p:spPr>
-          <a:xfrm>
-            <a:off x="556159" y="3910757"/>
-            <a:ext cx="8031682" cy="238125"/>
+                <a:latin typeface="Arial" pitchFamily="34" charset="0"/>
+                <a:ea typeface="Arial" pitchFamily="34" charset="-122"/>
+                <a:cs typeface="Arial" pitchFamily="34" charset="-120"/>
+              </a:rPr>
+              <a:t>☁️ Graph API</a:t>
+            </a:r>
+            <a:endParaRPr lang="en-US" sz="1200" dirty="0"/>
+          </a:p>
+        </p:txBody>
+      </p:sp>
+      <p:sp>
+        <p:nvSpPr>
+          <p:cNvPr id="41" name="Text 39"/>
+          <p:cNvSpPr/>
+          <p:nvPr/>
+        </p:nvSpPr>
+        <p:spPr>
+          <a:xfrm>
+            <a:off x="4659579" y="4288929"/>
+            <a:ext cx="4015841" cy="133350"/>
           </a:xfrm>
           <a:prstGeom prst="rect">
             <a:avLst/>
@@ -7715,25 +9085,25 @@
           <a:p>
             <a:pPr algn="ctr" indent="0" marL="0">
               <a:spcBef>
-                <a:spcPts val="1600"/>
+                <a:spcPts val="100"/>
               </a:spcBef>
               <a:spcAft>
-                <a:spcPts val="1600"/>
-              </a:spcAft>
-              <a:buNone/>
-            </a:pPr>
-            <a:r>
-              <a:rPr lang="en-US" sz="1600" b="1" dirty="0">
-                <a:solidFill>
-                  <a:srgbClr val="FFFFFF"/>
-                </a:solidFill>
-                <a:latin typeface="Arial" pitchFamily="34" charset="0"/>
-                <a:ea typeface="Arial" pitchFamily="34" charset="-122"/>
-                <a:cs typeface="Arial" pitchFamily="34" charset="-120"/>
-              </a:rPr>
-              <a:t>Best of both worlds: Privacy of local AI + Power of cloud APIs</a:t>
-            </a:r>
-            <a:endParaRPr lang="en-US" sz="1600" dirty="0"/>
+                <a:spcPts val="100"/>
+              </a:spcAft>
+              <a:buNone/>
+            </a:pPr>
+            <a:r>
+              <a:rPr lang="en-US" sz="900" i="1" dirty="0">
+                <a:solidFill>
+                  <a:srgbClr val="2E4053"/>
+                </a:solidFill>
+                <a:latin typeface="Arial" pitchFamily="34" charset="0"/>
+                <a:ea typeface="Arial" pitchFamily="34" charset="-122"/>
+                <a:cs typeface="Arial" pitchFamily="34" charset="-120"/>
+              </a:rPr>
+              <a:t>Secure call</a:t>
+            </a:r>
+            <a:endParaRPr lang="en-US" sz="900" dirty="0"/>
           </a:p>
         </p:txBody>
       </p:sp>
@@ -7832,7 +9202,7 @@
                 <a:ea typeface="Arial" pitchFamily="34" charset="-122"/>
                 <a:cs typeface="Arial" pitchFamily="34" charset="-120"/>
               </a:rPr>
-              <a:t>What Stays Local vs. What Travels</a:t>
+              <a:t>The Local AI Advantage</a:t>
             </a:r>
             <a:endParaRPr lang="en-US" sz="3600" dirty="0"/>
           </a:p>
@@ -7847,7 +9217,7 @@
         <p:spPr>
           <a:xfrm>
             <a:off x="507950" y="1412677"/>
-            <a:ext cx="3886352" cy="333375"/>
+            <a:ext cx="8290661" cy="323850"/>
           </a:xfrm>
           <a:prstGeom prst="rect">
             <a:avLst/>
@@ -7861,12 +9231,12 @@
           <a:p>
             <a:pPr algn="l" indent="0" marL="0">
               <a:spcAft>
-                <a:spcPts val="1500"/>
-              </a:spcAft>
-              <a:buNone/>
-            </a:pPr>
-            <a:r>
-              <a:rPr lang="en-US" sz="2000" b="1" dirty="0">
+                <a:spcPts val="1200"/>
+              </a:spcAft>
+              <a:buNone/>
+            </a:pPr>
+            <a:r>
+              <a:rPr lang="en-US" sz="2200" b="1" dirty="0">
                 <a:solidFill>
                   <a:srgbClr val="181B24"/>
                 </a:solidFill>
@@ -7874,9 +9244,9 @@
                 <a:ea typeface="Arial" pitchFamily="34" charset="-122"/>
                 <a:cs typeface="Arial" pitchFamily="34" charset="-120"/>
               </a:rPr>
-              <a:t>✅ Stays On Your Machine</a:t>
-            </a:r>
-            <a:endParaRPr lang="en-US" sz="2000" dirty="0"/>
+              <a:t>Privacy Flow Comparison</a:t>
+            </a:r>
+            <a:endParaRPr lang="en-US" sz="2200" dirty="0"/>
           </a:p>
         </p:txBody>
       </p:sp>
@@ -7888,174 +9258,522 @@
         </p:nvSpPr>
         <p:spPr>
           <a:xfrm>
-            <a:off x="507950" y="1936552"/>
-            <a:ext cx="3810149" cy="2091630"/>
-          </a:xfrm>
-          <a:prstGeom prst="rect">
-            <a:avLst/>
-          </a:prstGeom>
-          <a:noFill/>
-          <a:ln/>
-        </p:spPr>
-        <p:txBody>
-          <a:bodyPr wrap="square" lIns="127000" tIns="0" rIns="0" bIns="0" rtlCol="0" anchor="t"/>
-          <a:lstStyle/>
-          <a:p>
-            <a:pPr algn="l" marL="127000" indent="-127000">
+            <a:off x="507950" y="1927027"/>
+            <a:ext cx="4064050" cy="1463129"/>
+          </a:xfrm>
+          <a:prstGeom prst="roundRect">
+            <a:avLst>
+              <a:gd name="adj" fmla="val 6944"/>
+            </a:avLst>
+          </a:prstGeom>
+          <a:solidFill>
+            <a:srgbClr val="FFEBEE"/>
+          </a:solidFill>
+          <a:ln/>
+        </p:spPr>
+        <p:txBody>
+          <a:bodyPr wrap="square" rtlCol="0" anchor="ctr"/>
+          <a:lstStyle/>
+          <a:p>
+            <a:pPr indent="0" marL="0">
+              <a:buNone/>
+            </a:pPr>
+            <a:endParaRPr lang="en-US" dirty="0"/>
+          </a:p>
+        </p:txBody>
+      </p:sp>
+      <p:sp>
+        <p:nvSpPr>
+          <p:cNvPr id="6" name="Shape 4"/>
+          <p:cNvSpPr/>
+          <p:nvPr/>
+        </p:nvSpPr>
+        <p:spPr>
+          <a:xfrm>
+            <a:off x="536525" y="1927027"/>
+            <a:ext cx="0" cy="1463129"/>
+          </a:xfrm>
+          <a:prstGeom prst="line">
+            <a:avLst/>
+          </a:prstGeom>
+          <a:noFill/>
+          <a:ln w="57150">
+            <a:solidFill>
+              <a:srgbClr val="FE4447"/>
+            </a:solidFill>
+            <a:prstDash val="solid"/>
+          </a:ln>
+        </p:spPr>
+      </p:sp>
+      <p:sp>
+        <p:nvSpPr>
+          <p:cNvPr id="7" name="Text 5"/>
+          <p:cNvSpPr/>
+          <p:nvPr/>
+        </p:nvSpPr>
+        <p:spPr>
+          <a:xfrm>
+            <a:off x="717500" y="2079427"/>
+            <a:ext cx="3776142" cy="285750"/>
+          </a:xfrm>
+          <a:prstGeom prst="rect">
+            <a:avLst/>
+          </a:prstGeom>
+          <a:noFill/>
+          <a:ln/>
+        </p:spPr>
+        <p:txBody>
+          <a:bodyPr wrap="square" lIns="0" tIns="0" rIns="0" bIns="0" rtlCol="0" anchor="t"/>
+          <a:lstStyle/>
+          <a:p>
+            <a:pPr algn="l" indent="0" marL="0">
+              <a:spcAft>
+                <a:spcPts val="800"/>
+              </a:spcAft>
+              <a:buNone/>
+            </a:pPr>
+            <a:r>
+              <a:rPr lang="en-US" sz="1600" b="1" dirty="0">
+                <a:solidFill>
+                  <a:srgbClr val="181B24"/>
+                </a:solidFill>
+                <a:latin typeface="Arial" pitchFamily="34" charset="0"/>
+                <a:ea typeface="Arial" pitchFamily="34" charset="-122"/>
+                <a:cs typeface="Arial" pitchFamily="34" charset="-120"/>
+              </a:rPr>
+              <a:t>❌ Traditional Cloud AI</a:t>
+            </a:r>
+            <a:endParaRPr lang="en-US" sz="1600" dirty="0"/>
+          </a:p>
+        </p:txBody>
+      </p:sp>
+      <p:sp>
+        <p:nvSpPr>
+          <p:cNvPr id="8" name="Text 6"/>
+          <p:cNvSpPr/>
+          <p:nvPr/>
+        </p:nvSpPr>
+        <p:spPr>
+          <a:xfrm>
+            <a:off x="717500" y="2466677"/>
+            <a:ext cx="3776142" cy="206276"/>
+          </a:xfrm>
+          <a:prstGeom prst="rect">
+            <a:avLst/>
+          </a:prstGeom>
+          <a:noFill/>
+          <a:ln/>
+        </p:spPr>
+        <p:txBody>
+          <a:bodyPr wrap="square" lIns="0" tIns="0" rIns="0" bIns="0" rtlCol="0" anchor="t"/>
+          <a:lstStyle/>
+          <a:p>
+            <a:pPr algn="l" indent="0" marL="0">
               <a:lnSpc>
-                <a:spcPts val="2080"/>
+                <a:spcPts val="1625"/>
               </a:lnSpc>
+              <a:spcBef>
+                <a:spcPts val="400"/>
+              </a:spcBef>
+              <a:spcAft>
+                <a:spcPts val="400"/>
+              </a:spcAft>
+              <a:buNone/>
+            </a:pPr>
+            <a:r>
+              <a:rPr lang="en-US" sz="1300" dirty="0">
+                <a:solidFill>
+                  <a:srgbClr val="2E4053"/>
+                </a:solidFill>
+                <a:latin typeface="Courier New" pitchFamily="34" charset="0"/>
+                <a:ea typeface="Courier New" pitchFamily="34" charset="-122"/>
+                <a:cs typeface="Courier New" pitchFamily="34" charset="-120"/>
+              </a:rPr>
+              <a:t>Prompt → [OpenAI Cloud]</a:t>
+            </a:r>
+            <a:endParaRPr lang="en-US" sz="1300" dirty="0"/>
+          </a:p>
+        </p:txBody>
+      </p:sp>
+      <p:sp>
+        <p:nvSpPr>
+          <p:cNvPr id="9" name="Text 7"/>
+          <p:cNvSpPr/>
+          <p:nvPr/>
+        </p:nvSpPr>
+        <p:spPr>
+          <a:xfrm>
+            <a:off x="717500" y="2723704"/>
+            <a:ext cx="3776142" cy="206276"/>
+          </a:xfrm>
+          <a:prstGeom prst="rect">
+            <a:avLst/>
+          </a:prstGeom>
+          <a:noFill/>
+          <a:ln/>
+        </p:spPr>
+        <p:txBody>
+          <a:bodyPr wrap="square" lIns="0" tIns="0" rIns="0" bIns="0" rtlCol="0" anchor="t"/>
+          <a:lstStyle/>
+          <a:p>
+            <a:pPr algn="l" indent="0" marL="0">
+              <a:lnSpc>
+                <a:spcPts val="1625"/>
+              </a:lnSpc>
+              <a:spcBef>
+                <a:spcPts val="400"/>
+              </a:spcBef>
+              <a:spcAft>
+                <a:spcPts val="400"/>
+              </a:spcAft>
+              <a:buNone/>
+            </a:pPr>
+            <a:r>
+              <a:rPr lang="en-US" sz="1300" dirty="0">
+                <a:solidFill>
+                  <a:srgbClr val="2E4053"/>
+                </a:solidFill>
+                <a:latin typeface="Courier New" pitchFamily="34" charset="0"/>
+                <a:ea typeface="Courier New" pitchFamily="34" charset="-122"/>
+                <a:cs typeface="Courier New" pitchFamily="34" charset="-120"/>
+              </a:rPr>
+              <a:t>↑ SEES EVERYTHING ↑</a:t>
+            </a:r>
+            <a:endParaRPr lang="en-US" sz="1300" dirty="0"/>
+          </a:p>
+        </p:txBody>
+      </p:sp>
+      <p:sp>
+        <p:nvSpPr>
+          <p:cNvPr id="10" name="Text 8"/>
+          <p:cNvSpPr/>
+          <p:nvPr/>
+        </p:nvSpPr>
+        <p:spPr>
+          <a:xfrm>
+            <a:off x="717500" y="2980730"/>
+            <a:ext cx="3776142" cy="206276"/>
+          </a:xfrm>
+          <a:prstGeom prst="rect">
+            <a:avLst/>
+          </a:prstGeom>
+          <a:noFill/>
+          <a:ln/>
+        </p:spPr>
+        <p:txBody>
+          <a:bodyPr wrap="square" lIns="0" tIns="0" rIns="0" bIns="0" rtlCol="0" anchor="t"/>
+          <a:lstStyle/>
+          <a:p>
+            <a:pPr algn="l" indent="0" marL="0">
+              <a:lnSpc>
+                <a:spcPts val="1625"/>
+              </a:lnSpc>
+              <a:spcBef>
+                <a:spcPts val="400"/>
+              </a:spcBef>
+              <a:spcAft>
+                <a:spcPts val="400"/>
+              </a:spcAft>
+              <a:buNone/>
+            </a:pPr>
+            <a:r>
+              <a:rPr lang="en-US" sz="1300" dirty="0">
+                <a:solidFill>
+                  <a:srgbClr val="2E4053"/>
+                </a:solidFill>
+                <a:latin typeface="Courier New" pitchFamily="34" charset="0"/>
+                <a:ea typeface="Courier New" pitchFamily="34" charset="-122"/>
+                <a:cs typeface="Courier New" pitchFamily="34" charset="-120"/>
+              </a:rPr>
+              <a:t>→ API → Your Data</a:t>
+            </a:r>
+            <a:endParaRPr lang="en-US" sz="1300" dirty="0"/>
+          </a:p>
+        </p:txBody>
+      </p:sp>
+      <p:sp>
+        <p:nvSpPr>
+          <p:cNvPr id="11" name="Text 9"/>
+          <p:cNvSpPr/>
+          <p:nvPr/>
+        </p:nvSpPr>
+        <p:spPr>
+          <a:xfrm>
+            <a:off x="4572000" y="1927027"/>
+            <a:ext cx="4064050" cy="1463129"/>
+          </a:xfrm>
+          <a:prstGeom prst="roundRect">
+            <a:avLst>
+              <a:gd name="adj" fmla="val 6944"/>
+            </a:avLst>
+          </a:prstGeom>
+          <a:solidFill>
+            <a:srgbClr val="E8F5E9"/>
+          </a:solidFill>
+          <a:ln/>
+        </p:spPr>
+        <p:txBody>
+          <a:bodyPr wrap="square" rtlCol="0" anchor="ctr"/>
+          <a:lstStyle/>
+          <a:p>
+            <a:pPr indent="0" marL="0">
+              <a:buNone/>
+            </a:pPr>
+            <a:endParaRPr lang="en-US" dirty="0"/>
+          </a:p>
+        </p:txBody>
+      </p:sp>
+      <p:sp>
+        <p:nvSpPr>
+          <p:cNvPr id="12" name="Shape 10"/>
+          <p:cNvSpPr/>
+          <p:nvPr/>
+        </p:nvSpPr>
+        <p:spPr>
+          <a:xfrm>
+            <a:off x="4600575" y="1927027"/>
+            <a:ext cx="0" cy="1463129"/>
+          </a:xfrm>
+          <a:prstGeom prst="line">
+            <a:avLst/>
+          </a:prstGeom>
+          <a:noFill/>
+          <a:ln w="57150">
+            <a:solidFill>
+              <a:srgbClr val="40695B"/>
+            </a:solidFill>
+            <a:prstDash val="solid"/>
+          </a:ln>
+        </p:spPr>
+      </p:sp>
+      <p:sp>
+        <p:nvSpPr>
+          <p:cNvPr id="13" name="Text 11"/>
+          <p:cNvSpPr/>
+          <p:nvPr/>
+        </p:nvSpPr>
+        <p:spPr>
+          <a:xfrm>
+            <a:off x="4781550" y="2079427"/>
+            <a:ext cx="3776142" cy="285750"/>
+          </a:xfrm>
+          <a:prstGeom prst="rect">
+            <a:avLst/>
+          </a:prstGeom>
+          <a:noFill/>
+          <a:ln/>
+        </p:spPr>
+        <p:txBody>
+          <a:bodyPr wrap="square" lIns="0" tIns="0" rIns="0" bIns="0" rtlCol="0" anchor="t"/>
+          <a:lstStyle/>
+          <a:p>
+            <a:pPr algn="l" indent="0" marL="0">
               <a:spcAft>
                 <a:spcPts val="800"/>
               </a:spcAft>
-              <a:buSzPct val="100000"/>
-              <a:buChar char="•"/>
-            </a:pPr>
-            <a:r>
-              <a:rPr lang="en-US" sz="1600" dirty="0">
+              <a:buNone/>
+            </a:pPr>
+            <a:r>
+              <a:rPr lang="en-US" sz="1600" b="1" dirty="0">
+                <a:solidFill>
+                  <a:srgbClr val="181B24"/>
+                </a:solidFill>
+                <a:latin typeface="Arial" pitchFamily="34" charset="0"/>
+                <a:ea typeface="Arial" pitchFamily="34" charset="-122"/>
+                <a:cs typeface="Arial" pitchFamily="34" charset="-120"/>
+              </a:rPr>
+              <a:t>✅ Local AI + MCP</a:t>
+            </a:r>
+            <a:endParaRPr lang="en-US" sz="1600" dirty="0"/>
+          </a:p>
+        </p:txBody>
+      </p:sp>
+      <p:sp>
+        <p:nvSpPr>
+          <p:cNvPr id="14" name="Text 12"/>
+          <p:cNvSpPr/>
+          <p:nvPr/>
+        </p:nvSpPr>
+        <p:spPr>
+          <a:xfrm>
+            <a:off x="4781550" y="2466677"/>
+            <a:ext cx="3776142" cy="206276"/>
+          </a:xfrm>
+          <a:prstGeom prst="rect">
+            <a:avLst/>
+          </a:prstGeom>
+          <a:noFill/>
+          <a:ln/>
+        </p:spPr>
+        <p:txBody>
+          <a:bodyPr wrap="square" lIns="0" tIns="0" rIns="0" bIns="0" rtlCol="0" anchor="t"/>
+          <a:lstStyle/>
+          <a:p>
+            <a:pPr algn="l" indent="0" marL="0">
+              <a:lnSpc>
+                <a:spcPts val="1625"/>
+              </a:lnSpc>
+              <a:spcBef>
+                <a:spcPts val="400"/>
+              </a:spcBef>
+              <a:spcAft>
+                <a:spcPts val="400"/>
+              </a:spcAft>
+              <a:buNone/>
+            </a:pPr>
+            <a:r>
+              <a:rPr lang="en-US" sz="1300" dirty="0">
                 <a:solidFill>
                   <a:srgbClr val="2E4053"/>
                 </a:solidFill>
-                <a:latin typeface="Arial" pitchFamily="34" charset="0"/>
-                <a:ea typeface="Arial" pitchFamily="34" charset="-122"/>
-                <a:cs typeface="Arial" pitchFamily="34" charset="-120"/>
-              </a:rPr>
-              <a:t>Your prompts and questions</a:t>
-            </a:r>
-            <a:endParaRPr lang="en-US" sz="1600" dirty="0"/>
-          </a:p>
-          <a:p>
-            <a:pPr algn="l" marL="127000" indent="-127000">
+                <a:latin typeface="Courier New" pitchFamily="34" charset="0"/>
+                <a:ea typeface="Courier New" pitchFamily="34" charset="-122"/>
+                <a:cs typeface="Courier New" pitchFamily="34" charset="-120"/>
+              </a:rPr>
+              <a:t>Prompt → [Your AI]</a:t>
+            </a:r>
+            <a:endParaRPr lang="en-US" sz="1300" dirty="0"/>
+          </a:p>
+        </p:txBody>
+      </p:sp>
+      <p:sp>
+        <p:nvSpPr>
+          <p:cNvPr id="15" name="Text 13"/>
+          <p:cNvSpPr/>
+          <p:nvPr/>
+        </p:nvSpPr>
+        <p:spPr>
+          <a:xfrm>
+            <a:off x="4781550" y="2723704"/>
+            <a:ext cx="3776142" cy="206276"/>
+          </a:xfrm>
+          <a:prstGeom prst="rect">
+            <a:avLst/>
+          </a:prstGeom>
+          <a:noFill/>
+          <a:ln/>
+        </p:spPr>
+        <p:txBody>
+          <a:bodyPr wrap="square" lIns="0" tIns="0" rIns="0" bIns="0" rtlCol="0" anchor="t"/>
+          <a:lstStyle/>
+          <a:p>
+            <a:pPr algn="l" indent="0" marL="0">
               <a:lnSpc>
-                <a:spcPts val="2080"/>
+                <a:spcPts val="1625"/>
               </a:lnSpc>
-              <a:spcAft>
-                <a:spcPts val="800"/>
-              </a:spcAft>
-              <a:buSzPct val="100000"/>
-              <a:buChar char="•"/>
-            </a:pPr>
-            <a:r>
-              <a:rPr lang="en-US" sz="1600" dirty="0">
+              <a:spcBef>
+                <a:spcPts val="400"/>
+              </a:spcBef>
+              <a:spcAft>
+                <a:spcPts val="400"/>
+              </a:spcAft>
+              <a:buNone/>
+            </a:pPr>
+            <a:r>
+              <a:rPr lang="en-US" sz="1300" dirty="0">
                 <a:solidFill>
                   <a:srgbClr val="2E4053"/>
                 </a:solidFill>
-                <a:latin typeface="Arial" pitchFamily="34" charset="0"/>
-                <a:ea typeface="Arial" pitchFamily="34" charset="-122"/>
-                <a:cs typeface="Arial" pitchFamily="34" charset="-120"/>
-              </a:rPr>
-              <a:t>AI reasoning and planning</a:t>
-            </a:r>
-            <a:endParaRPr lang="en-US" sz="1600" dirty="0"/>
-          </a:p>
-          <a:p>
-            <a:pPr algn="l" marL="127000" indent="-127000">
+                <a:latin typeface="Courier New" pitchFamily="34" charset="0"/>
+                <a:ea typeface="Courier New" pitchFamily="34" charset="-122"/>
+                <a:cs typeface="Courier New" pitchFamily="34" charset="-120"/>
+              </a:rPr>
+              <a:t>↑ PRIVATE ↑</a:t>
+            </a:r>
+            <a:endParaRPr lang="en-US" sz="1300" dirty="0"/>
+          </a:p>
+        </p:txBody>
+      </p:sp>
+      <p:sp>
+        <p:nvSpPr>
+          <p:cNvPr id="16" name="Text 14"/>
+          <p:cNvSpPr/>
+          <p:nvPr/>
+        </p:nvSpPr>
+        <p:spPr>
+          <a:xfrm>
+            <a:off x="4781550" y="2980730"/>
+            <a:ext cx="3776142" cy="206276"/>
+          </a:xfrm>
+          <a:prstGeom prst="rect">
+            <a:avLst/>
+          </a:prstGeom>
+          <a:noFill/>
+          <a:ln/>
+        </p:spPr>
+        <p:txBody>
+          <a:bodyPr wrap="square" lIns="0" tIns="0" rIns="0" bIns="0" rtlCol="0" anchor="t"/>
+          <a:lstStyle/>
+          <a:p>
+            <a:pPr algn="l" indent="0" marL="0">
               <a:lnSpc>
-                <a:spcPts val="2080"/>
+                <a:spcPts val="1625"/>
               </a:lnSpc>
-              <a:spcAft>
-                <a:spcPts val="800"/>
-              </a:spcAft>
-              <a:buSzPct val="100000"/>
-              <a:buChar char="•"/>
-            </a:pPr>
-            <a:r>
-              <a:rPr lang="en-US" sz="1600" dirty="0">
+              <a:spcBef>
+                <a:spcPts val="400"/>
+              </a:spcBef>
+              <a:spcAft>
+                <a:spcPts val="400"/>
+              </a:spcAft>
+              <a:buNone/>
+            </a:pPr>
+            <a:r>
+              <a:rPr lang="en-US" sz="1300" dirty="0">
                 <a:solidFill>
                   <a:srgbClr val="2E4053"/>
                 </a:solidFill>
-                <a:latin typeface="Arial" pitchFamily="34" charset="0"/>
-                <a:ea typeface="Arial" pitchFamily="34" charset="-122"/>
-                <a:cs typeface="Arial" pitchFamily="34" charset="-120"/>
-              </a:rPr>
-              <a:t>Local database queries</a:t>
-            </a:r>
-            <a:endParaRPr lang="en-US" sz="1600" dirty="0"/>
-          </a:p>
-          <a:p>
-            <a:pPr algn="l" marL="127000" indent="-127000">
-              <a:lnSpc>
-                <a:spcPts val="2080"/>
-              </a:lnSpc>
-              <a:spcAft>
-                <a:spcPts val="800"/>
-              </a:spcAft>
-              <a:buSzPct val="100000"/>
-              <a:buChar char="•"/>
-            </a:pPr>
-            <a:r>
-              <a:rPr lang="en-US" sz="1600" dirty="0">
-                <a:solidFill>
-                  <a:srgbClr val="2E4053"/>
-                </a:solidFill>
-                <a:latin typeface="Arial" pitchFamily="34" charset="0"/>
-                <a:ea typeface="Arial" pitchFamily="34" charset="-122"/>
-                <a:cs typeface="Arial" pitchFamily="34" charset="-120"/>
-              </a:rPr>
-              <a:t>Conference session data</a:t>
-            </a:r>
-            <a:endParaRPr lang="en-US" sz="1600" dirty="0"/>
-          </a:p>
-          <a:p>
-            <a:pPr algn="l" marL="127000" indent="-127000">
-              <a:lnSpc>
-                <a:spcPts val="2080"/>
-              </a:lnSpc>
-              <a:spcAft>
-                <a:spcPts val="800"/>
-              </a:spcAft>
-              <a:buSzPct val="100000"/>
-              <a:buChar char="•"/>
-            </a:pPr>
-            <a:r>
-              <a:rPr lang="en-US" sz="1600" dirty="0">
-                <a:solidFill>
-                  <a:srgbClr val="2E4053"/>
-                </a:solidFill>
-                <a:latin typeface="Arial" pitchFamily="34" charset="0"/>
-                <a:ea typeface="Arial" pitchFamily="34" charset="-122"/>
-                <a:cs typeface="Arial" pitchFamily="34" charset="-120"/>
-              </a:rPr>
-              <a:t>Tool selection logic</a:t>
-            </a:r>
-            <a:endParaRPr lang="en-US" sz="1600" dirty="0"/>
-          </a:p>
-          <a:p>
-            <a:pPr algn="l" marL="127000" indent="-127000">
-              <a:lnSpc>
-                <a:spcPts val="2080"/>
-              </a:lnSpc>
-              <a:spcAft>
-                <a:spcPts val="800"/>
-              </a:spcAft>
-              <a:buSzPct val="100000"/>
-              <a:buChar char="•"/>
-            </a:pPr>
-            <a:r>
-              <a:rPr lang="en-US" sz="1600" dirty="0">
-                <a:solidFill>
-                  <a:srgbClr val="2E4053"/>
-                </a:solidFill>
-                <a:latin typeface="Arial" pitchFamily="34" charset="0"/>
-                <a:ea typeface="Arial" pitchFamily="34" charset="-122"/>
-                <a:cs typeface="Arial" pitchFamily="34" charset="-120"/>
-              </a:rPr>
-              <a:t>Intermediate processing steps</a:t>
-            </a:r>
-            <a:endParaRPr lang="en-US" sz="1600" dirty="0"/>
-          </a:p>
-        </p:txBody>
-      </p:sp>
-      <p:sp>
-        <p:nvSpPr>
-          <p:cNvPr id="6" name="Text 4"/>
-          <p:cNvSpPr/>
-          <p:nvPr/>
-        </p:nvSpPr>
-        <p:spPr>
-          <a:xfrm>
-            <a:off x="4825901" y="1412677"/>
-            <a:ext cx="3886352" cy="333375"/>
+                <a:latin typeface="Courier New" pitchFamily="34" charset="0"/>
+                <a:ea typeface="Courier New" pitchFamily="34" charset="-122"/>
+                <a:cs typeface="Courier New" pitchFamily="34" charset="-120"/>
+              </a:rPr>
+              <a:t>→ API → Your Data</a:t>
+            </a:r>
+            <a:endParaRPr lang="en-US" sz="1300" dirty="0"/>
+          </a:p>
+        </p:txBody>
+      </p:sp>
+      <p:sp>
+        <p:nvSpPr>
+          <p:cNvPr id="17" name="Text 15"/>
+          <p:cNvSpPr/>
+          <p:nvPr/>
+        </p:nvSpPr>
+        <p:spPr>
+          <a:xfrm>
+            <a:off x="507950" y="3580656"/>
+            <a:ext cx="8128099" cy="898327"/>
+          </a:xfrm>
+          <a:prstGeom prst="roundRect">
+            <a:avLst>
+              <a:gd name="adj" fmla="val 11310"/>
+            </a:avLst>
+          </a:prstGeom>
+          <a:solidFill>
+            <a:srgbClr val="B165FB"/>
+          </a:solidFill>
+          <a:ln/>
+        </p:spPr>
+        <p:txBody>
+          <a:bodyPr wrap="square" rtlCol="0" anchor="ctr"/>
+          <a:lstStyle/>
+          <a:p>
+            <a:pPr indent="0" marL="0">
+              <a:buNone/>
+            </a:pPr>
+            <a:endParaRPr lang="en-US" dirty="0"/>
+          </a:p>
+        </p:txBody>
+      </p:sp>
+      <p:sp>
+        <p:nvSpPr>
+          <p:cNvPr id="18" name="Text 16"/>
+          <p:cNvSpPr/>
+          <p:nvPr/>
+        </p:nvSpPr>
+        <p:spPr>
+          <a:xfrm>
+            <a:off x="556159" y="3910757"/>
+            <a:ext cx="8031682" cy="238125"/>
           </a:xfrm>
           <a:prstGeom prst="rect">
             <a:avLst/>
@@ -8067,164 +9785,25 @@
           <a:bodyPr wrap="square" lIns="0" tIns="0" rIns="0" bIns="0" rtlCol="0" anchor="t"/>
           <a:lstStyle/>
           <a:p>
-            <a:pPr algn="l" indent="0" marL="0">
-              <a:spcAft>
-                <a:spcPts val="1500"/>
-              </a:spcAft>
-              <a:buNone/>
-            </a:pPr>
-            <a:r>
-              <a:rPr lang="en-US" sz="2000" b="1" dirty="0">
-                <a:solidFill>
-                  <a:srgbClr val="181B24"/>
-                </a:solidFill>
-                <a:latin typeface="Arial" pitchFamily="34" charset="0"/>
-                <a:ea typeface="Arial" pitchFamily="34" charset="-122"/>
-                <a:cs typeface="Arial" pitchFamily="34" charset="-120"/>
-              </a:rPr>
-              <a:t>🔒 Travels (OAuth-Secured)</a:t>
-            </a:r>
-            <a:endParaRPr lang="en-US" sz="2000" dirty="0"/>
-          </a:p>
-        </p:txBody>
-      </p:sp>
-      <p:sp>
-        <p:nvSpPr>
-          <p:cNvPr id="7" name="Text 5"/>
-          <p:cNvSpPr/>
-          <p:nvPr/>
-        </p:nvSpPr>
-        <p:spPr>
-          <a:xfrm>
-            <a:off x="4825901" y="1936552"/>
-            <a:ext cx="3810149" cy="1726109"/>
-          </a:xfrm>
-          <a:prstGeom prst="rect">
-            <a:avLst/>
-          </a:prstGeom>
-          <a:noFill/>
-          <a:ln/>
-        </p:spPr>
-        <p:txBody>
-          <a:bodyPr wrap="square" lIns="127000" tIns="0" rIns="0" bIns="0" rtlCol="0" anchor="t"/>
-          <a:lstStyle/>
-          <a:p>
-            <a:pPr algn="l" marL="127000" indent="-127000">
-              <a:lnSpc>
-                <a:spcPts val="2080"/>
-              </a:lnSpc>
-              <a:spcAft>
-                <a:spcPts val="800"/>
-              </a:spcAft>
-              <a:buSzPct val="100000"/>
-              <a:buChar char="•"/>
-            </a:pPr>
-            <a:r>
-              <a:rPr lang="en-US" sz="1600" dirty="0">
-                <a:solidFill>
-                  <a:srgbClr val="2E4053"/>
-                </a:solidFill>
-                <a:latin typeface="Arial" pitchFamily="34" charset="0"/>
-                <a:ea typeface="Arial" pitchFamily="34" charset="-122"/>
-                <a:cs typeface="Arial" pitchFamily="34" charset="-120"/>
-              </a:rPr>
-              <a:t>OAuth token exchange (one-time)</a:t>
-            </a:r>
-            <a:endParaRPr lang="en-US" sz="1600" dirty="0"/>
-          </a:p>
-          <a:p>
-            <a:pPr algn="l" marL="127000" indent="-127000">
-              <a:lnSpc>
-                <a:spcPts val="2080"/>
-              </a:lnSpc>
-              <a:spcAft>
-                <a:spcPts val="800"/>
-              </a:spcAft>
-              <a:buSzPct val="100000"/>
-              <a:buChar char="•"/>
-            </a:pPr>
-            <a:r>
-              <a:rPr lang="en-US" sz="1600" dirty="0">
-                <a:solidFill>
-                  <a:srgbClr val="2E4053"/>
-                </a:solidFill>
-                <a:latin typeface="Arial" pitchFamily="34" charset="0"/>
-                <a:ea typeface="Arial" pitchFamily="34" charset="-122"/>
-                <a:cs typeface="Arial" pitchFamily="34" charset="-120"/>
-              </a:rPr>
-              <a:t>Microsoft Graph API calls</a:t>
-            </a:r>
-            <a:endParaRPr lang="en-US" sz="1600" dirty="0"/>
-          </a:p>
-          <a:p>
-            <a:pPr algn="l" marL="127000" indent="-127000">
-              <a:lnSpc>
-                <a:spcPts val="2080"/>
-              </a:lnSpc>
-              <a:spcAft>
-                <a:spcPts val="800"/>
-              </a:spcAft>
-              <a:buSzPct val="100000"/>
-              <a:buChar char="•"/>
-            </a:pPr>
-            <a:r>
-              <a:rPr lang="en-US" sz="1600" dirty="0">
-                <a:solidFill>
-                  <a:srgbClr val="2E4053"/>
-                </a:solidFill>
-                <a:latin typeface="Arial" pitchFamily="34" charset="0"/>
-                <a:ea typeface="Arial" pitchFamily="34" charset="-122"/>
-                <a:cs typeface="Arial" pitchFamily="34" charset="-120"/>
-              </a:rPr>
-              <a:t>Calendar event creation</a:t>
-            </a:r>
-            <a:endParaRPr lang="en-US" sz="1600" dirty="0"/>
-          </a:p>
-          <a:p>
-            <a:pPr algn="l" marL="127000" indent="-127000">
-              <a:lnSpc>
-                <a:spcPts val="2080"/>
-              </a:lnSpc>
-              <a:spcAft>
-                <a:spcPts val="800"/>
-              </a:spcAft>
-              <a:buSzPct val="100000"/>
-              <a:buChar char="•"/>
-            </a:pPr>
-            <a:r>
-              <a:rPr lang="en-US" sz="1600" dirty="0">
-                <a:solidFill>
-                  <a:srgbClr val="2E4053"/>
-                </a:solidFill>
-                <a:latin typeface="Arial" pitchFamily="34" charset="0"/>
-                <a:ea typeface="Arial" pitchFamily="34" charset="-122"/>
-                <a:cs typeface="Arial" pitchFamily="34" charset="-120"/>
-              </a:rPr>
-              <a:t>Email queries (encrypted HTTPS)</a:t>
-            </a:r>
-            <a:endParaRPr lang="en-US" sz="1600" dirty="0"/>
-          </a:p>
-          <a:p>
-            <a:pPr algn="l" marL="127000" indent="-127000">
-              <a:lnSpc>
-                <a:spcPts val="2080"/>
-              </a:lnSpc>
-              <a:spcAft>
-                <a:spcPts val="800"/>
-              </a:spcAft>
-              <a:buSzPct val="100000"/>
-              <a:buChar char="•"/>
-            </a:pPr>
-            <a:r>
-              <a:rPr lang="en-US" sz="1600" dirty="0">
-                <a:solidFill>
-                  <a:srgbClr val="2E4053"/>
-                </a:solidFill>
-                <a:latin typeface="Arial" pitchFamily="34" charset="0"/>
-                <a:ea typeface="Arial" pitchFamily="34" charset="-122"/>
-                <a:cs typeface="Arial" pitchFamily="34" charset="-120"/>
-              </a:rPr>
-              <a:t>Structured API requests only</a:t>
+            <a:pPr algn="ctr" indent="0" marL="0">
+              <a:spcBef>
+                <a:spcPts val="1600"/>
+              </a:spcBef>
+              <a:spcAft>
+                <a:spcPts val="1600"/>
+              </a:spcAft>
+              <a:buNone/>
+            </a:pPr>
+            <a:r>
+              <a:rPr lang="en-US" sz="1600" b="1" dirty="0">
+                <a:solidFill>
+                  <a:srgbClr val="FFFFFF"/>
+                </a:solidFill>
+                <a:latin typeface="Arial" pitchFamily="34" charset="0"/>
+                <a:ea typeface="Arial" pitchFamily="34" charset="-122"/>
+                <a:cs typeface="Arial" pitchFamily="34" charset="-120"/>
+              </a:rPr>
+              <a:t>Best of both worlds: Privacy of local AI + Power of cloud APIs</a:t>
             </a:r>
             <a:endParaRPr lang="en-US" sz="1600" dirty="0"/>
           </a:p>
@@ -8241,6 +9820,499 @@
 <file path=ppt/slides/slide6.xml><?xml version="1.0" encoding="utf-8"?>
 <p:sld xmlns:a="http://schemas.openxmlformats.org/drawingml/2006/main" xmlns:r="http://schemas.openxmlformats.org/officeDocument/2006/relationships" xmlns:p="http://schemas.openxmlformats.org/presentationml/2006/main">
   <p:cSld name="Slide 6">
+    <p:bg>
+      <p:bgPr>
+        <a:solidFill>
+          <a:srgbClr val="FFFFFF"/>
+        </a:solidFill>
+      </p:bgPr>
+    </p:bg>
+    <p:spTree>
+      <p:nvGrpSpPr>
+        <p:cNvPr id="1" name=""/>
+        <p:cNvGrpSpPr/>
+        <p:nvPr/>
+      </p:nvGrpSpPr>
+      <p:grpSpPr>
+        <a:xfrm>
+          <a:off x="0" y="0"/>
+          <a:ext cx="0" cy="0"/>
+          <a:chOff x="0" y="0"/>
+          <a:chExt cx="0" cy="0"/>
+        </a:xfrm>
+      </p:grpSpPr>
+      <p:sp>
+        <p:nvSpPr>
+          <p:cNvPr id="2" name="Text 0"/>
+          <p:cNvSpPr/>
+          <p:nvPr/>
+        </p:nvSpPr>
+        <p:spPr>
+          <a:xfrm>
+            <a:off x="0" y="0"/>
+            <a:ext cx="9144000" cy="1158776"/>
+          </a:xfrm>
+          <a:prstGeom prst="rect">
+            <a:avLst/>
+          </a:prstGeom>
+          <a:solidFill>
+            <a:srgbClr val="181B24"/>
+          </a:solidFill>
+          <a:ln/>
+        </p:spPr>
+        <p:txBody>
+          <a:bodyPr wrap="square" rtlCol="0" anchor="ctr"/>
+          <a:lstStyle/>
+          <a:p>
+            <a:pPr indent="0" marL="0">
+              <a:buNone/>
+            </a:pPr>
+            <a:endParaRPr lang="en-US" dirty="0"/>
+          </a:p>
+        </p:txBody>
+      </p:sp>
+      <p:sp>
+        <p:nvSpPr>
+          <p:cNvPr id="3" name="Text 1"/>
+          <p:cNvSpPr/>
+          <p:nvPr/>
+        </p:nvSpPr>
+        <p:spPr>
+          <a:xfrm>
+            <a:off x="507950" y="317450"/>
+            <a:ext cx="8290661" cy="523875"/>
+          </a:xfrm>
+          <a:prstGeom prst="rect">
+            <a:avLst/>
+          </a:prstGeom>
+          <a:noFill/>
+          <a:ln/>
+        </p:spPr>
+        <p:txBody>
+          <a:bodyPr wrap="square" lIns="0" tIns="0" rIns="0" bIns="0" rtlCol="0" anchor="t"/>
+          <a:lstStyle/>
+          <a:p>
+            <a:pPr algn="l" indent="0" marL="0">
+              <a:buNone/>
+            </a:pPr>
+            <a:r>
+              <a:rPr lang="en-US" sz="3600" b="1" dirty="0">
+                <a:solidFill>
+                  <a:srgbClr val="B165FB"/>
+                </a:solidFill>
+                <a:latin typeface="Arial" pitchFamily="34" charset="0"/>
+                <a:ea typeface="Arial" pitchFamily="34" charset="-122"/>
+                <a:cs typeface="Arial" pitchFamily="34" charset="-120"/>
+              </a:rPr>
+              <a:t>What Stays Local vs. What Travels</a:t>
+            </a:r>
+            <a:endParaRPr lang="en-US" sz="3600" dirty="0"/>
+          </a:p>
+        </p:txBody>
+      </p:sp>
+      <p:sp>
+        <p:nvSpPr>
+          <p:cNvPr id="4" name="Text 2"/>
+          <p:cNvSpPr/>
+          <p:nvPr/>
+        </p:nvSpPr>
+        <p:spPr>
+          <a:xfrm>
+            <a:off x="507950" y="1412677"/>
+            <a:ext cx="3886352" cy="333375"/>
+          </a:xfrm>
+          <a:prstGeom prst="rect">
+            <a:avLst/>
+          </a:prstGeom>
+          <a:noFill/>
+          <a:ln/>
+        </p:spPr>
+        <p:txBody>
+          <a:bodyPr wrap="square" lIns="0" tIns="0" rIns="0" bIns="0" rtlCol="0" anchor="t"/>
+          <a:lstStyle/>
+          <a:p>
+            <a:pPr algn="l" indent="0" marL="0">
+              <a:spcAft>
+                <a:spcPts val="1500"/>
+              </a:spcAft>
+              <a:buNone/>
+            </a:pPr>
+            <a:r>
+              <a:rPr lang="en-US" sz="2000" b="1" dirty="0">
+                <a:solidFill>
+                  <a:srgbClr val="181B24"/>
+                </a:solidFill>
+                <a:latin typeface="Arial" pitchFamily="34" charset="0"/>
+                <a:ea typeface="Arial" pitchFamily="34" charset="-122"/>
+                <a:cs typeface="Arial" pitchFamily="34" charset="-120"/>
+              </a:rPr>
+              <a:t>✅ Stays On Your Machine</a:t>
+            </a:r>
+            <a:endParaRPr lang="en-US" sz="2000" dirty="0"/>
+          </a:p>
+        </p:txBody>
+      </p:sp>
+      <p:sp>
+        <p:nvSpPr>
+          <p:cNvPr id="5" name="Text 3"/>
+          <p:cNvSpPr/>
+          <p:nvPr/>
+        </p:nvSpPr>
+        <p:spPr>
+          <a:xfrm>
+            <a:off x="507950" y="1936552"/>
+            <a:ext cx="3810149" cy="2091630"/>
+          </a:xfrm>
+          <a:prstGeom prst="rect">
+            <a:avLst/>
+          </a:prstGeom>
+          <a:noFill/>
+          <a:ln/>
+        </p:spPr>
+        <p:txBody>
+          <a:bodyPr wrap="square" lIns="127000" tIns="0" rIns="0" bIns="0" rtlCol="0" anchor="t"/>
+          <a:lstStyle/>
+          <a:p>
+            <a:pPr algn="l" marL="127000" indent="-127000">
+              <a:lnSpc>
+                <a:spcPts val="2080"/>
+              </a:lnSpc>
+              <a:spcAft>
+                <a:spcPts val="800"/>
+              </a:spcAft>
+              <a:buSzPct val="100000"/>
+              <a:buChar char="•"/>
+            </a:pPr>
+            <a:r>
+              <a:rPr lang="en-US" sz="1600" dirty="0">
+                <a:solidFill>
+                  <a:srgbClr val="2E4053"/>
+                </a:solidFill>
+                <a:latin typeface="Arial" pitchFamily="34" charset="0"/>
+                <a:ea typeface="Arial" pitchFamily="34" charset="-122"/>
+                <a:cs typeface="Arial" pitchFamily="34" charset="-120"/>
+              </a:rPr>
+              <a:t>Your prompts and questions</a:t>
+            </a:r>
+            <a:endParaRPr lang="en-US" sz="1600" dirty="0"/>
+          </a:p>
+          <a:p>
+            <a:pPr algn="l" marL="127000" indent="-127000">
+              <a:lnSpc>
+                <a:spcPts val="2080"/>
+              </a:lnSpc>
+              <a:spcAft>
+                <a:spcPts val="800"/>
+              </a:spcAft>
+              <a:buSzPct val="100000"/>
+              <a:buChar char="•"/>
+            </a:pPr>
+            <a:r>
+              <a:rPr lang="en-US" sz="1600" dirty="0">
+                <a:solidFill>
+                  <a:srgbClr val="2E4053"/>
+                </a:solidFill>
+                <a:latin typeface="Arial" pitchFamily="34" charset="0"/>
+                <a:ea typeface="Arial" pitchFamily="34" charset="-122"/>
+                <a:cs typeface="Arial" pitchFamily="34" charset="-120"/>
+              </a:rPr>
+              <a:t>AI reasoning and planning</a:t>
+            </a:r>
+            <a:endParaRPr lang="en-US" sz="1600" dirty="0"/>
+          </a:p>
+          <a:p>
+            <a:pPr algn="l" marL="127000" indent="-127000">
+              <a:lnSpc>
+                <a:spcPts val="2080"/>
+              </a:lnSpc>
+              <a:spcAft>
+                <a:spcPts val="800"/>
+              </a:spcAft>
+              <a:buSzPct val="100000"/>
+              <a:buChar char="•"/>
+            </a:pPr>
+            <a:r>
+              <a:rPr lang="en-US" sz="1600" dirty="0">
+                <a:solidFill>
+                  <a:srgbClr val="2E4053"/>
+                </a:solidFill>
+                <a:latin typeface="Arial" pitchFamily="34" charset="0"/>
+                <a:ea typeface="Arial" pitchFamily="34" charset="-122"/>
+                <a:cs typeface="Arial" pitchFamily="34" charset="-120"/>
+              </a:rPr>
+              <a:t>Local database queries</a:t>
+            </a:r>
+            <a:endParaRPr lang="en-US" sz="1600" dirty="0"/>
+          </a:p>
+          <a:p>
+            <a:pPr algn="l" marL="127000" indent="-127000">
+              <a:lnSpc>
+                <a:spcPts val="2080"/>
+              </a:lnSpc>
+              <a:spcAft>
+                <a:spcPts val="800"/>
+              </a:spcAft>
+              <a:buSzPct val="100000"/>
+              <a:buChar char="•"/>
+            </a:pPr>
+            <a:r>
+              <a:rPr lang="en-US" sz="1600" dirty="0">
+                <a:solidFill>
+                  <a:srgbClr val="2E4053"/>
+                </a:solidFill>
+                <a:latin typeface="Arial" pitchFamily="34" charset="0"/>
+                <a:ea typeface="Arial" pitchFamily="34" charset="-122"/>
+                <a:cs typeface="Arial" pitchFamily="34" charset="-120"/>
+              </a:rPr>
+              <a:t>Conference session data</a:t>
+            </a:r>
+            <a:endParaRPr lang="en-US" sz="1600" dirty="0"/>
+          </a:p>
+          <a:p>
+            <a:pPr algn="l" marL="127000" indent="-127000">
+              <a:lnSpc>
+                <a:spcPts val="2080"/>
+              </a:lnSpc>
+              <a:spcAft>
+                <a:spcPts val="800"/>
+              </a:spcAft>
+              <a:buSzPct val="100000"/>
+              <a:buChar char="•"/>
+            </a:pPr>
+            <a:r>
+              <a:rPr lang="en-US" sz="1600" dirty="0">
+                <a:solidFill>
+                  <a:srgbClr val="2E4053"/>
+                </a:solidFill>
+                <a:latin typeface="Arial" pitchFamily="34" charset="0"/>
+                <a:ea typeface="Arial" pitchFamily="34" charset="-122"/>
+                <a:cs typeface="Arial" pitchFamily="34" charset="-120"/>
+              </a:rPr>
+              <a:t>Tool selection logic</a:t>
+            </a:r>
+            <a:endParaRPr lang="en-US" sz="1600" dirty="0"/>
+          </a:p>
+          <a:p>
+            <a:pPr algn="l" marL="127000" indent="-127000">
+              <a:lnSpc>
+                <a:spcPts val="2080"/>
+              </a:lnSpc>
+              <a:spcAft>
+                <a:spcPts val="800"/>
+              </a:spcAft>
+              <a:buSzPct val="100000"/>
+              <a:buChar char="•"/>
+            </a:pPr>
+            <a:r>
+              <a:rPr lang="en-US" sz="1600" dirty="0">
+                <a:solidFill>
+                  <a:srgbClr val="2E4053"/>
+                </a:solidFill>
+                <a:latin typeface="Arial" pitchFamily="34" charset="0"/>
+                <a:ea typeface="Arial" pitchFamily="34" charset="-122"/>
+                <a:cs typeface="Arial" pitchFamily="34" charset="-120"/>
+              </a:rPr>
+              <a:t>Intermediate processing steps</a:t>
+            </a:r>
+            <a:endParaRPr lang="en-US" sz="1600" dirty="0"/>
+          </a:p>
+        </p:txBody>
+      </p:sp>
+      <p:sp>
+        <p:nvSpPr>
+          <p:cNvPr id="6" name="Text 4"/>
+          <p:cNvSpPr/>
+          <p:nvPr/>
+        </p:nvSpPr>
+        <p:spPr>
+          <a:xfrm>
+            <a:off x="4825901" y="1412677"/>
+            <a:ext cx="3886352" cy="333375"/>
+          </a:xfrm>
+          <a:prstGeom prst="rect">
+            <a:avLst/>
+          </a:prstGeom>
+          <a:noFill/>
+          <a:ln/>
+        </p:spPr>
+        <p:txBody>
+          <a:bodyPr wrap="square" lIns="0" tIns="0" rIns="0" bIns="0" rtlCol="0" anchor="t"/>
+          <a:lstStyle/>
+          <a:p>
+            <a:pPr algn="l" indent="0" marL="0">
+              <a:spcAft>
+                <a:spcPts val="1500"/>
+              </a:spcAft>
+              <a:buNone/>
+            </a:pPr>
+            <a:r>
+              <a:rPr lang="en-US" sz="2000" b="1" dirty="0">
+                <a:solidFill>
+                  <a:srgbClr val="181B24"/>
+                </a:solidFill>
+                <a:latin typeface="Arial" pitchFamily="34" charset="0"/>
+                <a:ea typeface="Arial" pitchFamily="34" charset="-122"/>
+                <a:cs typeface="Arial" pitchFamily="34" charset="-120"/>
+              </a:rPr>
+              <a:t>🔒 Travels (OAuth-Secured)</a:t>
+            </a:r>
+            <a:endParaRPr lang="en-US" sz="2000" dirty="0"/>
+          </a:p>
+        </p:txBody>
+      </p:sp>
+      <p:sp>
+        <p:nvSpPr>
+          <p:cNvPr id="7" name="Text 5"/>
+          <p:cNvSpPr/>
+          <p:nvPr/>
+        </p:nvSpPr>
+        <p:spPr>
+          <a:xfrm>
+            <a:off x="4825901" y="1936552"/>
+            <a:ext cx="3810149" cy="1726109"/>
+          </a:xfrm>
+          <a:prstGeom prst="rect">
+            <a:avLst/>
+          </a:prstGeom>
+          <a:noFill/>
+          <a:ln/>
+        </p:spPr>
+        <p:txBody>
+          <a:bodyPr wrap="square" lIns="127000" tIns="0" rIns="0" bIns="0" rtlCol="0" anchor="t"/>
+          <a:lstStyle/>
+          <a:p>
+            <a:pPr algn="l" marL="127000" indent="-127000">
+              <a:lnSpc>
+                <a:spcPts val="2080"/>
+              </a:lnSpc>
+              <a:spcAft>
+                <a:spcPts val="800"/>
+              </a:spcAft>
+              <a:buSzPct val="100000"/>
+              <a:buChar char="•"/>
+            </a:pPr>
+            <a:r>
+              <a:rPr lang="en-US" sz="1600" dirty="0">
+                <a:solidFill>
+                  <a:srgbClr val="2E4053"/>
+                </a:solidFill>
+                <a:latin typeface="Arial" pitchFamily="34" charset="0"/>
+                <a:ea typeface="Arial" pitchFamily="34" charset="-122"/>
+                <a:cs typeface="Arial" pitchFamily="34" charset="-120"/>
+              </a:rPr>
+              <a:t>OAuth token exchange (one-time)</a:t>
+            </a:r>
+            <a:endParaRPr lang="en-US" sz="1600" dirty="0"/>
+          </a:p>
+          <a:p>
+            <a:pPr algn="l" marL="127000" indent="-127000">
+              <a:lnSpc>
+                <a:spcPts val="2080"/>
+              </a:lnSpc>
+              <a:spcAft>
+                <a:spcPts val="800"/>
+              </a:spcAft>
+              <a:buSzPct val="100000"/>
+              <a:buChar char="•"/>
+            </a:pPr>
+            <a:r>
+              <a:rPr lang="en-US" sz="1600" dirty="0">
+                <a:solidFill>
+                  <a:srgbClr val="2E4053"/>
+                </a:solidFill>
+                <a:latin typeface="Arial" pitchFamily="34" charset="0"/>
+                <a:ea typeface="Arial" pitchFamily="34" charset="-122"/>
+                <a:cs typeface="Arial" pitchFamily="34" charset="-120"/>
+              </a:rPr>
+              <a:t>Microsoft Graph API calls</a:t>
+            </a:r>
+            <a:endParaRPr lang="en-US" sz="1600" dirty="0"/>
+          </a:p>
+          <a:p>
+            <a:pPr algn="l" marL="127000" indent="-127000">
+              <a:lnSpc>
+                <a:spcPts val="2080"/>
+              </a:lnSpc>
+              <a:spcAft>
+                <a:spcPts val="800"/>
+              </a:spcAft>
+              <a:buSzPct val="100000"/>
+              <a:buChar char="•"/>
+            </a:pPr>
+            <a:r>
+              <a:rPr lang="en-US" sz="1600" dirty="0">
+                <a:solidFill>
+                  <a:srgbClr val="2E4053"/>
+                </a:solidFill>
+                <a:latin typeface="Arial" pitchFamily="34" charset="0"/>
+                <a:ea typeface="Arial" pitchFamily="34" charset="-122"/>
+                <a:cs typeface="Arial" pitchFamily="34" charset="-120"/>
+              </a:rPr>
+              <a:t>Calendar event creation</a:t>
+            </a:r>
+            <a:endParaRPr lang="en-US" sz="1600" dirty="0"/>
+          </a:p>
+          <a:p>
+            <a:pPr algn="l" marL="127000" indent="-127000">
+              <a:lnSpc>
+                <a:spcPts val="2080"/>
+              </a:lnSpc>
+              <a:spcAft>
+                <a:spcPts val="800"/>
+              </a:spcAft>
+              <a:buSzPct val="100000"/>
+              <a:buChar char="•"/>
+            </a:pPr>
+            <a:r>
+              <a:rPr lang="en-US" sz="1600" dirty="0">
+                <a:solidFill>
+                  <a:srgbClr val="2E4053"/>
+                </a:solidFill>
+                <a:latin typeface="Arial" pitchFamily="34" charset="0"/>
+                <a:ea typeface="Arial" pitchFamily="34" charset="-122"/>
+                <a:cs typeface="Arial" pitchFamily="34" charset="-120"/>
+              </a:rPr>
+              <a:t>Email queries (encrypted HTTPS)</a:t>
+            </a:r>
+            <a:endParaRPr lang="en-US" sz="1600" dirty="0"/>
+          </a:p>
+          <a:p>
+            <a:pPr algn="l" marL="127000" indent="-127000">
+              <a:lnSpc>
+                <a:spcPts val="2080"/>
+              </a:lnSpc>
+              <a:spcAft>
+                <a:spcPts val="800"/>
+              </a:spcAft>
+              <a:buSzPct val="100000"/>
+              <a:buChar char="•"/>
+            </a:pPr>
+            <a:r>
+              <a:rPr lang="en-US" sz="1600" dirty="0">
+                <a:solidFill>
+                  <a:srgbClr val="2E4053"/>
+                </a:solidFill>
+                <a:latin typeface="Arial" pitchFamily="34" charset="0"/>
+                <a:ea typeface="Arial" pitchFamily="34" charset="-122"/>
+                <a:cs typeface="Arial" pitchFamily="34" charset="-120"/>
+              </a:rPr>
+              <a:t>Structured API requests only</a:t>
+            </a:r>
+            <a:endParaRPr lang="en-US" sz="1600" dirty="0"/>
+          </a:p>
+        </p:txBody>
+      </p:sp>
+    </p:spTree>
+  </p:cSld>
+  <p:clrMapOvr>
+    <a:masterClrMapping/>
+  </p:clrMapOvr>
+</p:sld>
+</file>
+
+<file path=ppt/slides/slide7.xml><?xml version="1.0" encoding="utf-8"?>
+<p:sld xmlns:a="http://schemas.openxmlformats.org/drawingml/2006/main" xmlns:r="http://schemas.openxmlformats.org/officeDocument/2006/relationships" xmlns:p="http://schemas.openxmlformats.org/presentationml/2006/main">
+  <p:cSld name="Slide 7">
     <p:bg>
       <p:bgPr>
         <a:solidFill>
@@ -8419,9 +10491,9 @@
 </p:sld>
 </file>
 
-<file path=ppt/slides/slide7.xml><?xml version="1.0" encoding="utf-8"?>
+<file path=ppt/slides/slide8.xml><?xml version="1.0" encoding="utf-8"?>
 <p:sld xmlns:a="http://schemas.openxmlformats.org/drawingml/2006/main" xmlns:r="http://schemas.openxmlformats.org/officeDocument/2006/relationships" xmlns:p="http://schemas.openxmlformats.org/presentationml/2006/main">
-  <p:cSld name="Slide 7">
+  <p:cSld name="Slide 8">
     <p:bg>
       <p:bgPr>
         <a:solidFill>
@@ -8831,9 +10903,9 @@
 </p:sld>
 </file>
 
-<file path=ppt/slides/slide8.xml><?xml version="1.0" encoding="utf-8"?>
+<file path=ppt/slides/slide9.xml><?xml version="1.0" encoding="utf-8"?>
 <p:sld xmlns:a="http://schemas.openxmlformats.org/drawingml/2006/main" xmlns:r="http://schemas.openxmlformats.org/officeDocument/2006/relationships" xmlns:p="http://schemas.openxmlformats.org/presentationml/2006/main">
-  <p:cSld name="Slide 8">
+  <p:cSld name="Slide 9">
     <p:bg>
       <p:bgPr>
         <a:solidFill>
@@ -9001,512 +11073,6 @@
               <a:t>and two MCP servers working together!</a:t>
             </a:r>
             <a:endParaRPr lang="en-US" sz="2000" dirty="0"/>
-          </a:p>
-        </p:txBody>
-      </p:sp>
-    </p:spTree>
-  </p:cSld>
-  <p:clrMapOvr>
-    <a:masterClrMapping/>
-  </p:clrMapOvr>
-</p:sld>
-</file>
-
-<file path=ppt/slides/slide9.xml><?xml version="1.0" encoding="utf-8"?>
-<p:sld xmlns:a="http://schemas.openxmlformats.org/drawingml/2006/main" xmlns:r="http://schemas.openxmlformats.org/officeDocument/2006/relationships" xmlns:p="http://schemas.openxmlformats.org/presentationml/2006/main">
-  <p:cSld name="Slide 9">
-    <p:bg>
-      <p:bgPr>
-        <a:solidFill>
-          <a:srgbClr val="FFFFFF"/>
-        </a:solidFill>
-      </p:bgPr>
-    </p:bg>
-    <p:spTree>
-      <p:nvGrpSpPr>
-        <p:cNvPr id="1" name=""/>
-        <p:cNvGrpSpPr/>
-        <p:nvPr/>
-      </p:nvGrpSpPr>
-      <p:grpSpPr>
-        <a:xfrm>
-          <a:off x="0" y="0"/>
-          <a:ext cx="0" cy="0"/>
-          <a:chOff x="0" y="0"/>
-          <a:chExt cx="0" cy="0"/>
-        </a:xfrm>
-      </p:grpSpPr>
-      <p:sp>
-        <p:nvSpPr>
-          <p:cNvPr id="2" name="Text 0"/>
-          <p:cNvSpPr/>
-          <p:nvPr/>
-        </p:nvSpPr>
-        <p:spPr>
-          <a:xfrm>
-            <a:off x="0" y="0"/>
-            <a:ext cx="9144000" cy="1234976"/>
-          </a:xfrm>
-          <a:prstGeom prst="rect">
-            <a:avLst/>
-          </a:prstGeom>
-          <a:solidFill>
-            <a:srgbClr val="181B24"/>
-          </a:solidFill>
-          <a:ln/>
-        </p:spPr>
-        <p:txBody>
-          <a:bodyPr wrap="square" rtlCol="0" anchor="ctr"/>
-          <a:lstStyle/>
-          <a:p>
-            <a:pPr indent="0" marL="0">
-              <a:buNone/>
-            </a:pPr>
-            <a:endParaRPr lang="en-US" dirty="0"/>
-          </a:p>
-        </p:txBody>
-      </p:sp>
-      <p:sp>
-        <p:nvSpPr>
-          <p:cNvPr id="3" name="Text 1"/>
-          <p:cNvSpPr/>
-          <p:nvPr/>
-        </p:nvSpPr>
-        <p:spPr>
-          <a:xfrm>
-            <a:off x="507950" y="317450"/>
-            <a:ext cx="8290661" cy="600075"/>
-          </a:xfrm>
-          <a:prstGeom prst="rect">
-            <a:avLst/>
-          </a:prstGeom>
-          <a:noFill/>
-          <a:ln/>
-        </p:spPr>
-        <p:txBody>
-          <a:bodyPr wrap="square" lIns="0" tIns="0" rIns="0" bIns="0" rtlCol="0" anchor="t"/>
-          <a:lstStyle/>
-          <a:p>
-            <a:pPr algn="l" indent="0" marL="0">
-              <a:buNone/>
-            </a:pPr>
-            <a:r>
-              <a:rPr lang="en-US" sz="3600" b="1" dirty="0">
-                <a:solidFill>
-                  <a:srgbClr val="B165FB"/>
-                </a:solidFill>
-                <a:latin typeface="Arial" pitchFamily="34" charset="0"/>
-                <a:ea typeface="Arial" pitchFamily="34" charset="-122"/>
-                <a:cs typeface="Arial" pitchFamily="34" charset="-120"/>
-              </a:rPr>
-              <a:t>MCP Composition: The Magic ✨</a:t>
-            </a:r>
-            <a:endParaRPr lang="en-US" sz="3600" dirty="0"/>
-          </a:p>
-        </p:txBody>
-      </p:sp>
-      <p:sp>
-        <p:nvSpPr>
-          <p:cNvPr id="4" name="Text 2"/>
-          <p:cNvSpPr/>
-          <p:nvPr/>
-        </p:nvSpPr>
-        <p:spPr>
-          <a:xfrm>
-            <a:off x="507950" y="1488877"/>
-            <a:ext cx="8290661" cy="323850"/>
-          </a:xfrm>
-          <a:prstGeom prst="rect">
-            <a:avLst/>
-          </a:prstGeom>
-          <a:noFill/>
-          <a:ln/>
-        </p:spPr>
-        <p:txBody>
-          <a:bodyPr wrap="square" lIns="0" tIns="0" rIns="0" bIns="0" rtlCol="0" anchor="t"/>
-          <a:lstStyle/>
-          <a:p>
-            <a:pPr algn="l" indent="0" marL="0">
-              <a:spcAft>
-                <a:spcPts val="1200"/>
-              </a:spcAft>
-              <a:buNone/>
-            </a:pPr>
-            <a:r>
-              <a:rPr lang="en-US" sz="2200" b="1" dirty="0">
-                <a:solidFill>
-                  <a:srgbClr val="181B24"/>
-                </a:solidFill>
-                <a:latin typeface="Arial" pitchFamily="34" charset="0"/>
-                <a:ea typeface="Arial" pitchFamily="34" charset="-122"/>
-                <a:cs typeface="Arial" pitchFamily="34" charset="-120"/>
-              </a:rPr>
-              <a:t>Two MCP Servers Working Together:</a:t>
-            </a:r>
-            <a:endParaRPr lang="en-US" sz="2200" dirty="0"/>
-          </a:p>
-        </p:txBody>
-      </p:sp>
-      <p:sp>
-        <p:nvSpPr>
-          <p:cNvPr id="5" name="Text 3"/>
-          <p:cNvSpPr/>
-          <p:nvPr/>
-        </p:nvSpPr>
-        <p:spPr>
-          <a:xfrm>
-            <a:off x="507950" y="1965127"/>
-            <a:ext cx="8128099" cy="1638300"/>
-          </a:xfrm>
-          <a:prstGeom prst="roundRect">
-            <a:avLst>
-              <a:gd name="adj" fmla="val 6202"/>
-            </a:avLst>
-          </a:prstGeom>
-          <a:solidFill>
-            <a:srgbClr val="F4F6F6"/>
-          </a:solidFill>
-          <a:ln/>
-        </p:spPr>
-        <p:txBody>
-          <a:bodyPr wrap="square" rtlCol="0" anchor="ctr"/>
-          <a:lstStyle/>
-          <a:p>
-            <a:pPr indent="0" marL="0">
-              <a:buNone/>
-            </a:pPr>
-            <a:endParaRPr lang="en-US" dirty="0"/>
-          </a:p>
-        </p:txBody>
-      </p:sp>
-      <p:sp>
-        <p:nvSpPr>
-          <p:cNvPr id="6" name="Text 4"/>
-          <p:cNvSpPr/>
-          <p:nvPr/>
-        </p:nvSpPr>
-        <p:spPr>
-          <a:xfrm>
-            <a:off x="698450" y="2231827"/>
-            <a:ext cx="7902041" cy="219075"/>
-          </a:xfrm>
-          <a:prstGeom prst="rect">
-            <a:avLst/>
-          </a:prstGeom>
-          <a:noFill/>
-          <a:ln/>
-        </p:spPr>
-        <p:txBody>
-          <a:bodyPr wrap="square" lIns="0" tIns="0" rIns="0" bIns="0" rtlCol="0" anchor="t"/>
-          <a:lstStyle/>
-          <a:p>
-            <a:pPr algn="l" indent="0" marL="0">
-              <a:spcBef>
-                <a:spcPts val="600"/>
-              </a:spcBef>
-              <a:spcAft>
-                <a:spcPts val="600"/>
-              </a:spcAft>
-              <a:buNone/>
-            </a:pPr>
-            <a:r>
-              <a:rPr lang="en-US" sz="1500" b="1" dirty="0">
-                <a:solidFill>
-                  <a:srgbClr val="40695B"/>
-                </a:solidFill>
-                <a:latin typeface="Courier New" pitchFamily="34" charset="0"/>
-                <a:ea typeface="Courier New" pitchFamily="34" charset="-122"/>
-                <a:cs typeface="Courier New" pitchFamily="34" charset="-120"/>
-              </a:rPr>
-              <a:t>Step 1:</a:t>
-            </a:r>
-            <a:pPr algn="l" indent="0" marL="0">
-              <a:spcBef>
-                <a:spcPts val="600"/>
-              </a:spcBef>
-              <a:spcAft>
-                <a:spcPts val="600"/>
-              </a:spcAft>
-              <a:buNone/>
-            </a:pPr>
-            <a:r>
-              <a:rPr lang="en-US" sz="1500" dirty="0">
-                <a:solidFill>
-                  <a:srgbClr val="2E4053"/>
-                </a:solidFill>
-                <a:latin typeface="Courier New" pitchFamily="34" charset="0"/>
-                <a:ea typeface="Courier New" pitchFamily="34" charset="-122"/>
-                <a:cs typeface="Courier New" pitchFamily="34" charset="-120"/>
-              </a:rPr>
-              <a:t> Search sessions → Conference MCP</a:t>
-            </a:r>
-            <a:endParaRPr lang="en-US" sz="1500" dirty="0"/>
-          </a:p>
-        </p:txBody>
-      </p:sp>
-      <p:sp>
-        <p:nvSpPr>
-          <p:cNvPr id="7" name="Text 5"/>
-          <p:cNvSpPr/>
-          <p:nvPr/>
-        </p:nvSpPr>
-        <p:spPr>
-          <a:xfrm>
-            <a:off x="698450" y="2527102"/>
-            <a:ext cx="7902041" cy="219075"/>
-          </a:xfrm>
-          <a:prstGeom prst="rect">
-            <a:avLst/>
-          </a:prstGeom>
-          <a:noFill/>
-          <a:ln/>
-        </p:spPr>
-        <p:txBody>
-          <a:bodyPr wrap="square" lIns="0" tIns="0" rIns="0" bIns="0" rtlCol="0" anchor="t"/>
-          <a:lstStyle/>
-          <a:p>
-            <a:pPr algn="l" indent="0" marL="0">
-              <a:spcBef>
-                <a:spcPts val="600"/>
-              </a:spcBef>
-              <a:spcAft>
-                <a:spcPts val="600"/>
-              </a:spcAft>
-              <a:buNone/>
-            </a:pPr>
-            <a:r>
-              <a:rPr lang="en-US" sz="1500" b="1" dirty="0">
-                <a:solidFill>
-                  <a:srgbClr val="40695B"/>
-                </a:solidFill>
-                <a:latin typeface="Courier New" pitchFamily="34" charset="0"/>
-                <a:ea typeface="Courier New" pitchFamily="34" charset="-122"/>
-                <a:cs typeface="Courier New" pitchFamily="34" charset="-120"/>
-              </a:rPr>
-              <a:t>Step 2:</a:t>
-            </a:r>
-            <a:pPr algn="l" indent="0" marL="0">
-              <a:spcBef>
-                <a:spcPts val="600"/>
-              </a:spcBef>
-              <a:spcAft>
-                <a:spcPts val="600"/>
-              </a:spcAft>
-              <a:buNone/>
-            </a:pPr>
-            <a:r>
-              <a:rPr lang="en-US" sz="1500" dirty="0">
-                <a:solidFill>
-                  <a:srgbClr val="2E4053"/>
-                </a:solidFill>
-                <a:latin typeface="Courier New" pitchFamily="34" charset="0"/>
-                <a:ea typeface="Courier New" pitchFamily="34" charset="-122"/>
-                <a:cs typeface="Courier New" pitchFamily="34" charset="-120"/>
-              </a:rPr>
-              <a:t> Found Session 87 (Copilot Studio)</a:t>
-            </a:r>
-            <a:endParaRPr lang="en-US" sz="1500" dirty="0"/>
-          </a:p>
-        </p:txBody>
-      </p:sp>
-      <p:sp>
-        <p:nvSpPr>
-          <p:cNvPr id="8" name="Text 6"/>
-          <p:cNvSpPr/>
-          <p:nvPr/>
-        </p:nvSpPr>
-        <p:spPr>
-          <a:xfrm>
-            <a:off x="698450" y="2822377"/>
-            <a:ext cx="7902041" cy="219075"/>
-          </a:xfrm>
-          <a:prstGeom prst="rect">
-            <a:avLst/>
-          </a:prstGeom>
-          <a:noFill/>
-          <a:ln/>
-        </p:spPr>
-        <p:txBody>
-          <a:bodyPr wrap="square" lIns="0" tIns="0" rIns="0" bIns="0" rtlCol="0" anchor="t"/>
-          <a:lstStyle/>
-          <a:p>
-            <a:pPr algn="l" indent="0" marL="0">
-              <a:spcBef>
-                <a:spcPts val="600"/>
-              </a:spcBef>
-              <a:spcAft>
-                <a:spcPts val="600"/>
-              </a:spcAft>
-              <a:buNone/>
-            </a:pPr>
-            <a:r>
-              <a:rPr lang="en-US" sz="1500" b="1" dirty="0">
-                <a:solidFill>
-                  <a:srgbClr val="40695B"/>
-                </a:solidFill>
-                <a:latin typeface="Courier New" pitchFamily="34" charset="0"/>
-                <a:ea typeface="Courier New" pitchFamily="34" charset="-122"/>
-                <a:cs typeface="Courier New" pitchFamily="34" charset="-120"/>
-              </a:rPr>
-              <a:t>Step 3:</a:t>
-            </a:r>
-            <a:pPr algn="l" indent="0" marL="0">
-              <a:spcBef>
-                <a:spcPts val="600"/>
-              </a:spcBef>
-              <a:spcAft>
-                <a:spcPts val="600"/>
-              </a:spcAft>
-              <a:buNone/>
-            </a:pPr>
-            <a:r>
-              <a:rPr lang="en-US" sz="1500" dirty="0">
-                <a:solidFill>
-                  <a:srgbClr val="2E4053"/>
-                </a:solidFill>
-                <a:latin typeface="Courier New" pitchFamily="34" charset="0"/>
-                <a:ea typeface="Courier New" pitchFamily="34" charset="-122"/>
-                <a:cs typeface="Courier New" pitchFamily="34" charset="-120"/>
-              </a:rPr>
-              <a:t> Add to calendar → Graph MCP</a:t>
-            </a:r>
-            <a:endParaRPr lang="en-US" sz="1500" dirty="0"/>
-          </a:p>
-        </p:txBody>
-      </p:sp>
-      <p:sp>
-        <p:nvSpPr>
-          <p:cNvPr id="9" name="Text 7"/>
-          <p:cNvSpPr/>
-          <p:nvPr/>
-        </p:nvSpPr>
-        <p:spPr>
-          <a:xfrm>
-            <a:off x="698450" y="3117652"/>
-            <a:ext cx="7902041" cy="219075"/>
-          </a:xfrm>
-          <a:prstGeom prst="rect">
-            <a:avLst/>
-          </a:prstGeom>
-          <a:noFill/>
-          <a:ln/>
-        </p:spPr>
-        <p:txBody>
-          <a:bodyPr wrap="square" lIns="0" tIns="0" rIns="0" bIns="0" rtlCol="0" anchor="t"/>
-          <a:lstStyle/>
-          <a:p>
-            <a:pPr algn="l" indent="0" marL="0">
-              <a:spcBef>
-                <a:spcPts val="600"/>
-              </a:spcBef>
-              <a:spcAft>
-                <a:spcPts val="600"/>
-              </a:spcAft>
-              <a:buNone/>
-            </a:pPr>
-            <a:r>
-              <a:rPr lang="en-US" sz="1500" b="1" dirty="0">
-                <a:solidFill>
-                  <a:srgbClr val="40695B"/>
-                </a:solidFill>
-                <a:latin typeface="Courier New" pitchFamily="34" charset="0"/>
-                <a:ea typeface="Courier New" pitchFamily="34" charset="-122"/>
-                <a:cs typeface="Courier New" pitchFamily="34" charset="-120"/>
-              </a:rPr>
-              <a:t>Step 4:</a:t>
-            </a:r>
-            <a:pPr algn="l" indent="0" marL="0">
-              <a:spcBef>
-                <a:spcPts val="600"/>
-              </a:spcBef>
-              <a:spcAft>
-                <a:spcPts val="600"/>
-              </a:spcAft>
-              <a:buNone/>
-            </a:pPr>
-            <a:r>
-              <a:rPr lang="en-US" sz="1500" dirty="0">
-                <a:solidFill>
-                  <a:srgbClr val="2E4053"/>
-                </a:solidFill>
-                <a:latin typeface="Courier New" pitchFamily="34" charset="0"/>
-                <a:ea typeface="Courier New" pitchFamily="34" charset="-122"/>
-                <a:cs typeface="Courier New" pitchFamily="34" charset="-120"/>
-              </a:rPr>
-              <a:t> Calendar event created!</a:t>
-            </a:r>
-            <a:endParaRPr lang="en-US" sz="1500" dirty="0"/>
-          </a:p>
-        </p:txBody>
-      </p:sp>
-      <p:sp>
-        <p:nvSpPr>
-          <p:cNvPr id="10" name="Text 8"/>
-          <p:cNvSpPr/>
-          <p:nvPr/>
-        </p:nvSpPr>
-        <p:spPr>
-          <a:xfrm>
-            <a:off x="507950" y="3730377"/>
-            <a:ext cx="8128099" cy="730151"/>
-          </a:xfrm>
-          <a:prstGeom prst="roundRect">
-            <a:avLst>
-              <a:gd name="adj" fmla="val 13915"/>
-            </a:avLst>
-          </a:prstGeom>
-          <a:solidFill>
-            <a:srgbClr val="B165FB"/>
-          </a:solidFill>
-          <a:ln/>
-        </p:spPr>
-        <p:txBody>
-          <a:bodyPr wrap="square" rtlCol="0" anchor="ctr"/>
-          <a:lstStyle/>
-          <a:p>
-            <a:pPr indent="0" marL="0">
-              <a:buNone/>
-            </a:pPr>
-            <a:endParaRPr lang="en-US" dirty="0"/>
-          </a:p>
-        </p:txBody>
-      </p:sp>
-      <p:sp>
-        <p:nvSpPr>
-          <p:cNvPr id="11" name="Text 9"/>
-          <p:cNvSpPr/>
-          <p:nvPr/>
-        </p:nvSpPr>
-        <p:spPr>
-          <a:xfrm>
-            <a:off x="556159" y="3857327"/>
-            <a:ext cx="8031682" cy="476250"/>
-          </a:xfrm>
-          <a:prstGeom prst="rect">
-            <a:avLst/>
-          </a:prstGeom>
-          <a:noFill/>
-          <a:ln/>
-        </p:spPr>
-        <p:txBody>
-          <a:bodyPr wrap="square" lIns="0" tIns="0" rIns="0" bIns="0" rtlCol="0" anchor="t"/>
-          <a:lstStyle/>
-          <a:p>
-            <a:pPr algn="ctr" indent="0" marL="0">
-              <a:buNone/>
-            </a:pPr>
-            <a:r>
-              <a:rPr lang="en-US" sz="1600" b="1" dirty="0">
-                <a:solidFill>
-                  <a:srgbClr val="FFFFFF"/>
-                </a:solidFill>
-                <a:latin typeface="Arial" pitchFamily="34" charset="0"/>
-                <a:ea typeface="Arial" pitchFamily="34" charset="-122"/>
-                <a:cs typeface="Arial" pitchFamily="34" charset="-120"/>
-              </a:rPr>
-              <a:t>Two independent servers. One AI. Seamless coordination through standard protocol.</a:t>
-            </a:r>
-            <a:endParaRPr lang="en-US" sz="1600" dirty="0"/>
           </a:p>
         </p:txBody>
       </p:sp>
